--- a/2_Boston_marathon/Boston_presentation.pptx
+++ b/2_Boston_marathon/Boston_presentation.pptx
@@ -5,15 +5,16 @@
     <p:sldMasterId id="2147483648" r:id="rId1"/>
   </p:sldMasterIdLst>
   <p:notesMasterIdLst>
-    <p:notesMasterId r:id="rId6"/>
+    <p:notesMasterId r:id="rId7"/>
   </p:notesMasterIdLst>
   <p:handoutMasterIdLst>
-    <p:handoutMasterId r:id="rId7"/>
+    <p:handoutMasterId r:id="rId8"/>
   </p:handoutMasterIdLst>
   <p:sldIdLst>
     <p:sldId id="256" r:id="rId3"/>
     <p:sldId id="257" r:id="rId4"/>
     <p:sldId id="258" r:id="rId5"/>
+    <p:sldId id="259" r:id="rId6"/>
   </p:sldIdLst>
   <p:sldSz cx="12192000" cy="6858000"/>
   <p:notesSz cx="7103745" cy="10234295"/>
@@ -5018,11 +5019,83 @@
     </p:tnLst>
     <p:bldLst>
       <p:bldP spid="2" grpId="0"/>
-      <p:bldP spid="3" grpId="0" build="p"/>
+      <p:bldP spid="3" grpId="0" uiExpand="1" build="p"/>
       <p:bldP spid="5" grpId="0"/>
       <p:bldP spid="19" grpId="0"/>
     </p:bldLst>
   </p:timing>
+</p:sld>
+</file>
+
+<file path=ppt/slides/slide4.xml><?xml version="1.0" encoding="utf-8"?>
+<p:sld xmlns:a="http://schemas.openxmlformats.org/drawingml/2006/main" xmlns:r="http://schemas.openxmlformats.org/officeDocument/2006/relationships" xmlns:p="http://schemas.openxmlformats.org/presentationml/2006/main">
+  <p:cSld>
+    <p:spTree>
+      <p:nvGrpSpPr>
+        <p:cNvPr id="1" name=""/>
+        <p:cNvGrpSpPr/>
+        <p:nvPr/>
+      </p:nvGrpSpPr>
+      <p:grpSpPr/>
+      <p:sp>
+        <p:nvSpPr>
+          <p:cNvPr id="2" name="Title 1"/>
+          <p:cNvSpPr>
+            <a:spLocks noGrp="1"/>
+          </p:cNvSpPr>
+          <p:nvPr>
+            <p:ph type="title"/>
+          </p:nvPr>
+        </p:nvSpPr>
+        <p:spPr/>
+        <p:txBody>
+          <a:bodyPr/>
+          <a:p>
+            <a:r>
+              <a:rPr lang="en-US" altLang="en-US">
+                <a:sym typeface="+mn-ea"/>
+              </a:rPr>
+              <a:t>2. The core</a:t>
+            </a:r>
+            <a:br>
+              <a:rPr lang="en-US" altLang="en-US"/>
+            </a:br>
+            <a:endParaRPr lang="en-US"/>
+          </a:p>
+        </p:txBody>
+      </p:sp>
+      <p:sp>
+        <p:nvSpPr>
+          <p:cNvPr id="3" name="Content Placeholder 2"/>
+          <p:cNvSpPr>
+            <a:spLocks noGrp="1"/>
+          </p:cNvSpPr>
+          <p:nvPr>
+            <p:ph idx="1"/>
+          </p:nvPr>
+        </p:nvSpPr>
+        <p:spPr/>
+        <p:txBody>
+          <a:bodyPr/>
+          <a:p>
+            <a:r>
+              <a:rPr lang="en-US" altLang="en-US">
+                <a:sym typeface="+mn-ea"/>
+              </a:rPr>
+              <a:t>The Flow</a:t>
+            </a:r>
+            <a:endParaRPr lang="en-US" altLang="en-US"/>
+          </a:p>
+          <a:p>
+            <a:endParaRPr lang="en-US"/>
+          </a:p>
+        </p:txBody>
+      </p:sp>
+    </p:spTree>
+  </p:cSld>
+  <p:clrMapOvr>
+    <a:masterClrMapping/>
+  </p:clrMapOvr>
 </p:sld>
 </file>
 

--- a/2_Boston_marathon/Boston_presentation.pptx
+++ b/2_Boston_marathon/Boston_presentation.pptx
@@ -5,19 +5,22 @@
     <p:sldMasterId id="2147483648" r:id="rId1"/>
   </p:sldMasterIdLst>
   <p:notesMasterIdLst>
-    <p:notesMasterId r:id="rId7"/>
+    <p:notesMasterId r:id="rId9"/>
   </p:notesMasterIdLst>
   <p:handoutMasterIdLst>
-    <p:handoutMasterId r:id="rId8"/>
+    <p:handoutMasterId r:id="rId10"/>
   </p:handoutMasterIdLst>
   <p:sldIdLst>
-    <p:sldId id="256" r:id="rId3"/>
-    <p:sldId id="257" r:id="rId4"/>
-    <p:sldId id="258" r:id="rId5"/>
-    <p:sldId id="259" r:id="rId6"/>
+    <p:sldId id="256" r:id="rId2"/>
+    <p:sldId id="257" r:id="rId3"/>
+    <p:sldId id="258" r:id="rId4"/>
+    <p:sldId id="259" r:id="rId5"/>
+    <p:sldId id="260" r:id="rId6"/>
+    <p:sldId id="261" r:id="rId7"/>
+    <p:sldId id="262" r:id="rId8"/>
   </p:sldIdLst>
   <p:sldSz cx="12192000" cy="6858000"/>
-  <p:notesSz cx="7103745" cy="10234295"/>
+  <p:notesSz cx="7104063" cy="10234613"/>
   <p:defaultTextStyle>
     <a:defPPr>
       <a:defRPr lang="zh-CN"/>
@@ -113,6 +116,22 @@
       </a:defRPr>
     </a:lvl9pPr>
   </p:defaultTextStyle>
+  <p:extLst>
+    <p:ext uri="{EFAFB233-063F-42B5-8137-9DF3F51BA10A}">
+      <p15:sldGuideLst xmlns:p15="http://schemas.microsoft.com/office/powerpoint/2012/main">
+        <p15:guide id="1" orient="horz" pos="2160">
+          <p15:clr>
+            <a:srgbClr val="A4A3A4"/>
+          </p15:clr>
+        </p15:guide>
+        <p15:guide id="2" pos="3840">
+          <p15:clr>
+            <a:srgbClr val="A4A3A4"/>
+          </p15:clr>
+        </p15:guide>
+      </p15:sldGuideLst>
+    </p:ext>
+  </p:extLst>
 </p:presentation>
 </file>
 
@@ -198,6 +217,7 @@
           <a:p>
             <a:fld id="{0F9B84EA-7D68-4D60-9CB1-D50884785D1C}" type="datetimeFigureOut">
               <a:rPr lang="zh-CN" altLang="en-US" smtClean="0"/>
+              <a:t>2020/6/3</a:t>
             </a:fld>
             <a:endParaRPr lang="zh-CN" altLang="en-US"/>
           </a:p>
@@ -263,6 +283,7 @@
           <a:p>
             <a:fld id="{8D4E0FC9-F1F8-4FAE-9988-3BA365CFD46F}" type="slidenum">
               <a:rPr lang="zh-CN" altLang="en-US" smtClean="0"/>
+              <a:t>‹#›</a:t>
             </a:fld>
             <a:endParaRPr lang="zh-CN" altLang="en-US"/>
           </a:p>
@@ -356,6 +377,7 @@
           <a:p>
             <a:fld id="{D6C8D182-E4C8-4120-9249-FC9774456FFA}" type="datetimeFigureOut">
               <a:rPr lang="zh-CN" altLang="en-US" smtClean="0"/>
+              <a:t>2020/6/3</a:t>
             </a:fld>
             <a:endParaRPr lang="zh-CN" altLang="en-US"/>
           </a:p>
@@ -422,7 +444,6 @@
               <a:rPr lang="zh-CN" altLang="en-US"/>
               <a:t>编辑母版文本样式</a:t>
             </a:r>
-            <a:endParaRPr lang="zh-CN" altLang="en-US"/>
           </a:p>
           <a:p>
             <a:pPr lvl="1"/>
@@ -430,7 +451,6 @@
               <a:rPr lang="zh-CN" altLang="en-US"/>
               <a:t>第二级</a:t>
             </a:r>
-            <a:endParaRPr lang="zh-CN" altLang="en-US"/>
           </a:p>
           <a:p>
             <a:pPr lvl="2"/>
@@ -438,7 +458,6 @@
               <a:rPr lang="zh-CN" altLang="en-US"/>
               <a:t>第三级</a:t>
             </a:r>
-            <a:endParaRPr lang="zh-CN" altLang="en-US"/>
           </a:p>
           <a:p>
             <a:pPr lvl="3"/>
@@ -446,7 +465,6 @@
               <a:rPr lang="zh-CN" altLang="en-US"/>
               <a:t>第四级</a:t>
             </a:r>
-            <a:endParaRPr lang="zh-CN" altLang="en-US"/>
           </a:p>
           <a:p>
             <a:pPr lvl="4"/>
@@ -454,7 +472,6 @@
               <a:rPr lang="zh-CN" altLang="en-US"/>
               <a:t>第五级</a:t>
             </a:r>
-            <a:endParaRPr lang="zh-CN" altLang="en-US"/>
           </a:p>
         </p:txBody>
       </p:sp>
@@ -518,6 +535,7 @@
           <a:p>
             <a:fld id="{85D0DACE-38E0-42D2-9336-2B707D34BC6D}" type="slidenum">
               <a:rPr lang="zh-CN" altLang="en-US" smtClean="0"/>
+              <a:t>‹#›</a:t>
             </a:fld>
             <a:endParaRPr lang="zh-CN" altLang="en-US"/>
           </a:p>
@@ -681,9 +699,6 @@
               </a:rPr>
               <a:t>Click to edit Master title style</a:t>
             </a:r>
-            <a:endParaRPr lang="zh-CN" altLang="en-US" dirty="0">
-              <a:sym typeface="+mn-ea"/>
-            </a:endParaRPr>
           </a:p>
         </p:txBody>
       </p:sp>
@@ -704,6 +719,7 @@
           <a:p>
             <a:fld id="{760FBDFE-C587-4B4C-A407-44438C67B59E}" type="datetimeFigureOut">
               <a:rPr lang="zh-CN" altLang="en-US" smtClean="0"/>
+              <a:t>2020/6/3</a:t>
             </a:fld>
             <a:endParaRPr lang="zh-CN" altLang="en-US"/>
           </a:p>
@@ -745,6 +761,7 @@
           <a:p>
             <a:fld id="{49AE70B2-8BF9-45C0-BB95-33D1B9D3A854}" type="slidenum">
               <a:rPr lang="zh-CN" altLang="en-US" smtClean="0"/>
+              <a:t>‹#›</a:t>
             </a:fld>
             <a:endParaRPr lang="zh-CN" altLang="en-US"/>
           </a:p>
@@ -823,7 +840,6 @@
               <a:rPr lang="zh-CN" altLang="en-US" dirty="0"/>
               <a:t>Click to edit Master subtitle style</a:t>
             </a:r>
-            <a:endParaRPr lang="zh-CN" altLang="en-US" dirty="0"/>
           </a:p>
         </p:txBody>
       </p:sp>
@@ -869,6 +885,7 @@
           <a:p>
             <a:fld id="{760FBDFE-C587-4B4C-A407-44438C67B59E}" type="datetimeFigureOut">
               <a:rPr lang="zh-CN" altLang="en-US" smtClean="0"/>
+              <a:t>2020/6/3</a:t>
             </a:fld>
             <a:endParaRPr lang="zh-CN" altLang="en-US"/>
           </a:p>
@@ -910,6 +927,7 @@
           <a:p>
             <a:fld id="{49AE70B2-8BF9-45C0-BB95-33D1B9D3A854}" type="slidenum">
               <a:rPr lang="zh-CN" altLang="en-US" smtClean="0"/>
+              <a:t>‹#›</a:t>
             </a:fld>
             <a:endParaRPr lang="zh-CN" altLang="en-US"/>
           </a:p>
@@ -942,9 +960,6 @@
               </a:rPr>
               <a:t>Click to edit Master text styles</a:t>
             </a:r>
-            <a:endParaRPr lang="zh-CN" altLang="en-US" dirty="0">
-              <a:sym typeface="+mn-ea"/>
-            </a:endParaRPr>
           </a:p>
           <a:p>
             <a:pPr lvl="1"/>
@@ -952,7 +967,6 @@
               <a:rPr lang="zh-CN" altLang="en-US" dirty="0"/>
               <a:t>Second level</a:t>
             </a:r>
-            <a:endParaRPr lang="zh-CN" altLang="en-US" dirty="0"/>
           </a:p>
           <a:p>
             <a:pPr lvl="2"/>
@@ -960,7 +974,6 @@
               <a:rPr lang="zh-CN" altLang="en-US" dirty="0"/>
               <a:t>Third level</a:t>
             </a:r>
-            <a:endParaRPr lang="zh-CN" altLang="en-US" dirty="0"/>
           </a:p>
           <a:p>
             <a:pPr lvl="3"/>
@@ -968,7 +981,6 @@
               <a:rPr lang="zh-CN" altLang="en-US" dirty="0"/>
               <a:t>Fourth level</a:t>
             </a:r>
-            <a:endParaRPr lang="zh-CN" altLang="en-US" dirty="0"/>
           </a:p>
           <a:p>
             <a:pPr lvl="4"/>
@@ -976,7 +988,6 @@
               <a:rPr lang="zh-CN" altLang="en-US" dirty="0"/>
               <a:t>Fifth level</a:t>
             </a:r>
-            <a:endParaRPr lang="zh-CN" altLang="en-US" dirty="0"/>
           </a:p>
         </p:txBody>
       </p:sp>
@@ -1043,7 +1054,6 @@
               <a:rPr lang="zh-CN" altLang="en-US" dirty="0"/>
               <a:t>Click to edit Master title style</a:t>
             </a:r>
-            <a:endParaRPr lang="zh-CN" altLang="en-US" dirty="0"/>
           </a:p>
         </p:txBody>
       </p:sp>
@@ -1127,9 +1137,6 @@
               </a:rPr>
               <a:t>Click to edit Master text styles</a:t>
             </a:r>
-            <a:endParaRPr lang="zh-CN" altLang="en-US" dirty="0">
-              <a:sym typeface="+mn-ea"/>
-            </a:endParaRPr>
           </a:p>
           <a:p>
             <a:pPr lvl="1"/>
@@ -1137,7 +1144,6 @@
               <a:rPr lang="zh-CN" altLang="en-US" dirty="0"/>
               <a:t>Second level</a:t>
             </a:r>
-            <a:endParaRPr lang="zh-CN" altLang="en-US" dirty="0"/>
           </a:p>
           <a:p>
             <a:pPr lvl="2"/>
@@ -1145,7 +1151,6 @@
               <a:rPr lang="zh-CN" altLang="en-US" dirty="0"/>
               <a:t>Third level</a:t>
             </a:r>
-            <a:endParaRPr lang="zh-CN" altLang="en-US" dirty="0"/>
           </a:p>
           <a:p>
             <a:pPr lvl="3"/>
@@ -1153,7 +1158,6 @@
               <a:rPr lang="zh-CN" altLang="en-US" dirty="0"/>
               <a:t>Fourth level</a:t>
             </a:r>
-            <a:endParaRPr lang="zh-CN" altLang="en-US" dirty="0"/>
           </a:p>
           <a:p>
             <a:pPr lvl="4"/>
@@ -1161,7 +1165,6 @@
               <a:rPr lang="zh-CN" altLang="en-US" dirty="0"/>
               <a:t>Fifth level</a:t>
             </a:r>
-            <a:endParaRPr lang="zh-CN" altLang="en-US" dirty="0"/>
           </a:p>
         </p:txBody>
       </p:sp>
@@ -1182,6 +1185,7 @@
           <a:p>
             <a:fld id="{760FBDFE-C587-4B4C-A407-44438C67B59E}" type="datetimeFigureOut">
               <a:rPr lang="zh-CN" altLang="en-US" smtClean="0"/>
+              <a:t>2020/6/3</a:t>
             </a:fld>
             <a:endParaRPr lang="zh-CN" altLang="en-US"/>
           </a:p>
@@ -1223,6 +1227,7 @@
           <a:p>
             <a:fld id="{49AE70B2-8BF9-45C0-BB95-33D1B9D3A854}" type="slidenum">
               <a:rPr lang="zh-CN" altLang="en-US" smtClean="0"/>
+              <a:t>‹#›</a:t>
             </a:fld>
             <a:endParaRPr lang="zh-CN" altLang="en-US"/>
           </a:p>
@@ -1291,7 +1296,6 @@
               <a:rPr lang="zh-CN" altLang="en-US" dirty="0"/>
               <a:t>Click to edit Master title style</a:t>
             </a:r>
-            <a:endParaRPr lang="zh-CN" altLang="en-US" dirty="0"/>
           </a:p>
         </p:txBody>
       </p:sp>
@@ -1413,9 +1417,6 @@
               </a:rPr>
               <a:t>Click to edit Master text styles</a:t>
             </a:r>
-            <a:endParaRPr lang="zh-CN" altLang="en-US" dirty="0">
-              <a:sym typeface="+mn-ea"/>
-            </a:endParaRPr>
           </a:p>
         </p:txBody>
       </p:sp>
@@ -1436,6 +1437,7 @@
           <a:p>
             <a:fld id="{760FBDFE-C587-4B4C-A407-44438C67B59E}" type="datetimeFigureOut">
               <a:rPr lang="zh-CN" altLang="en-US" smtClean="0"/>
+              <a:t>2020/6/3</a:t>
             </a:fld>
             <a:endParaRPr lang="zh-CN" altLang="en-US"/>
           </a:p>
@@ -1477,6 +1479,7 @@
           <a:p>
             <a:fld id="{49AE70B2-8BF9-45C0-BB95-33D1B9D3A854}" type="slidenum">
               <a:rPr lang="zh-CN" altLang="en-US" smtClean="0"/>
+              <a:t>‹#›</a:t>
             </a:fld>
             <a:endParaRPr lang="zh-CN" altLang="en-US"/>
           </a:p>
@@ -1545,7 +1548,6 @@
               <a:rPr lang="zh-CN" altLang="en-US" dirty="0"/>
               <a:t>Click to edit Master title style</a:t>
             </a:r>
-            <a:endParaRPr lang="zh-CN" altLang="en-US" dirty="0"/>
           </a:p>
         </p:txBody>
       </p:sp>
@@ -1644,9 +1646,6 @@
               </a:rPr>
               <a:t>Click to edit Master text styles</a:t>
             </a:r>
-            <a:endParaRPr lang="zh-CN" altLang="en-US" dirty="0">
-              <a:sym typeface="+mn-ea"/>
-            </a:endParaRPr>
           </a:p>
           <a:p>
             <a:pPr lvl="1"/>
@@ -1654,7 +1653,6 @@
               <a:rPr lang="zh-CN" altLang="en-US" dirty="0"/>
               <a:t>Second level</a:t>
             </a:r>
-            <a:endParaRPr lang="zh-CN" altLang="en-US" dirty="0"/>
           </a:p>
           <a:p>
             <a:pPr lvl="2"/>
@@ -1662,7 +1660,6 @@
               <a:rPr lang="zh-CN" altLang="en-US" dirty="0"/>
               <a:t>Third level</a:t>
             </a:r>
-            <a:endParaRPr lang="zh-CN" altLang="en-US" dirty="0"/>
           </a:p>
           <a:p>
             <a:pPr lvl="3"/>
@@ -1670,7 +1667,6 @@
               <a:rPr lang="zh-CN" altLang="en-US" dirty="0"/>
               <a:t>Fourth level</a:t>
             </a:r>
-            <a:endParaRPr lang="zh-CN" altLang="en-US" dirty="0"/>
           </a:p>
           <a:p>
             <a:pPr lvl="4"/>
@@ -1678,7 +1674,6 @@
               <a:rPr lang="zh-CN" altLang="en-US" dirty="0"/>
               <a:t>Fifth level</a:t>
             </a:r>
-            <a:endParaRPr lang="zh-CN" altLang="en-US" dirty="0"/>
           </a:p>
         </p:txBody>
       </p:sp>
@@ -1777,9 +1772,6 @@
               </a:rPr>
               <a:t>Click to edit Master text styles</a:t>
             </a:r>
-            <a:endParaRPr lang="zh-CN" altLang="en-US" dirty="0">
-              <a:sym typeface="+mn-ea"/>
-            </a:endParaRPr>
           </a:p>
           <a:p>
             <a:pPr lvl="1"/>
@@ -1787,7 +1779,6 @@
               <a:rPr lang="zh-CN" altLang="en-US" dirty="0"/>
               <a:t>Second level</a:t>
             </a:r>
-            <a:endParaRPr lang="zh-CN" altLang="en-US" dirty="0"/>
           </a:p>
           <a:p>
             <a:pPr lvl="2"/>
@@ -1795,7 +1786,6 @@
               <a:rPr lang="zh-CN" altLang="en-US" dirty="0"/>
               <a:t>Third level</a:t>
             </a:r>
-            <a:endParaRPr lang="zh-CN" altLang="en-US" dirty="0"/>
           </a:p>
           <a:p>
             <a:pPr lvl="3"/>
@@ -1803,7 +1793,6 @@
               <a:rPr lang="zh-CN" altLang="en-US" dirty="0"/>
               <a:t>Fourth level</a:t>
             </a:r>
-            <a:endParaRPr lang="zh-CN" altLang="en-US" dirty="0"/>
           </a:p>
           <a:p>
             <a:pPr lvl="4"/>
@@ -1811,7 +1800,6 @@
               <a:rPr lang="zh-CN" altLang="en-US" dirty="0"/>
               <a:t>Fifth level</a:t>
             </a:r>
-            <a:endParaRPr lang="zh-CN" altLang="en-US" dirty="0"/>
           </a:p>
         </p:txBody>
       </p:sp>
@@ -1832,6 +1820,7 @@
           <a:p>
             <a:fld id="{760FBDFE-C587-4B4C-A407-44438C67B59E}" type="datetimeFigureOut">
               <a:rPr lang="zh-CN" altLang="en-US" smtClean="0"/>
+              <a:t>2020/6/3</a:t>
             </a:fld>
             <a:endParaRPr lang="zh-CN" altLang="en-US"/>
           </a:p>
@@ -1873,6 +1862,7 @@
           <a:p>
             <a:fld id="{49AE70B2-8BF9-45C0-BB95-33D1B9D3A854}" type="slidenum">
               <a:rPr lang="zh-CN" altLang="en-US" smtClean="0"/>
+              <a:t>‹#›</a:t>
             </a:fld>
             <a:endParaRPr lang="zh-CN" altLang="en-US"/>
           </a:p>
@@ -1927,7 +1917,6 @@
               <a:rPr lang="zh-CN" altLang="en-US"/>
               <a:t>Click to edit Master title style</a:t>
             </a:r>
-            <a:endParaRPr lang="zh-CN" altLang="en-US"/>
           </a:p>
         </p:txBody>
       </p:sp>
@@ -1995,9 +1984,6 @@
               </a:rPr>
               <a:t>Click to edit Master text styles</a:t>
             </a:r>
-            <a:endParaRPr lang="zh-CN" altLang="en-US" dirty="0">
-              <a:sym typeface="+mn-ea"/>
-            </a:endParaRPr>
           </a:p>
         </p:txBody>
       </p:sp>
@@ -2028,9 +2014,6 @@
               </a:rPr>
               <a:t>Click to edit Master text styles</a:t>
             </a:r>
-            <a:endParaRPr lang="zh-CN" altLang="en-US" dirty="0">
-              <a:sym typeface="+mn-ea"/>
-            </a:endParaRPr>
           </a:p>
           <a:p>
             <a:pPr lvl="1"/>
@@ -2038,7 +2021,6 @@
               <a:rPr lang="zh-CN" altLang="en-US" dirty="0"/>
               <a:t>Second level</a:t>
             </a:r>
-            <a:endParaRPr lang="zh-CN" altLang="en-US" dirty="0"/>
           </a:p>
           <a:p>
             <a:pPr lvl="2"/>
@@ -2046,7 +2028,6 @@
               <a:rPr lang="zh-CN" altLang="en-US" dirty="0"/>
               <a:t>Third level</a:t>
             </a:r>
-            <a:endParaRPr lang="zh-CN" altLang="en-US" dirty="0"/>
           </a:p>
           <a:p>
             <a:pPr lvl="3"/>
@@ -2054,7 +2035,6 @@
               <a:rPr lang="zh-CN" altLang="en-US" dirty="0"/>
               <a:t>Fourth level</a:t>
             </a:r>
-            <a:endParaRPr lang="zh-CN" altLang="en-US" dirty="0"/>
           </a:p>
           <a:p>
             <a:pPr lvl="4"/>
@@ -2062,7 +2042,6 @@
               <a:rPr lang="zh-CN" altLang="en-US" dirty="0"/>
               <a:t>Fifth level</a:t>
             </a:r>
-            <a:endParaRPr lang="zh-CN" altLang="en-US" dirty="0"/>
           </a:p>
         </p:txBody>
       </p:sp>
@@ -2130,9 +2109,6 @@
               </a:rPr>
               <a:t>Click to edit Master text styles</a:t>
             </a:r>
-            <a:endParaRPr lang="zh-CN" altLang="en-US" dirty="0">
-              <a:sym typeface="+mn-ea"/>
-            </a:endParaRPr>
           </a:p>
         </p:txBody>
       </p:sp>
@@ -2163,9 +2139,6 @@
               </a:rPr>
               <a:t>Click to edit Master text styles</a:t>
             </a:r>
-            <a:endParaRPr lang="zh-CN" altLang="en-US" dirty="0">
-              <a:sym typeface="+mn-ea"/>
-            </a:endParaRPr>
           </a:p>
           <a:p>
             <a:pPr lvl="1"/>
@@ -2173,7 +2146,6 @@
               <a:rPr lang="zh-CN" altLang="en-US" dirty="0"/>
               <a:t>Second level</a:t>
             </a:r>
-            <a:endParaRPr lang="zh-CN" altLang="en-US" dirty="0"/>
           </a:p>
           <a:p>
             <a:pPr lvl="2"/>
@@ -2181,7 +2153,6 @@
               <a:rPr lang="zh-CN" altLang="en-US" dirty="0"/>
               <a:t>Third level</a:t>
             </a:r>
-            <a:endParaRPr lang="zh-CN" altLang="en-US" dirty="0"/>
           </a:p>
           <a:p>
             <a:pPr lvl="3"/>
@@ -2189,7 +2160,6 @@
               <a:rPr lang="zh-CN" altLang="en-US" dirty="0"/>
               <a:t>Fourth level</a:t>
             </a:r>
-            <a:endParaRPr lang="zh-CN" altLang="en-US" dirty="0"/>
           </a:p>
           <a:p>
             <a:pPr lvl="4"/>
@@ -2197,7 +2167,6 @@
               <a:rPr lang="zh-CN" altLang="en-US" dirty="0"/>
               <a:t>Fifth level</a:t>
             </a:r>
-            <a:endParaRPr lang="zh-CN" altLang="en-US" dirty="0"/>
           </a:p>
         </p:txBody>
       </p:sp>
@@ -2218,6 +2187,7 @@
           <a:p>
             <a:fld id="{760FBDFE-C587-4B4C-A407-44438C67B59E}" type="datetimeFigureOut">
               <a:rPr lang="zh-CN" altLang="en-US" smtClean="0"/>
+              <a:t>2020/6/3</a:t>
             </a:fld>
             <a:endParaRPr lang="zh-CN" altLang="en-US"/>
           </a:p>
@@ -2259,6 +2229,7 @@
           <a:p>
             <a:fld id="{49AE70B2-8BF9-45C0-BB95-33D1B9D3A854}" type="slidenum">
               <a:rPr lang="zh-CN" altLang="en-US" smtClean="0"/>
+              <a:t>‹#›</a:t>
             </a:fld>
             <a:endParaRPr lang="zh-CN" altLang="en-US"/>
           </a:p>
@@ -2327,7 +2298,6 @@
               <a:rPr lang="zh-CN" altLang="en-US" dirty="0"/>
               <a:t>Click to edit Master title style</a:t>
             </a:r>
-            <a:endParaRPr lang="zh-CN" altLang="en-US" dirty="0"/>
           </a:p>
         </p:txBody>
       </p:sp>
@@ -2348,6 +2318,7 @@
           <a:p>
             <a:fld id="{760FBDFE-C587-4B4C-A407-44438C67B59E}" type="datetimeFigureOut">
               <a:rPr lang="zh-CN" altLang="en-US" smtClean="0"/>
+              <a:t>2020/6/3</a:t>
             </a:fld>
             <a:endParaRPr lang="zh-CN" altLang="en-US"/>
           </a:p>
@@ -2389,6 +2360,7 @@
           <a:p>
             <a:fld id="{49AE70B2-8BF9-45C0-BB95-33D1B9D3A854}" type="slidenum">
               <a:rPr lang="zh-CN" altLang="en-US" smtClean="0"/>
+              <a:t>‹#›</a:t>
             </a:fld>
             <a:endParaRPr lang="zh-CN" altLang="en-US"/>
           </a:p>
@@ -2436,6 +2408,7 @@
           <a:p>
             <a:fld id="{760FBDFE-C587-4B4C-A407-44438C67B59E}" type="datetimeFigureOut">
               <a:rPr lang="zh-CN" altLang="en-US" smtClean="0"/>
+              <a:t>2020/6/3</a:t>
             </a:fld>
             <a:endParaRPr lang="zh-CN" altLang="en-US"/>
           </a:p>
@@ -2477,6 +2450,7 @@
           <a:p>
             <a:fld id="{49AE70B2-8BF9-45C0-BB95-33D1B9D3A854}" type="slidenum">
               <a:rPr lang="zh-CN" altLang="en-US" smtClean="0"/>
+              <a:t>‹#›</a:t>
             </a:fld>
             <a:endParaRPr lang="zh-CN" altLang="en-US"/>
           </a:p>
@@ -2547,9 +2521,6 @@
               </a:rPr>
               <a:t>Click to edit Master title style</a:t>
             </a:r>
-            <a:endParaRPr lang="zh-CN" altLang="en-US" dirty="0">
-              <a:sym typeface="+mn-ea"/>
-            </a:endParaRPr>
           </a:p>
         </p:txBody>
       </p:sp>
@@ -2681,7 +2652,6 @@
               <a:rPr lang="zh-CN" altLang="en-US" dirty="0"/>
               <a:t>Click to edit Master text styles</a:t>
             </a:r>
-            <a:endParaRPr lang="zh-CN" altLang="en-US" dirty="0"/>
           </a:p>
         </p:txBody>
       </p:sp>
@@ -2702,6 +2672,7 @@
           <a:p>
             <a:fld id="{9EFD9D74-47D9-4702-A33C-335B63B48DBF}" type="datetimeFigureOut">
               <a:rPr lang="zh-CN" altLang="en-US" smtClean="0"/>
+              <a:t>2020/6/3</a:t>
             </a:fld>
             <a:endParaRPr lang="zh-CN" altLang="en-US" dirty="0"/>
           </a:p>
@@ -2743,6 +2714,7 @@
           <a:p>
             <a:fld id="{FABC47A4-756D-490B-A52F-7D9E2C9FC05F}" type="slidenum">
               <a:rPr lang="zh-CN" altLang="en-US" smtClean="0"/>
+              <a:t>‹#›</a:t>
             </a:fld>
             <a:endParaRPr lang="zh-CN" altLang="en-US"/>
           </a:p>
@@ -2833,7 +2805,6 @@
               <a:rPr lang="zh-CN" altLang="en-US"/>
               <a:t>Click to edit Master title style</a:t>
             </a:r>
-            <a:endParaRPr lang="zh-CN" altLang="en-US"/>
           </a:p>
         </p:txBody>
       </p:sp>
@@ -2864,9 +2835,6 @@
               </a:rPr>
               <a:t>Click to edit Master text styles</a:t>
             </a:r>
-            <a:endParaRPr lang="zh-CN" altLang="en-US" dirty="0">
-              <a:sym typeface="+mn-ea"/>
-            </a:endParaRPr>
           </a:p>
           <a:p>
             <a:pPr lvl="1"/>
@@ -2874,7 +2842,6 @@
               <a:rPr lang="zh-CN" altLang="en-US" dirty="0"/>
               <a:t>Second level</a:t>
             </a:r>
-            <a:endParaRPr lang="zh-CN" altLang="en-US" dirty="0"/>
           </a:p>
           <a:p>
             <a:pPr lvl="2"/>
@@ -2882,7 +2849,6 @@
               <a:rPr lang="zh-CN" altLang="en-US" dirty="0"/>
               <a:t>Third level</a:t>
             </a:r>
-            <a:endParaRPr lang="zh-CN" altLang="en-US" dirty="0"/>
           </a:p>
           <a:p>
             <a:pPr lvl="3"/>
@@ -2890,7 +2856,6 @@
               <a:rPr lang="zh-CN" altLang="en-US" dirty="0"/>
               <a:t>Fourth level</a:t>
             </a:r>
-            <a:endParaRPr lang="zh-CN" altLang="en-US" dirty="0"/>
           </a:p>
           <a:p>
             <a:pPr lvl="4"/>
@@ -2898,7 +2863,6 @@
               <a:rPr lang="zh-CN" altLang="en-US" dirty="0"/>
               <a:t>Fifth level</a:t>
             </a:r>
-            <a:endParaRPr lang="zh-CN" altLang="en-US" dirty="0"/>
           </a:p>
         </p:txBody>
       </p:sp>
@@ -2919,6 +2883,7 @@
           <a:p>
             <a:fld id="{760FBDFE-C587-4B4C-A407-44438C67B59E}" type="datetimeFigureOut">
               <a:rPr lang="zh-CN" altLang="en-US" smtClean="0"/>
+              <a:t>2020/6/3</a:t>
             </a:fld>
             <a:endParaRPr lang="zh-CN" altLang="en-US"/>
           </a:p>
@@ -2960,6 +2925,7 @@
           <a:p>
             <a:fld id="{49AE70B2-8BF9-45C0-BB95-33D1B9D3A854}" type="slidenum">
               <a:rPr lang="zh-CN" altLang="en-US" smtClean="0"/>
+              <a:t>‹#›</a:t>
             </a:fld>
             <a:endParaRPr lang="zh-CN" altLang="en-US"/>
           </a:p>
@@ -3027,7 +2993,6 @@
               <a:rPr lang="zh-CN" altLang="en-US" dirty="0"/>
               <a:t>Click to edit Master title style</a:t>
             </a:r>
-            <a:endParaRPr lang="zh-CN" altLang="en-US" dirty="0"/>
           </a:p>
         </p:txBody>
       </p:sp>
@@ -3063,9 +3028,6 @@
               </a:rPr>
               <a:t>Click to edit Master text styles</a:t>
             </a:r>
-            <a:endParaRPr lang="zh-CN" altLang="en-US" dirty="0">
-              <a:sym typeface="+mn-ea"/>
-            </a:endParaRPr>
           </a:p>
           <a:p>
             <a:pPr lvl="1"/>
@@ -3073,7 +3035,6 @@
               <a:rPr lang="zh-CN" altLang="en-US" dirty="0"/>
               <a:t>Second level</a:t>
             </a:r>
-            <a:endParaRPr lang="zh-CN" altLang="en-US" dirty="0"/>
           </a:p>
           <a:p>
             <a:pPr lvl="2"/>
@@ -3081,7 +3042,6 @@
               <a:rPr lang="zh-CN" altLang="en-US" dirty="0"/>
               <a:t>Third level</a:t>
             </a:r>
-            <a:endParaRPr lang="zh-CN" altLang="en-US" dirty="0"/>
           </a:p>
           <a:p>
             <a:pPr lvl="3"/>
@@ -3089,7 +3049,6 @@
               <a:rPr lang="zh-CN" altLang="en-US" dirty="0"/>
               <a:t>Fourth level</a:t>
             </a:r>
-            <a:endParaRPr lang="zh-CN" altLang="en-US" dirty="0"/>
           </a:p>
           <a:p>
             <a:pPr lvl="4"/>
@@ -3097,7 +3056,6 @@
               <a:rPr lang="zh-CN" altLang="en-US" dirty="0"/>
               <a:t>Fifth level</a:t>
             </a:r>
-            <a:endParaRPr lang="zh-CN" altLang="en-US" dirty="0"/>
           </a:p>
         </p:txBody>
       </p:sp>
@@ -3138,6 +3096,7 @@
           <a:p>
             <a:fld id="{760FBDFE-C587-4B4C-A407-44438C67B59E}" type="datetimeFigureOut">
               <a:rPr lang="zh-CN" altLang="en-US" smtClean="0"/>
+              <a:t>2020/6/3</a:t>
             </a:fld>
             <a:endParaRPr lang="zh-CN" altLang="en-US"/>
           </a:p>
@@ -3219,6 +3178,7 @@
           <a:p>
             <a:fld id="{49AE70B2-8BF9-45C0-BB95-33D1B9D3A854}" type="slidenum">
               <a:rPr lang="zh-CN" altLang="en-US" smtClean="0"/>
+              <a:t>‹#›</a:t>
             </a:fld>
             <a:endParaRPr lang="zh-CN" altLang="en-US"/>
           </a:p>
@@ -3525,53 +3485,256 @@
 <file path=ppt/slides/slide1.xml><?xml version="1.0" encoding="utf-8"?>
 <p:sld xmlns:a="http://schemas.openxmlformats.org/drawingml/2006/main" xmlns:r="http://schemas.openxmlformats.org/officeDocument/2006/relationships" xmlns:p="http://schemas.openxmlformats.org/presentationml/2006/main">
   <p:cSld>
+    <p:bg>
+      <p:bgPr>
+        <a:solidFill>
+          <a:schemeClr val="tx1"/>
+        </a:solidFill>
+        <a:effectLst/>
+      </p:bgPr>
+    </p:bg>
     <p:spTree>
       <p:nvGrpSpPr>
         <p:cNvPr id="1" name=""/>
         <p:cNvGrpSpPr/>
         <p:nvPr/>
       </p:nvGrpSpPr>
-      <p:grpSpPr/>
-      <p:sp>
-        <p:nvSpPr>
-          <p:cNvPr id="2" name="Title 1"/>
-          <p:cNvSpPr>
-            <a:spLocks noGrp="1"/>
-          </p:cNvSpPr>
-          <p:nvPr>
-            <p:ph type="ctrTitle"/>
+      <p:grpSpPr>
+        <a:xfrm>
+          <a:off x="0" y="0"/>
+          <a:ext cx="0" cy="0"/>
+          <a:chOff x="0" y="0"/>
+          <a:chExt cx="0" cy="0"/>
+        </a:xfrm>
+      </p:grpSpPr>
+      <p:sp>
+        <p:nvSpPr>
+          <p:cNvPr id="7" name="Rectangle 6">
+            <a:extLst>
+              <a:ext uri="{FF2B5EF4-FFF2-40B4-BE49-F238E27FC236}">
+                <a16:creationId xmlns:a16="http://schemas.microsoft.com/office/drawing/2014/main" id="{2A8AA5BC-4F7A-4226-8F99-6D824B226A97}"/>
+              </a:ext>
+              <a:ext uri="{C183D7F6-B498-43B3-948B-1728B52AA6E4}">
+                <adec:decorative xmlns:adec="http://schemas.microsoft.com/office/drawing/2017/decorative" val="1"/>
+              </a:ext>
+            </a:extLst>
+          </p:cNvPr>
+          <p:cNvSpPr>
+            <a:spLocks noGrp="1" noRot="1" noChangeAspect="1" noMove="1" noResize="1" noEditPoints="1" noAdjustHandles="1" noChangeArrowheads="1" noChangeShapeType="1" noTextEdit="1"/>
+          </p:cNvSpPr>
+          <p:nvPr>
+            <p:extLst>
+              <p:ext uri="{386F3935-93C4-4BCD-93E2-E3B085C9AB24}">
+                <p16:designElem xmlns:p16="http://schemas.microsoft.com/office/powerpoint/2015/main" val="1"/>
+              </p:ext>
+            </p:extLst>
           </p:nvPr>
         </p:nvSpPr>
         <p:spPr>
           <a:xfrm>
-            <a:off x="1524000" y="1322705"/>
-            <a:ext cx="9144000" cy="3105150"/>
+            <a:off x="0" y="-3324"/>
+            <a:ext cx="12192000" cy="6861324"/>
+          </a:xfrm>
+          <a:prstGeom prst="rect">
+            <a:avLst/>
+          </a:prstGeom>
+          <a:solidFill>
+            <a:schemeClr val="tx1"/>
+          </a:solidFill>
+          <a:ln>
+            <a:noFill/>
+          </a:ln>
+        </p:spPr>
+        <p:style>
+          <a:lnRef idx="2">
+            <a:schemeClr val="accent1">
+              <a:shade val="50000"/>
+            </a:schemeClr>
+          </a:lnRef>
+          <a:fillRef idx="1">
+            <a:schemeClr val="accent1"/>
+          </a:fillRef>
+          <a:effectRef idx="0">
+            <a:schemeClr val="accent1"/>
+          </a:effectRef>
+          <a:fontRef idx="minor">
+            <a:schemeClr val="lt1"/>
+          </a:fontRef>
+        </p:style>
+        <p:txBody>
+          <a:bodyPr rtlCol="0" anchor="ctr"/>
+          <a:lstStyle/>
+          <a:p>
+            <a:pPr algn="ctr"/>
+            <a:endParaRPr lang="en-US" dirty="0"/>
+          </a:p>
+        </p:txBody>
+      </p:sp>
+      <p:sp>
+        <p:nvSpPr>
+          <p:cNvPr id="9" name="Rectangle 8">
+            <a:extLst>
+              <a:ext uri="{FF2B5EF4-FFF2-40B4-BE49-F238E27FC236}">
+                <a16:creationId xmlns:a16="http://schemas.microsoft.com/office/drawing/2014/main" id="{3E5445C6-DD42-4979-86FF-03730E8C6DB0}"/>
+              </a:ext>
+              <a:ext uri="{C183D7F6-B498-43B3-948B-1728B52AA6E4}">
+                <adec:decorative xmlns:adec="http://schemas.microsoft.com/office/drawing/2017/decorative" val="1"/>
+              </a:ext>
+            </a:extLst>
+          </p:cNvPr>
+          <p:cNvSpPr>
+            <a:spLocks noGrp="1" noRot="1" noChangeAspect="1" noMove="1" noResize="1" noEditPoints="1" noAdjustHandles="1" noChangeArrowheads="1" noChangeShapeType="1" noTextEdit="1"/>
+          </p:cNvSpPr>
+          <p:nvPr>
+            <p:extLst>
+              <p:ext uri="{386F3935-93C4-4BCD-93E2-E3B085C9AB24}">
+                <p16:designElem xmlns:p16="http://schemas.microsoft.com/office/powerpoint/2015/main" val="1"/>
+              </p:ext>
+            </p:extLst>
+          </p:nvPr>
+        </p:nvSpPr>
+        <p:spPr bwMode="ltGray">
+          <a:xfrm>
+            <a:off x="321734" y="321733"/>
+            <a:ext cx="11573488" cy="6214534"/>
+          </a:xfrm>
+          <a:prstGeom prst="rect">
+            <a:avLst/>
+          </a:prstGeom>
+          <a:solidFill>
+            <a:schemeClr val="bg1">
+              <a:lumMod val="75000"/>
+              <a:lumOff val="25000"/>
+            </a:schemeClr>
+          </a:solidFill>
+          <a:ln w="127000" cap="sq" cmpd="thinThick">
+            <a:solidFill>
+              <a:schemeClr val="bg1">
+                <a:lumMod val="75000"/>
+                <a:lumOff val="25000"/>
+              </a:schemeClr>
+            </a:solidFill>
+          </a:ln>
+        </p:spPr>
+        <p:style>
+          <a:lnRef idx="2">
+            <a:schemeClr val="accent1">
+              <a:shade val="50000"/>
+            </a:schemeClr>
+          </a:lnRef>
+          <a:fillRef idx="1">
+            <a:schemeClr val="accent1"/>
+          </a:fillRef>
+          <a:effectRef idx="0">
+            <a:schemeClr val="accent1"/>
+          </a:effectRef>
+          <a:fontRef idx="minor">
+            <a:schemeClr val="lt1"/>
+          </a:fontRef>
+        </p:style>
+        <p:txBody>
+          <a:bodyPr rtlCol="0" anchor="ctr"/>
+          <a:lstStyle/>
+          <a:p>
+            <a:pPr algn="ctr"/>
+            <a:endParaRPr lang="en-US" dirty="0"/>
+          </a:p>
+        </p:txBody>
+      </p:sp>
+      <p:sp>
+        <p:nvSpPr>
+          <p:cNvPr id="2" name="Title 1"/>
+          <p:cNvSpPr>
+            <a:spLocks noGrp="1"/>
+          </p:cNvSpPr>
+          <p:nvPr>
+            <p:ph type="ctrTitle"/>
+          </p:nvPr>
+        </p:nvSpPr>
+        <p:spPr>
+          <a:xfrm>
+            <a:off x="1524000" y="1122362"/>
+            <a:ext cx="9144000" cy="2840037"/>
           </a:xfrm>
         </p:spPr>
         <p:txBody>
           <a:bodyPr>
             <a:normAutofit/>
           </a:bodyPr>
-          <a:p>
-            <a:r>
-              <a:rPr lang="" altLang="en-US"/>
+          <a:lstStyle/>
+          <a:p>
+            <a:r>
+              <a:rPr lang="" altLang="en-US" sz="5800"/>
               <a:t>Boston</a:t>
             </a:r>
             <a:br>
-              <a:rPr lang="" altLang="en-US"/>
+              <a:rPr lang="" altLang="en-US" sz="5800"/>
             </a:br>
             <a:r>
-              <a:rPr lang="" altLang="en-US"/>
+              <a:rPr lang="" altLang="en-US" sz="5800"/>
               <a:t>marathon</a:t>
             </a:r>
-            <a:endParaRPr lang="" altLang="en-US"/>
-          </a:p>
-        </p:txBody>
-      </p:sp>
+          </a:p>
+        </p:txBody>
+      </p:sp>
+      <p:cxnSp>
+        <p:nvCxnSpPr>
+          <p:cNvPr id="11" name="Straight Connector 10">
+            <a:extLst>
+              <a:ext uri="{FF2B5EF4-FFF2-40B4-BE49-F238E27FC236}">
+                <a16:creationId xmlns:a16="http://schemas.microsoft.com/office/drawing/2014/main" id="{45000665-DFC7-417E-8FD7-516A0F15C975}"/>
+              </a:ext>
+              <a:ext uri="{C183D7F6-B498-43B3-948B-1728B52AA6E4}">
+                <adec:decorative xmlns:adec="http://schemas.microsoft.com/office/drawing/2017/decorative" val="1"/>
+              </a:ext>
+            </a:extLst>
+          </p:cNvPr>
+          <p:cNvCxnSpPr>
+            <a:cxnSpLocks noGrp="1" noRot="1" noChangeAspect="1" noMove="1" noResize="1" noEditPoints="1" noAdjustHandles="1" noChangeArrowheads="1" noChangeShapeType="1"/>
+          </p:cNvCxnSpPr>
+          <p:nvPr>
+            <p:extLst>
+              <p:ext uri="{386F3935-93C4-4BCD-93E2-E3B085C9AB24}">
+                <p16:designElem xmlns:p16="http://schemas.microsoft.com/office/powerpoint/2015/main" val="1"/>
+              </p:ext>
+            </p:extLst>
+          </p:nvPr>
+        </p:nvCxnSpPr>
+        <p:spPr>
+          <a:xfrm>
+            <a:off x="4724400" y="4109417"/>
+            <a:ext cx="2743200" cy="0"/>
+          </a:xfrm>
+          <a:prstGeom prst="line">
+            <a:avLst/>
+          </a:prstGeom>
+          <a:ln w="12700">
+            <a:solidFill>
+              <a:schemeClr val="tx1">
+                <a:lumMod val="85000"/>
+              </a:schemeClr>
+            </a:solidFill>
+          </a:ln>
+        </p:spPr>
+        <p:style>
+          <a:lnRef idx="1">
+            <a:schemeClr val="accent1"/>
+          </a:lnRef>
+          <a:fillRef idx="0">
+            <a:schemeClr val="accent1"/>
+          </a:fillRef>
+          <a:effectRef idx="0">
+            <a:schemeClr val="accent1"/>
+          </a:effectRef>
+          <a:fontRef idx="minor">
+            <a:schemeClr val="tx1"/>
+          </a:fontRef>
+        </p:style>
+      </p:cxnSp>
     </p:spTree>
   </p:cSld>
   <p:clrMapOvr>
-    <a:masterClrMapping/>
+    <a:overrideClrMapping bg1="dk1" tx1="lt1" bg2="dk2" tx2="lt2" accent1="accent1" accent2="accent2" accent3="accent3" accent4="accent4" accent5="accent5" accent6="accent6" hlink="hlink" folHlink="folHlink"/>
   </p:clrMapOvr>
 </p:sld>
 </file>
@@ -3579,13 +3742,99 @@
 <file path=ppt/slides/slide2.xml><?xml version="1.0" encoding="utf-8"?>
 <p:sld xmlns:a="http://schemas.openxmlformats.org/drawingml/2006/main" xmlns:r="http://schemas.openxmlformats.org/officeDocument/2006/relationships" xmlns:p="http://schemas.openxmlformats.org/presentationml/2006/main">
   <p:cSld>
+    <p:bg>
+      <p:bgPr>
+        <a:solidFill>
+          <a:schemeClr val="bg1"/>
+        </a:solidFill>
+        <a:effectLst/>
+      </p:bgPr>
+    </p:bg>
     <p:spTree>
       <p:nvGrpSpPr>
         <p:cNvPr id="1" name=""/>
         <p:cNvGrpSpPr/>
         <p:nvPr/>
       </p:nvGrpSpPr>
-      <p:grpSpPr/>
+      <p:grpSpPr>
+        <a:xfrm>
+          <a:off x="0" y="0"/>
+          <a:ext cx="0" cy="0"/>
+          <a:chOff x="0" y="0"/>
+          <a:chExt cx="0" cy="0"/>
+        </a:xfrm>
+      </p:grpSpPr>
+      <p:sp>
+        <p:nvSpPr>
+          <p:cNvPr id="8" name="Rectangle 7">
+            <a:extLst>
+              <a:ext uri="{FF2B5EF4-FFF2-40B4-BE49-F238E27FC236}">
+                <a16:creationId xmlns:a16="http://schemas.microsoft.com/office/drawing/2014/main" id="{F98ED85F-DCEE-4B50-802E-71A6E3E12B04}"/>
+              </a:ext>
+              <a:ext uri="{C183D7F6-B498-43B3-948B-1728B52AA6E4}">
+                <adec:decorative xmlns:adec="http://schemas.microsoft.com/office/drawing/2017/decorative" val="1"/>
+              </a:ext>
+            </a:extLst>
+          </p:cNvPr>
+          <p:cNvSpPr>
+            <a:spLocks noGrp="1" noRot="1" noChangeAspect="1" noMove="1" noResize="1" noEditPoints="1" noAdjustHandles="1" noChangeArrowheads="1" noChangeShapeType="1" noTextEdit="1"/>
+          </p:cNvSpPr>
+          <p:nvPr>
+            <p:extLst>
+              <p:ext uri="{386F3935-93C4-4BCD-93E2-E3B085C9AB24}">
+                <p16:designElem xmlns:p16="http://schemas.microsoft.com/office/powerpoint/2015/main" val="1"/>
+              </p:ext>
+            </p:extLst>
+          </p:nvPr>
+        </p:nvSpPr>
+        <p:spPr bwMode="ltGray">
+          <a:xfrm>
+            <a:off x="321564" y="320040"/>
+            <a:ext cx="11548872" cy="6217920"/>
+          </a:xfrm>
+          <a:prstGeom prst="rect">
+            <a:avLst/>
+          </a:prstGeom>
+          <a:solidFill>
+            <a:schemeClr val="tx1">
+              <a:lumMod val="75000"/>
+              <a:lumOff val="25000"/>
+            </a:schemeClr>
+          </a:solidFill>
+          <a:ln w="127000" cap="sq" cmpd="thinThick">
+            <a:solidFill>
+              <a:schemeClr val="tx1">
+                <a:lumMod val="75000"/>
+                <a:lumOff val="25000"/>
+              </a:schemeClr>
+            </a:solidFill>
+          </a:ln>
+        </p:spPr>
+        <p:style>
+          <a:lnRef idx="2">
+            <a:schemeClr val="accent1">
+              <a:shade val="50000"/>
+            </a:schemeClr>
+          </a:lnRef>
+          <a:fillRef idx="1">
+            <a:schemeClr val="accent1"/>
+          </a:fillRef>
+          <a:effectRef idx="0">
+            <a:schemeClr val="accent1"/>
+          </a:effectRef>
+          <a:fontRef idx="minor">
+            <a:schemeClr val="lt1"/>
+          </a:fontRef>
+        </p:style>
+        <p:txBody>
+          <a:bodyPr rtlCol="0" anchor="ctr"/>
+          <a:lstStyle/>
+          <a:p>
+            <a:pPr algn="ctr"/>
+            <a:endParaRPr lang="en-US" dirty="0"/>
+          </a:p>
+        </p:txBody>
+      </p:sp>
       <p:sp>
         <p:nvSpPr>
           <p:cNvPr id="2" name="Title 1"/>
@@ -3594,99 +3843,143 @@
           </p:cNvSpPr>
           <p:nvPr>
             <p:ph type="title"/>
-          </p:nvPr>
-        </p:nvSpPr>
-        <p:spPr/>
-        <p:txBody>
-          <a:bodyPr/>
-          <a:p>
-            <a:r>
-              <a:rPr lang="" altLang="en-US"/>
-              <a:t>Contents.</a:t>
-            </a:r>
-            <a:endParaRPr lang="" altLang="en-US"/>
-          </a:p>
-        </p:txBody>
-      </p:sp>
-      <p:sp>
-        <p:nvSpPr>
-          <p:cNvPr id="3" name="Content Placeholder 2"/>
-          <p:cNvSpPr>
-            <a:spLocks noGrp="1"/>
-          </p:cNvSpPr>
-          <p:nvPr>
-            <p:ph idx="1"/>
           </p:nvPr>
         </p:nvSpPr>
         <p:spPr>
           <a:xfrm>
-            <a:off x="1699895" y="2182495"/>
-            <a:ext cx="5234940" cy="3963035"/>
+            <a:off x="838200" y="1129284"/>
+            <a:ext cx="4114800" cy="4599432"/>
           </a:xfrm>
         </p:spPr>
         <p:txBody>
-          <a:bodyPr/>
+          <a:bodyPr anchor="ctr">
+            <a:normAutofit/>
+          </a:bodyPr>
+          <a:lstStyle/>
+          <a:p>
+            <a:r>
+              <a:rPr lang="" altLang="en-US" sz="4800">
+                <a:solidFill>
+                  <a:schemeClr val="bg1"/>
+                </a:solidFill>
+              </a:rPr>
+              <a:t>Contents.</a:t>
+            </a:r>
+          </a:p>
+        </p:txBody>
+      </p:sp>
+      <p:sp>
+        <p:nvSpPr>
+          <p:cNvPr id="3" name="Content Placeholder 2"/>
+          <p:cNvSpPr>
+            <a:spLocks noGrp="1"/>
+          </p:cNvSpPr>
+          <p:nvPr>
+            <p:ph idx="1"/>
+          </p:nvPr>
+        </p:nvSpPr>
+        <p:spPr>
+          <a:xfrm>
+            <a:off x="5936104" y="1131482"/>
+            <a:ext cx="5417695" cy="4595037"/>
+          </a:xfrm>
+        </p:spPr>
+        <p:txBody>
+          <a:bodyPr anchor="ctr">
+            <a:normAutofit/>
+          </a:bodyPr>
+          <a:lstStyle/>
           <a:p>
             <a:pPr marL="0" indent="0">
               <a:buNone/>
             </a:pPr>
             <a:r>
-              <a:rPr lang="" altLang="en-US"/>
+              <a:rPr lang="" altLang="en-US" sz="2400">
+                <a:solidFill>
+                  <a:schemeClr val="bg1"/>
+                </a:solidFill>
+                <a:latin typeface="Candara" panose="020E0502030303020204" pitchFamily="34" charset="0"/>
+              </a:rPr>
               <a:t>1. What’s new?</a:t>
             </a:r>
-            <a:endParaRPr lang="" altLang="en-US"/>
           </a:p>
           <a:p>
             <a:pPr marL="0" indent="0">
               <a:buNone/>
             </a:pPr>
-            <a:endParaRPr lang="" altLang="en-US"/>
+            <a:endParaRPr lang="" altLang="en-US" sz="2400">
+              <a:solidFill>
+                <a:schemeClr val="bg1"/>
+              </a:solidFill>
+              <a:latin typeface="Candara" panose="020E0502030303020204" pitchFamily="34" charset="0"/>
+            </a:endParaRPr>
           </a:p>
           <a:p>
             <a:pPr marL="0" indent="0">
               <a:buNone/>
             </a:pPr>
             <a:r>
-              <a:rPr lang="" altLang="en-US"/>
+              <a:rPr lang="" altLang="en-US" sz="2400">
+                <a:solidFill>
+                  <a:schemeClr val="bg1"/>
+                </a:solidFill>
+                <a:latin typeface="Candara" panose="020E0502030303020204" pitchFamily="34" charset="0"/>
+              </a:rPr>
               <a:t>2. The core</a:t>
             </a:r>
-            <a:endParaRPr lang="" altLang="en-US"/>
           </a:p>
           <a:p>
             <a:pPr marL="0" indent="0">
               <a:buNone/>
             </a:pPr>
             <a:r>
-              <a:rPr lang="" altLang="en-US"/>
-              <a:t>	1 The Flow</a:t>
-            </a:r>
-            <a:endParaRPr lang="" altLang="en-US"/>
+              <a:rPr lang="" altLang="en-US" sz="2400">
+                <a:solidFill>
+                  <a:schemeClr val="bg1"/>
+                </a:solidFill>
+                <a:latin typeface="Candara" panose="020E0502030303020204" pitchFamily="34" charset="0"/>
+              </a:rPr>
+              <a:t>	1 The Flows</a:t>
+            </a:r>
           </a:p>
           <a:p>
             <a:pPr marL="0" indent="0">
               <a:buNone/>
             </a:pPr>
             <a:r>
-              <a:rPr lang="" altLang="en-US"/>
+              <a:rPr lang="" altLang="en-US" sz="2400">
+                <a:solidFill>
+                  <a:schemeClr val="bg1"/>
+                </a:solidFill>
+                <a:latin typeface="Candara" panose="020E0502030303020204" pitchFamily="34" charset="0"/>
+              </a:rPr>
               <a:t>	2 Results</a:t>
             </a:r>
-            <a:endParaRPr lang="" altLang="en-US"/>
           </a:p>
           <a:p>
             <a:pPr marL="0" indent="0">
               <a:buNone/>
             </a:pPr>
-            <a:endParaRPr lang="" altLang="en-US"/>
+            <a:endParaRPr lang="" altLang="en-US" sz="2400">
+              <a:solidFill>
+                <a:schemeClr val="bg1"/>
+              </a:solidFill>
+              <a:latin typeface="Candara" panose="020E0502030303020204" pitchFamily="34" charset="0"/>
+            </a:endParaRPr>
           </a:p>
           <a:p>
             <a:pPr marL="0" indent="0">
               <a:buNone/>
             </a:pPr>
             <a:r>
-              <a:rPr lang="" altLang="en-US"/>
+              <a:rPr lang="" altLang="en-US" sz="2400">
+                <a:solidFill>
+                  <a:schemeClr val="bg1"/>
+                </a:solidFill>
+                <a:latin typeface="Candara" panose="020E0502030303020204" pitchFamily="34" charset="0"/>
+              </a:rPr>
               <a:t>3. How to get better?</a:t>
             </a:r>
-            <a:endParaRPr lang="" altLang="en-US"/>
           </a:p>
         </p:txBody>
       </p:sp>
@@ -3719,7 +4012,7 @@
                             </p:stCondLst>
                             <p:childTnLst>
                               <p:par>
-                                <p:cTn id="5" presetID="12" presetClass="entr" presetSubtype="4" fill="hold" grpId="0" nodeType="clickEffect">
+                                <p:cTn id="5" presetID="14" presetClass="entr" presetSubtype="10" fill="hold" grpId="0" nodeType="clickEffect">
                                   <p:stCondLst>
                                     <p:cond delay="0"/>
                                   </p:stCondLst>
@@ -3746,36 +4039,9 @@
                                         <p:strVal val="visible"/>
                                       </p:to>
                                     </p:set>
-                                    <p:anim calcmode="lin" valueType="num">
-                                      <p:cBhvr additive="base">
+                                    <p:animEffect transition="in" filter="randombar(horizontal)">
+                                      <p:cBhvr>
                                         <p:cTn id="7" dur="500"/>
-                                        <p:tgtEl>
-                                          <p:spTgt spid="3">
-                                            <p:txEl>
-                                              <p:pRg st="0" end="0"/>
-                                            </p:txEl>
-                                          </p:spTgt>
-                                        </p:tgtEl>
-                                        <p:attrNameLst>
-                                          <p:attrName>ppt_y</p:attrName>
-                                        </p:attrNameLst>
-                                      </p:cBhvr>
-                                      <p:tavLst>
-                                        <p:tav tm="0">
-                                          <p:val>
-                                            <p:strVal val="#ppt_y+#ppt_h*1.125000"/>
-                                          </p:val>
-                                        </p:tav>
-                                        <p:tav tm="100000">
-                                          <p:val>
-                                            <p:strVal val="#ppt_y"/>
-                                          </p:val>
-                                        </p:tav>
-                                      </p:tavLst>
-                                    </p:anim>
-                                    <p:animEffect transition="in" filter="wipe(up)">
-                                      <p:cBhvr>
-                                        <p:cTn id="8" dur="500"/>
                                         <p:tgtEl>
                                           <p:spTgt spid="3">
                                             <p:txEl>
@@ -3795,26 +4061,26 @@
                     </p:cTn>
                   </p:par>
                   <p:par>
-                    <p:cTn id="9" fill="hold">
+                    <p:cTn id="8" fill="hold">
                       <p:stCondLst>
                         <p:cond delay="indefinite"/>
                       </p:stCondLst>
                       <p:childTnLst>
                         <p:par>
-                          <p:cTn id="10" fill="hold">
+                          <p:cTn id="9" fill="hold">
                             <p:stCondLst>
                               <p:cond delay="0"/>
                             </p:stCondLst>
                             <p:childTnLst>
                               <p:par>
-                                <p:cTn id="11" presetID="12" presetClass="entr" presetSubtype="4" fill="hold" grpId="0" nodeType="clickEffect">
+                                <p:cTn id="10" presetID="14" presetClass="entr" presetSubtype="10" fill="hold" grpId="0" nodeType="clickEffect">
                                   <p:stCondLst>
                                     <p:cond delay="0"/>
                                   </p:stCondLst>
                                   <p:childTnLst>
                                     <p:set>
                                       <p:cBhvr>
-                                        <p:cTn id="12" dur="1" fill="hold">
+                                        <p:cTn id="11" dur="1" fill="hold">
                                           <p:stCondLst>
                                             <p:cond delay="0"/>
                                           </p:stCondLst>
@@ -3834,36 +4100,9 @@
                                         <p:strVal val="visible"/>
                                       </p:to>
                                     </p:set>
-                                    <p:anim calcmode="lin" valueType="num">
-                                      <p:cBhvr additive="base">
-                                        <p:cTn id="13" dur="500"/>
-                                        <p:tgtEl>
-                                          <p:spTgt spid="3">
-                                            <p:txEl>
-                                              <p:pRg st="2" end="2"/>
-                                            </p:txEl>
-                                          </p:spTgt>
-                                        </p:tgtEl>
-                                        <p:attrNameLst>
-                                          <p:attrName>ppt_y</p:attrName>
-                                        </p:attrNameLst>
-                                      </p:cBhvr>
-                                      <p:tavLst>
-                                        <p:tav tm="0">
-                                          <p:val>
-                                            <p:strVal val="#ppt_y+#ppt_h*1.125000"/>
-                                          </p:val>
-                                        </p:tav>
-                                        <p:tav tm="100000">
-                                          <p:val>
-                                            <p:strVal val="#ppt_y"/>
-                                          </p:val>
-                                        </p:tav>
-                                      </p:tavLst>
-                                    </p:anim>
-                                    <p:animEffect transition="in" filter="wipe(up)">
+                                    <p:animEffect transition="in" filter="randombar(horizontal)">
                                       <p:cBhvr>
-                                        <p:cTn id="14" dur="500"/>
+                                        <p:cTn id="12" dur="500"/>
                                         <p:tgtEl>
                                           <p:spTgt spid="3">
                                             <p:txEl>
@@ -3883,26 +4122,26 @@
                     </p:cTn>
                   </p:par>
                   <p:par>
-                    <p:cTn id="15" fill="hold">
+                    <p:cTn id="13" fill="hold">
                       <p:stCondLst>
                         <p:cond delay="indefinite"/>
                       </p:stCondLst>
                       <p:childTnLst>
                         <p:par>
-                          <p:cTn id="16" fill="hold">
+                          <p:cTn id="14" fill="hold">
                             <p:stCondLst>
                               <p:cond delay="0"/>
                             </p:stCondLst>
                             <p:childTnLst>
                               <p:par>
-                                <p:cTn id="17" presetID="12" presetClass="entr" presetSubtype="4" fill="hold" grpId="0" nodeType="clickEffect">
+                                <p:cTn id="15" presetID="14" presetClass="entr" presetSubtype="10" fill="hold" grpId="0" nodeType="clickEffect">
                                   <p:stCondLst>
                                     <p:cond delay="0"/>
                                   </p:stCondLst>
                                   <p:childTnLst>
                                     <p:set>
                                       <p:cBhvr>
-                                        <p:cTn id="18" dur="1" fill="hold">
+                                        <p:cTn id="16" dur="1" fill="hold">
                                           <p:stCondLst>
                                             <p:cond delay="0"/>
                                           </p:stCondLst>
@@ -3922,36 +4161,9 @@
                                         <p:strVal val="visible"/>
                                       </p:to>
                                     </p:set>
-                                    <p:anim calcmode="lin" valueType="num">
-                                      <p:cBhvr additive="base">
-                                        <p:cTn id="19" dur="500"/>
-                                        <p:tgtEl>
-                                          <p:spTgt spid="3">
-                                            <p:txEl>
-                                              <p:pRg st="3" end="3"/>
-                                            </p:txEl>
-                                          </p:spTgt>
-                                        </p:tgtEl>
-                                        <p:attrNameLst>
-                                          <p:attrName>ppt_y</p:attrName>
-                                        </p:attrNameLst>
-                                      </p:cBhvr>
-                                      <p:tavLst>
-                                        <p:tav tm="0">
-                                          <p:val>
-                                            <p:strVal val="#ppt_y+#ppt_h*1.125000"/>
-                                          </p:val>
-                                        </p:tav>
-                                        <p:tav tm="100000">
-                                          <p:val>
-                                            <p:strVal val="#ppt_y"/>
-                                          </p:val>
-                                        </p:tav>
-                                      </p:tavLst>
-                                    </p:anim>
-                                    <p:animEffect transition="in" filter="wipe(up)">
+                                    <p:animEffect transition="in" filter="randombar(horizontal)">
                                       <p:cBhvr>
-                                        <p:cTn id="20" dur="500"/>
+                                        <p:cTn id="17" dur="500"/>
                                         <p:tgtEl>
                                           <p:spTgt spid="3">
                                             <p:txEl>
@@ -3971,26 +4183,26 @@
                     </p:cTn>
                   </p:par>
                   <p:par>
-                    <p:cTn id="21" fill="hold">
+                    <p:cTn id="18" fill="hold">
                       <p:stCondLst>
                         <p:cond delay="indefinite"/>
                       </p:stCondLst>
                       <p:childTnLst>
                         <p:par>
-                          <p:cTn id="22" fill="hold">
+                          <p:cTn id="19" fill="hold">
                             <p:stCondLst>
                               <p:cond delay="0"/>
                             </p:stCondLst>
                             <p:childTnLst>
                               <p:par>
-                                <p:cTn id="23" presetID="12" presetClass="entr" presetSubtype="4" fill="hold" grpId="0" nodeType="clickEffect">
+                                <p:cTn id="20" presetID="14" presetClass="entr" presetSubtype="10" fill="hold" grpId="0" nodeType="clickEffect">
                                   <p:stCondLst>
                                     <p:cond delay="0"/>
                                   </p:stCondLst>
                                   <p:childTnLst>
                                     <p:set>
                                       <p:cBhvr>
-                                        <p:cTn id="24" dur="1" fill="hold">
+                                        <p:cTn id="21" dur="1" fill="hold">
                                           <p:stCondLst>
                                             <p:cond delay="0"/>
                                           </p:stCondLst>
@@ -4010,36 +4222,9 @@
                                         <p:strVal val="visible"/>
                                       </p:to>
                                     </p:set>
-                                    <p:anim calcmode="lin" valueType="num">
-                                      <p:cBhvr additive="base">
-                                        <p:cTn id="25" dur="500"/>
-                                        <p:tgtEl>
-                                          <p:spTgt spid="3">
-                                            <p:txEl>
-                                              <p:pRg st="4" end="4"/>
-                                            </p:txEl>
-                                          </p:spTgt>
-                                        </p:tgtEl>
-                                        <p:attrNameLst>
-                                          <p:attrName>ppt_y</p:attrName>
-                                        </p:attrNameLst>
-                                      </p:cBhvr>
-                                      <p:tavLst>
-                                        <p:tav tm="0">
-                                          <p:val>
-                                            <p:strVal val="#ppt_y+#ppt_h*1.125000"/>
-                                          </p:val>
-                                        </p:tav>
-                                        <p:tav tm="100000">
-                                          <p:val>
-                                            <p:strVal val="#ppt_y"/>
-                                          </p:val>
-                                        </p:tav>
-                                      </p:tavLst>
-                                    </p:anim>
-                                    <p:animEffect transition="in" filter="wipe(up)">
+                                    <p:animEffect transition="in" filter="randombar(horizontal)">
                                       <p:cBhvr>
-                                        <p:cTn id="26" dur="500"/>
+                                        <p:cTn id="22" dur="500"/>
                                         <p:tgtEl>
                                           <p:spTgt spid="3">
                                             <p:txEl>
@@ -4059,26 +4244,26 @@
                     </p:cTn>
                   </p:par>
                   <p:par>
-                    <p:cTn id="27" fill="hold">
+                    <p:cTn id="23" fill="hold">
                       <p:stCondLst>
                         <p:cond delay="indefinite"/>
                       </p:stCondLst>
                       <p:childTnLst>
                         <p:par>
-                          <p:cTn id="28" fill="hold">
+                          <p:cTn id="24" fill="hold">
                             <p:stCondLst>
                               <p:cond delay="0"/>
                             </p:stCondLst>
                             <p:childTnLst>
                               <p:par>
-                                <p:cTn id="29" presetID="12" presetClass="entr" presetSubtype="4" fill="hold" grpId="0" nodeType="clickEffect">
+                                <p:cTn id="25" presetID="14" presetClass="entr" presetSubtype="10" fill="hold" grpId="0" nodeType="clickEffect">
                                   <p:stCondLst>
                                     <p:cond delay="0"/>
                                   </p:stCondLst>
                                   <p:childTnLst>
                                     <p:set>
                                       <p:cBhvr>
-                                        <p:cTn id="30" dur="1" fill="hold">
+                                        <p:cTn id="26" dur="1" fill="hold">
                                           <p:stCondLst>
                                             <p:cond delay="0"/>
                                           </p:stCondLst>
@@ -4098,36 +4283,9 @@
                                         <p:strVal val="visible"/>
                                       </p:to>
                                     </p:set>
-                                    <p:anim calcmode="lin" valueType="num">
-                                      <p:cBhvr additive="base">
-                                        <p:cTn id="31" dur="500"/>
-                                        <p:tgtEl>
-                                          <p:spTgt spid="3">
-                                            <p:txEl>
-                                              <p:pRg st="6" end="6"/>
-                                            </p:txEl>
-                                          </p:spTgt>
-                                        </p:tgtEl>
-                                        <p:attrNameLst>
-                                          <p:attrName>ppt_y</p:attrName>
-                                        </p:attrNameLst>
-                                      </p:cBhvr>
-                                      <p:tavLst>
-                                        <p:tav tm="0">
-                                          <p:val>
-                                            <p:strVal val="#ppt_y+#ppt_h*1.125000"/>
-                                          </p:val>
-                                        </p:tav>
-                                        <p:tav tm="100000">
-                                          <p:val>
-                                            <p:strVal val="#ppt_y"/>
-                                          </p:val>
-                                        </p:tav>
-                                      </p:tavLst>
-                                    </p:anim>
-                                    <p:animEffect transition="in" filter="wipe(up)">
+                                    <p:animEffect transition="in" filter="randombar(horizontal)">
                                       <p:cBhvr>
-                                        <p:cTn id="32" dur="500"/>
+                                        <p:cTn id="27" dur="500"/>
                                         <p:tgtEl>
                                           <p:spTgt spid="3">
                                             <p:txEl>
@@ -4183,7 +4341,14 @@
         <p:cNvGrpSpPr/>
         <p:nvPr/>
       </p:nvGrpSpPr>
-      <p:grpSpPr/>
+      <p:grpSpPr>
+        <a:xfrm>
+          <a:off x="0" y="0"/>
+          <a:ext cx="0" cy="0"/>
+          <a:chOff x="0" y="0"/>
+          <a:chExt cx="0" cy="0"/>
+        </a:xfrm>
+      </p:grpSpPr>
       <p:sp>
         <p:nvSpPr>
           <p:cNvPr id="2" name="Title 1"/>
@@ -4197,14 +4362,15 @@
         <p:spPr/>
         <p:txBody>
           <a:bodyPr/>
-          <a:p>
-            <a:r>
-              <a:rPr lang="en-US" altLang="en-US">
+          <a:lstStyle/>
+          <a:p>
+            <a:r>
+              <a:rPr lang="en-US" altLang="en-US" dirty="0">
                 <a:sym typeface="+mn-ea"/>
               </a:rPr>
               <a:t>1. What’s new?</a:t>
             </a:r>
-            <a:endParaRPr lang="en-US"/>
+            <a:endParaRPr lang="en-US" dirty="0"/>
           </a:p>
         </p:txBody>
       </p:sp>
@@ -4220,62 +4386,78 @@
         </p:nvSpPr>
         <p:spPr>
           <a:xfrm>
-            <a:off x="1983105" y="1825625"/>
-            <a:ext cx="9084945" cy="4351655"/>
+            <a:off x="1213670" y="1760537"/>
+            <a:ext cx="4635951" cy="4351655"/>
           </a:xfrm>
         </p:spPr>
         <p:txBody>
           <a:bodyPr/>
+          <a:lstStyle/>
           <a:p>
             <a:pPr marL="0" indent="0">
               <a:buNone/>
             </a:pPr>
             <a:r>
-              <a:rPr lang="" altLang="en-US"/>
+              <a:rPr lang="" altLang="en-US" dirty="0">
+                <a:latin typeface="Candara" panose="020E0502030303020204" pitchFamily="34" charset="0"/>
+              </a:rPr>
               <a:t>1. No more a Long &amp; BIG notebook</a:t>
             </a:r>
-            <a:endParaRPr lang="" altLang="en-US"/>
-          </a:p>
-          <a:p>
-            <a:endParaRPr lang="" altLang="en-US"/>
-          </a:p>
-          <a:p>
-            <a:endParaRPr lang="" altLang="en-US"/>
+          </a:p>
+          <a:p>
+            <a:endParaRPr lang="" altLang="en-US" dirty="0">
+              <a:latin typeface="Candara" panose="020E0502030303020204" pitchFamily="34" charset="0"/>
+            </a:endParaRPr>
+          </a:p>
+          <a:p>
+            <a:endParaRPr lang="" altLang="en-US" dirty="0">
+              <a:latin typeface="Candara" panose="020E0502030303020204" pitchFamily="34" charset="0"/>
+            </a:endParaRPr>
           </a:p>
           <a:p>
             <a:pPr marL="0" indent="0">
               <a:buNone/>
             </a:pPr>
             <a:r>
-              <a:rPr lang="" altLang="en-US"/>
+              <a:rPr lang="" altLang="en-US" dirty="0">
+                <a:latin typeface="Candara" panose="020E0502030303020204" pitchFamily="34" charset="0"/>
+              </a:rPr>
               <a:t>2. Suited for Audiences</a:t>
             </a:r>
-            <a:endParaRPr lang="" altLang="en-US"/>
-          </a:p>
-          <a:p>
-            <a:endParaRPr lang="" altLang="en-US"/>
-          </a:p>
-          <a:p>
-            <a:endParaRPr lang="" altLang="en-US"/>
+          </a:p>
+          <a:p>
+            <a:endParaRPr lang="" altLang="en-US" dirty="0">
+              <a:latin typeface="Candara" panose="020E0502030303020204" pitchFamily="34" charset="0"/>
+            </a:endParaRPr>
+          </a:p>
+          <a:p>
+            <a:endParaRPr lang="" altLang="en-US" dirty="0">
+              <a:latin typeface="Candara" panose="020E0502030303020204" pitchFamily="34" charset="0"/>
+            </a:endParaRPr>
           </a:p>
           <a:p>
             <a:pPr marL="0" indent="0">
               <a:buNone/>
             </a:pPr>
             <a:r>
-              <a:rPr lang="" altLang="en-US"/>
+              <a:rPr lang="" altLang="en-US" dirty="0">
+                <a:latin typeface="Candara" panose="020E0502030303020204" pitchFamily="34" charset="0"/>
+              </a:rPr>
               <a:t>3. Focus on: What Should Have Done</a:t>
             </a:r>
-            <a:endParaRPr lang="" altLang="en-US"/>
-          </a:p>
-          <a:p>
-            <a:endParaRPr lang="" altLang="en-US"/>
+          </a:p>
+          <a:p>
+            <a:endParaRPr lang="" altLang="en-US" dirty="0">
+              <a:latin typeface="Candara" panose="020E0502030303020204" pitchFamily="34" charset="0"/>
+            </a:endParaRPr>
           </a:p>
           <a:p>
             <a:pPr marL="0" indent="0">
               <a:buNone/>
             </a:pPr>
-            <a:endParaRPr lang="" altLang="en-US"/>
+            <a:endParaRPr lang="" altLang="en-US" dirty="0">
+              <a:latin typeface="Candara" panose="020E0502030303020204" pitchFamily="34" charset="0"/>
+            </a:endParaRPr>
           </a:p>
         </p:txBody>
       </p:sp>
@@ -4299,19 +4481,18 @@
           <a:bodyPr wrap="square" rtlCol="0">
             <a:spAutoFit/>
           </a:bodyPr>
+          <a:lstStyle/>
           <a:p>
             <a:pPr marL="0" indent="0" algn="l">
               <a:buNone/>
             </a:pPr>
             <a:r>
-              <a:rPr lang="en-US" altLang="en-US" sz="2000">
+              <a:rPr lang="en-US" altLang="en-US" sz="2000" dirty="0">
+                <a:latin typeface="Candara" panose="020E0502030303020204" pitchFamily="34" charset="0"/>
                 <a:sym typeface="+mn-ea"/>
               </a:rPr>
               <a:t>WHY.</a:t>
             </a:r>
-            <a:endParaRPr lang="en-US" altLang="en-US" sz="2000">
-              <a:sym typeface="+mn-ea"/>
-            </a:endParaRPr>
           </a:p>
           <a:p>
             <a:pPr indent="0" algn="l">
@@ -4319,24 +4500,28 @@
               <a:buNone/>
             </a:pPr>
             <a:r>
-              <a:rPr lang="" altLang="en-US" sz="2000">
+              <a:rPr lang="" altLang="en-US" sz="2000" dirty="0">
+                <a:latin typeface="Candara" panose="020E0502030303020204" pitchFamily="34" charset="0"/>
                 <a:sym typeface="+mn-ea"/>
               </a:rPr>
               <a:t>	</a:t>
             </a:r>
             <a:r>
-              <a:rPr lang="en-US" altLang="en-US" sz="2000">
+              <a:rPr lang="en-US" altLang="en-US" sz="2000" dirty="0">
+                <a:latin typeface="Candara" panose="020E0502030303020204" pitchFamily="34" charset="0"/>
                 <a:sym typeface="+mn-ea"/>
               </a:rPr>
               <a:t>Time limit -&gt; Different approaches</a:t>
             </a:r>
             <a:r>
-              <a:rPr lang="" altLang="en-US" sz="2000">
+              <a:rPr lang="" altLang="en-US" sz="2000" dirty="0">
+                <a:latin typeface="Candara" panose="020E0502030303020204" pitchFamily="34" charset="0"/>
                 <a:sym typeface="+mn-ea"/>
               </a:rPr>
               <a:t>.</a:t>
             </a:r>
-            <a:endParaRPr lang="en-US" altLang="en-US" sz="2000">
+            <a:endParaRPr lang="en-US" altLang="en-US" sz="2000" dirty="0">
+              <a:latin typeface="Candara" panose="020E0502030303020204" pitchFamily="34" charset="0"/>
               <a:sym typeface="+mn-ea"/>
             </a:endParaRPr>
           </a:p>
@@ -4344,7 +4529,8 @@
             <a:pPr marL="0" lvl="2" indent="0" algn="l">
               <a:buNone/>
             </a:pPr>
-            <a:endParaRPr lang="en-US" altLang="en-US" sz="2000">
+            <a:endParaRPr lang="en-US" altLang="en-US" sz="2000" dirty="0">
+              <a:latin typeface="Candara" panose="020E0502030303020204" pitchFamily="34" charset="0"/>
               <a:sym typeface="+mn-ea"/>
             </a:endParaRPr>
           </a:p>
@@ -4352,7 +4538,8 @@
             <a:pPr marL="0" lvl="2" indent="0" algn="l">
               <a:buNone/>
             </a:pPr>
-            <a:endParaRPr lang="en-US" altLang="en-US" sz="2000">
+            <a:endParaRPr lang="en-US" altLang="en-US" sz="2000" dirty="0">
+              <a:latin typeface="Candara" panose="020E0502030303020204" pitchFamily="34" charset="0"/>
               <a:sym typeface="+mn-ea"/>
             </a:endParaRPr>
           </a:p>
@@ -4360,7 +4547,8 @@
             <a:pPr marL="0" lvl="2" indent="0" algn="l">
               <a:buNone/>
             </a:pPr>
-            <a:endParaRPr lang="en-US" altLang="en-US" sz="2000">
+            <a:endParaRPr lang="en-US" altLang="en-US" sz="2000" dirty="0">
+              <a:latin typeface="Candara" panose="020E0502030303020204" pitchFamily="34" charset="0"/>
               <a:sym typeface="+mn-ea"/>
             </a:endParaRPr>
           </a:p>
@@ -4369,10 +4557,11 @@
               <a:buNone/>
             </a:pPr>
             <a:r>
-              <a:rPr lang="" altLang="en-US" sz="2000"/>
+              <a:rPr lang="" altLang="en-US" sz="2000" dirty="0">
+                <a:latin typeface="Candara" panose="020E0502030303020204" pitchFamily="34" charset="0"/>
+              </a:rPr>
               <a:t>	</a:t>
             </a:r>
-            <a:endParaRPr lang="" altLang="en-US" sz="2000"/>
           </a:p>
         </p:txBody>
       </p:sp>
@@ -4385,7 +4574,7 @@
           <p:nvPr/>
         </p:nvPicPr>
         <p:blipFill>
-          <a:blip r:embed="rId1"/>
+          <a:blip r:embed="rId2"/>
           <a:stretch>
             <a:fillRect/>
           </a:stretch>
@@ -4409,7 +4598,7 @@
           <p:nvPr/>
         </p:nvPicPr>
         <p:blipFill>
-          <a:blip r:embed="rId2"/>
+          <a:blip r:embed="rId3"/>
           <a:stretch>
             <a:fillRect/>
           </a:stretch>
@@ -4444,26 +4633,28 @@
           <a:bodyPr wrap="none" rtlCol="0">
             <a:spAutoFit/>
           </a:bodyPr>
+          <a:lstStyle/>
           <a:p>
             <a:pPr marL="0" lvl="2" algn="l"/>
             <a:r>
-              <a:rPr lang="" altLang="en-US">
+              <a:rPr lang="" altLang="en-US" dirty="0">
+                <a:latin typeface="Candara" panose="020E0502030303020204" pitchFamily="34" charset="0"/>
                 <a:sym typeface="+mn-ea"/>
               </a:rPr>
               <a:t>      </a:t>
             </a:r>
             <a:r>
-              <a:rPr lang="en-US" altLang="en-US">
+              <a:rPr lang="en-US" altLang="en-US" dirty="0">
+                <a:latin typeface="Candara" panose="020E0502030303020204" pitchFamily="34" charset="0"/>
                 <a:sym typeface="+mn-ea"/>
               </a:rPr>
               <a:t>Fed up with ‘traditional’ presentations.</a:t>
             </a:r>
-            <a:endParaRPr lang="en-US" altLang="en-US">
-              <a:sym typeface="+mn-ea"/>
+          </a:p>
+          <a:p>
+            <a:endParaRPr lang="en-US" dirty="0">
+              <a:latin typeface="Candara" panose="020E0502030303020204" pitchFamily="34" charset="0"/>
             </a:endParaRPr>
-          </a:p>
-          <a:p>
-            <a:endParaRPr lang="en-US"/>
           </a:p>
         </p:txBody>
       </p:sp>
@@ -5030,13 +5221,89 @@
 <file path=ppt/slides/slide4.xml><?xml version="1.0" encoding="utf-8"?>
 <p:sld xmlns:a="http://schemas.openxmlformats.org/drawingml/2006/main" xmlns:r="http://schemas.openxmlformats.org/officeDocument/2006/relationships" xmlns:p="http://schemas.openxmlformats.org/presentationml/2006/main">
   <p:cSld>
+    <p:bg>
+      <p:bgPr>
+        <a:solidFill>
+          <a:schemeClr val="tx1"/>
+        </a:solidFill>
+        <a:effectLst/>
+      </p:bgPr>
+    </p:bg>
     <p:spTree>
       <p:nvGrpSpPr>
         <p:cNvPr id="1" name=""/>
         <p:cNvGrpSpPr/>
         <p:nvPr/>
       </p:nvGrpSpPr>
-      <p:grpSpPr/>
+      <p:grpSpPr>
+        <a:xfrm>
+          <a:off x="0" y="0"/>
+          <a:ext cx="0" cy="0"/>
+          <a:chOff x="0" y="0"/>
+          <a:chExt cx="0" cy="0"/>
+        </a:xfrm>
+      </p:grpSpPr>
+      <p:sp>
+        <p:nvSpPr>
+          <p:cNvPr id="11" name="Rectangle 10">
+            <a:extLst>
+              <a:ext uri="{FF2B5EF4-FFF2-40B4-BE49-F238E27FC236}">
+                <a16:creationId xmlns:a16="http://schemas.microsoft.com/office/drawing/2014/main" id="{867D4867-5BA7-4462-B2F6-A23F4A622AA7}"/>
+              </a:ext>
+              <a:ext uri="{C183D7F6-B498-43B3-948B-1728B52AA6E4}">
+                <adec:decorative xmlns:adec="http://schemas.microsoft.com/office/drawing/2017/decorative" val="1"/>
+              </a:ext>
+            </a:extLst>
+          </p:cNvPr>
+          <p:cNvSpPr>
+            <a:spLocks noGrp="1" noRot="1" noChangeAspect="1" noMove="1" noResize="1" noEditPoints="1" noAdjustHandles="1" noChangeArrowheads="1" noChangeShapeType="1" noTextEdit="1"/>
+          </p:cNvSpPr>
+          <p:nvPr>
+            <p:extLst>
+              <p:ext uri="{386F3935-93C4-4BCD-93E2-E3B085C9AB24}">
+                <p16:designElem xmlns:p16="http://schemas.microsoft.com/office/powerpoint/2015/main" val="1"/>
+              </p:ext>
+            </p:extLst>
+          </p:nvPr>
+        </p:nvSpPr>
+        <p:spPr>
+          <a:xfrm>
+            <a:off x="0" y="0"/>
+            <a:ext cx="4654296" cy="6858000"/>
+          </a:xfrm>
+          <a:prstGeom prst="rect">
+            <a:avLst/>
+          </a:prstGeom>
+          <a:solidFill>
+            <a:srgbClr val="3F3F3F"/>
+          </a:solidFill>
+          <a:ln>
+            <a:noFill/>
+          </a:ln>
+        </p:spPr>
+        <p:style>
+          <a:lnRef idx="0">
+            <a:scrgbClr r="0" g="0" b="0"/>
+          </a:lnRef>
+          <a:fillRef idx="0">
+            <a:scrgbClr r="0" g="0" b="0"/>
+          </a:fillRef>
+          <a:effectRef idx="0">
+            <a:scrgbClr r="0" g="0" b="0"/>
+          </a:effectRef>
+          <a:fontRef idx="minor">
+            <a:schemeClr val="lt1"/>
+          </a:fontRef>
+        </p:style>
+        <p:txBody>
+          <a:bodyPr rtlCol="0" anchor="ctr"/>
+          <a:lstStyle/>
+          <a:p>
+            <a:pPr algn="ctr"/>
+            <a:endParaRPr lang="en-US" dirty="0"/>
+          </a:p>
+        </p:txBody>
+      </p:sp>
       <p:sp>
         <p:nvSpPr>
           <p:cNvPr id="2" name="Title 1"/>
@@ -5047,20 +5314,35 @@
             <p:ph type="title"/>
           </p:nvPr>
         </p:nvSpPr>
-        <p:spPr/>
-        <p:txBody>
-          <a:bodyPr/>
-          <a:p>
-            <a:r>
-              <a:rPr lang="en-US" altLang="en-US">
+        <p:spPr>
+          <a:xfrm>
+            <a:off x="643468" y="623392"/>
+            <a:ext cx="3363974" cy="1607060"/>
+          </a:xfrm>
+          <a:noFill/>
+          <a:ln w="19050">
+            <a:solidFill>
+              <a:schemeClr val="tx1"/>
+            </a:solidFill>
+          </a:ln>
+        </p:spPr>
+        <p:txBody>
+          <a:bodyPr wrap="square" anchor="ctr">
+            <a:normAutofit/>
+          </a:bodyPr>
+          <a:lstStyle/>
+          <a:p>
+            <a:pPr algn="ctr"/>
+            <a:r>
+              <a:rPr lang="en-US" altLang="en-US" sz="2800" dirty="0">
                 <a:sym typeface="+mn-ea"/>
               </a:rPr>
               <a:t>2. The core</a:t>
             </a:r>
             <a:br>
-              <a:rPr lang="en-US" altLang="en-US"/>
+              <a:rPr lang="en-US" altLang="en-US" sz="2800" dirty="0"/>
             </a:br>
-            <a:endParaRPr lang="en-US"/>
+            <a:endParaRPr lang="en-US" sz="2800" dirty="0"/>
           </a:p>
         </p:txBody>
       </p:sp>
@@ -5074,27 +5356,778 @@
             <p:ph idx="1"/>
           </p:nvPr>
         </p:nvSpPr>
-        <p:spPr/>
-        <p:txBody>
-          <a:bodyPr/>
-          <a:p>
-            <a:r>
-              <a:rPr lang="en-US" altLang="en-US">
+        <p:spPr>
+          <a:xfrm>
+            <a:off x="643468" y="2638043"/>
+            <a:ext cx="3363974" cy="3415623"/>
+          </a:xfrm>
+        </p:spPr>
+        <p:txBody>
+          <a:bodyPr>
+            <a:normAutofit/>
+          </a:bodyPr>
+          <a:lstStyle/>
+          <a:p>
+            <a:r>
+              <a:rPr lang="en-US" altLang="en-US" dirty="0">
+                <a:latin typeface="Candara" panose="020E0502030303020204" pitchFamily="34" charset="0"/>
                 <a:sym typeface="+mn-ea"/>
               </a:rPr>
-              <a:t>The Flow</a:t>
-            </a:r>
-            <a:endParaRPr lang="en-US" altLang="en-US"/>
-          </a:p>
-          <a:p>
-            <a:endParaRPr lang="en-US"/>
-          </a:p>
-        </p:txBody>
-      </p:sp>
+              <a:t>The Flow of Files</a:t>
+            </a:r>
+            <a:endParaRPr lang="en-US" altLang="en-US" dirty="0">
+              <a:latin typeface="Candara" panose="020E0502030303020204" pitchFamily="34" charset="0"/>
+            </a:endParaRPr>
+          </a:p>
+          <a:p>
+            <a:endParaRPr lang="en-US" dirty="0">
+              <a:latin typeface="Candara" panose="020E0502030303020204" pitchFamily="34" charset="0"/>
+            </a:endParaRPr>
+          </a:p>
+        </p:txBody>
+      </p:sp>
+      <p:pic>
+        <p:nvPicPr>
+          <p:cNvPr id="6" name="Picture 5">
+            <a:extLst>
+              <a:ext uri="{FF2B5EF4-FFF2-40B4-BE49-F238E27FC236}">
+                <a16:creationId xmlns:a16="http://schemas.microsoft.com/office/drawing/2014/main" id="{05744B8D-7E16-4479-A5A0-24A76B0A6DBF}"/>
+              </a:ext>
+            </a:extLst>
+          </p:cNvPr>
+          <p:cNvPicPr>
+            <a:picLocks noChangeAspect="1"/>
+          </p:cNvPicPr>
+          <p:nvPr/>
+        </p:nvPicPr>
+        <p:blipFill>
+          <a:blip r:embed="rId2"/>
+          <a:stretch>
+            <a:fillRect/>
+          </a:stretch>
+        </p:blipFill>
+        <p:spPr>
+          <a:xfrm>
+            <a:off x="5780957" y="643467"/>
+            <a:ext cx="5284380" cy="5410199"/>
+          </a:xfrm>
+          <a:prstGeom prst="rect">
+            <a:avLst/>
+          </a:prstGeom>
+        </p:spPr>
+      </p:pic>
     </p:spTree>
   </p:cSld>
   <p:clrMapOvr>
-    <a:masterClrMapping/>
+    <a:overrideClrMapping bg1="dk1" tx1="lt1" bg2="dk2" tx2="lt2" accent1="accent1" accent2="accent2" accent3="accent3" accent4="accent4" accent5="accent5" accent6="accent6" hlink="hlink" folHlink="folHlink"/>
+  </p:clrMapOvr>
+</p:sld>
+</file>
+
+<file path=ppt/slides/slide5.xml><?xml version="1.0" encoding="utf-8"?>
+<p:sld xmlns:a="http://schemas.openxmlformats.org/drawingml/2006/main" xmlns:r="http://schemas.openxmlformats.org/officeDocument/2006/relationships" xmlns:p="http://schemas.openxmlformats.org/presentationml/2006/main">
+  <p:cSld>
+    <p:bg>
+      <p:bgPr>
+        <a:solidFill>
+          <a:schemeClr val="tx1"/>
+        </a:solidFill>
+        <a:effectLst/>
+      </p:bgPr>
+    </p:bg>
+    <p:spTree>
+      <p:nvGrpSpPr>
+        <p:cNvPr id="1" name=""/>
+        <p:cNvGrpSpPr/>
+        <p:nvPr/>
+      </p:nvGrpSpPr>
+      <p:grpSpPr>
+        <a:xfrm>
+          <a:off x="0" y="0"/>
+          <a:ext cx="0" cy="0"/>
+          <a:chOff x="0" y="0"/>
+          <a:chExt cx="0" cy="0"/>
+        </a:xfrm>
+      </p:grpSpPr>
+      <p:sp>
+        <p:nvSpPr>
+          <p:cNvPr id="9" name="Rectangle 8">
+            <a:extLst>
+              <a:ext uri="{FF2B5EF4-FFF2-40B4-BE49-F238E27FC236}">
+                <a16:creationId xmlns:a16="http://schemas.microsoft.com/office/drawing/2014/main" id="{867D4867-5BA7-4462-B2F6-A23F4A622AA7}"/>
+              </a:ext>
+              <a:ext uri="{C183D7F6-B498-43B3-948B-1728B52AA6E4}">
+                <adec:decorative xmlns:adec="http://schemas.microsoft.com/office/drawing/2017/decorative" val="1"/>
+              </a:ext>
+            </a:extLst>
+          </p:cNvPr>
+          <p:cNvSpPr>
+            <a:spLocks noGrp="1" noRot="1" noChangeAspect="1" noMove="1" noResize="1" noEditPoints="1" noAdjustHandles="1" noChangeArrowheads="1" noChangeShapeType="1" noTextEdit="1"/>
+          </p:cNvSpPr>
+          <p:nvPr>
+            <p:extLst>
+              <p:ext uri="{386F3935-93C4-4BCD-93E2-E3B085C9AB24}">
+                <p16:designElem xmlns:p16="http://schemas.microsoft.com/office/powerpoint/2015/main" val="1"/>
+              </p:ext>
+            </p:extLst>
+          </p:nvPr>
+        </p:nvSpPr>
+        <p:spPr>
+          <a:xfrm>
+            <a:off x="0" y="0"/>
+            <a:ext cx="4654296" cy="6858000"/>
+          </a:xfrm>
+          <a:prstGeom prst="rect">
+            <a:avLst/>
+          </a:prstGeom>
+          <a:solidFill>
+            <a:srgbClr val="3F3F3F"/>
+          </a:solidFill>
+          <a:ln>
+            <a:noFill/>
+          </a:ln>
+        </p:spPr>
+        <p:style>
+          <a:lnRef idx="0">
+            <a:scrgbClr r="0" g="0" b="0"/>
+          </a:lnRef>
+          <a:fillRef idx="0">
+            <a:scrgbClr r="0" g="0" b="0"/>
+          </a:fillRef>
+          <a:effectRef idx="0">
+            <a:scrgbClr r="0" g="0" b="0"/>
+          </a:effectRef>
+          <a:fontRef idx="minor">
+            <a:schemeClr val="lt1"/>
+          </a:fontRef>
+        </p:style>
+        <p:txBody>
+          <a:bodyPr rtlCol="0" anchor="ctr"/>
+          <a:lstStyle/>
+          <a:p>
+            <a:pPr algn="ctr"/>
+            <a:endParaRPr lang="en-US" dirty="0"/>
+          </a:p>
+        </p:txBody>
+      </p:sp>
+      <p:sp>
+        <p:nvSpPr>
+          <p:cNvPr id="2" name="Title 1"/>
+          <p:cNvSpPr>
+            <a:spLocks noGrp="1"/>
+          </p:cNvSpPr>
+          <p:nvPr>
+            <p:ph type="title"/>
+          </p:nvPr>
+        </p:nvSpPr>
+        <p:spPr>
+          <a:xfrm>
+            <a:off x="643468" y="623392"/>
+            <a:ext cx="3363974" cy="1607060"/>
+          </a:xfrm>
+          <a:noFill/>
+          <a:ln w="19050">
+            <a:solidFill>
+              <a:schemeClr val="tx1"/>
+            </a:solidFill>
+          </a:ln>
+        </p:spPr>
+        <p:txBody>
+          <a:bodyPr wrap="square" anchor="ctr">
+            <a:normAutofit/>
+          </a:bodyPr>
+          <a:lstStyle/>
+          <a:p>
+            <a:pPr algn="ctr"/>
+            <a:r>
+              <a:rPr lang="en-US" altLang="en-US" sz="2800" dirty="0">
+                <a:sym typeface="+mn-ea"/>
+              </a:rPr>
+              <a:t>2. The core</a:t>
+            </a:r>
+            <a:br>
+              <a:rPr lang="en-US" altLang="en-US" sz="2800" dirty="0"/>
+            </a:br>
+            <a:endParaRPr lang="en-US" sz="2800" dirty="0"/>
+          </a:p>
+        </p:txBody>
+      </p:sp>
+      <p:sp>
+        <p:nvSpPr>
+          <p:cNvPr id="3" name="Content Placeholder 2"/>
+          <p:cNvSpPr>
+            <a:spLocks noGrp="1"/>
+          </p:cNvSpPr>
+          <p:nvPr>
+            <p:ph idx="1"/>
+          </p:nvPr>
+        </p:nvSpPr>
+        <p:spPr>
+          <a:xfrm>
+            <a:off x="643468" y="2638043"/>
+            <a:ext cx="3363974" cy="3415623"/>
+          </a:xfrm>
+        </p:spPr>
+        <p:txBody>
+          <a:bodyPr>
+            <a:normAutofit/>
+          </a:bodyPr>
+          <a:lstStyle/>
+          <a:p>
+            <a:r>
+              <a:rPr lang="en-US" altLang="en-US" dirty="0">
+                <a:latin typeface="Candara" panose="020E0502030303020204" pitchFamily="34" charset="0"/>
+                <a:sym typeface="+mn-ea"/>
+              </a:rPr>
+              <a:t>The Flow of Cleaning</a:t>
+            </a:r>
+            <a:endParaRPr lang="en-US" altLang="en-US" dirty="0">
+              <a:latin typeface="Candara" panose="020E0502030303020204" pitchFamily="34" charset="0"/>
+            </a:endParaRPr>
+          </a:p>
+          <a:p>
+            <a:endParaRPr lang="en-US" dirty="0">
+              <a:latin typeface="Candara" panose="020E0502030303020204" pitchFamily="34" charset="0"/>
+            </a:endParaRPr>
+          </a:p>
+        </p:txBody>
+      </p:sp>
+      <p:pic>
+        <p:nvPicPr>
+          <p:cNvPr id="4" name="Picture 3">
+            <a:extLst>
+              <a:ext uri="{FF2B5EF4-FFF2-40B4-BE49-F238E27FC236}">
+                <a16:creationId xmlns:a16="http://schemas.microsoft.com/office/drawing/2014/main" id="{DFFB2AF5-DCAC-4D71-8E50-3819E4506ADC}"/>
+              </a:ext>
+            </a:extLst>
+          </p:cNvPr>
+          <p:cNvPicPr>
+            <a:picLocks noChangeAspect="1"/>
+          </p:cNvPicPr>
+          <p:nvPr/>
+        </p:nvPicPr>
+        <p:blipFill>
+          <a:blip r:embed="rId2"/>
+          <a:stretch>
+            <a:fillRect/>
+          </a:stretch>
+        </p:blipFill>
+        <p:spPr>
+          <a:xfrm>
+            <a:off x="5402084" y="643467"/>
+            <a:ext cx="6042127" cy="5410199"/>
+          </a:xfrm>
+          <a:prstGeom prst="rect">
+            <a:avLst/>
+          </a:prstGeom>
+        </p:spPr>
+      </p:pic>
+    </p:spTree>
+    <p:extLst>
+      <p:ext uri="{BB962C8B-B14F-4D97-AF65-F5344CB8AC3E}">
+        <p14:creationId xmlns:p14="http://schemas.microsoft.com/office/powerpoint/2010/main" val="2749793791"/>
+      </p:ext>
+    </p:extLst>
+  </p:cSld>
+  <p:clrMapOvr>
+    <a:overrideClrMapping bg1="dk1" tx1="lt1" bg2="dk2" tx2="lt2" accent1="accent1" accent2="accent2" accent3="accent3" accent4="accent4" accent5="accent5" accent6="accent6" hlink="hlink" folHlink="folHlink"/>
+  </p:clrMapOvr>
+</p:sld>
+</file>
+
+<file path=ppt/slides/slide6.xml><?xml version="1.0" encoding="utf-8"?>
+<p:sld xmlns:a="http://schemas.openxmlformats.org/drawingml/2006/main" xmlns:r="http://schemas.openxmlformats.org/officeDocument/2006/relationships" xmlns:p="http://schemas.openxmlformats.org/presentationml/2006/main">
+  <p:cSld>
+    <p:bg>
+      <p:bgPr>
+        <a:solidFill>
+          <a:schemeClr val="tx1"/>
+        </a:solidFill>
+        <a:effectLst/>
+      </p:bgPr>
+    </p:bg>
+    <p:spTree>
+      <p:nvGrpSpPr>
+        <p:cNvPr id="1" name=""/>
+        <p:cNvGrpSpPr/>
+        <p:nvPr/>
+      </p:nvGrpSpPr>
+      <p:grpSpPr>
+        <a:xfrm>
+          <a:off x="0" y="0"/>
+          <a:ext cx="0" cy="0"/>
+          <a:chOff x="0" y="0"/>
+          <a:chExt cx="0" cy="0"/>
+        </a:xfrm>
+      </p:grpSpPr>
+      <p:sp>
+        <p:nvSpPr>
+          <p:cNvPr id="9" name="Rectangle 8">
+            <a:extLst>
+              <a:ext uri="{FF2B5EF4-FFF2-40B4-BE49-F238E27FC236}">
+                <a16:creationId xmlns:a16="http://schemas.microsoft.com/office/drawing/2014/main" id="{867D4867-5BA7-4462-B2F6-A23F4A622AA7}"/>
+              </a:ext>
+              <a:ext uri="{C183D7F6-B498-43B3-948B-1728B52AA6E4}">
+                <adec:decorative xmlns:adec="http://schemas.microsoft.com/office/drawing/2017/decorative" val="1"/>
+              </a:ext>
+            </a:extLst>
+          </p:cNvPr>
+          <p:cNvSpPr>
+            <a:spLocks noGrp="1" noRot="1" noChangeAspect="1" noMove="1" noResize="1" noEditPoints="1" noAdjustHandles="1" noChangeArrowheads="1" noChangeShapeType="1" noTextEdit="1"/>
+          </p:cNvSpPr>
+          <p:nvPr>
+            <p:extLst>
+              <p:ext uri="{386F3935-93C4-4BCD-93E2-E3B085C9AB24}">
+                <p16:designElem xmlns:p16="http://schemas.microsoft.com/office/powerpoint/2015/main" val="1"/>
+              </p:ext>
+            </p:extLst>
+          </p:nvPr>
+        </p:nvSpPr>
+        <p:spPr>
+          <a:xfrm>
+            <a:off x="0" y="0"/>
+            <a:ext cx="4654296" cy="6858000"/>
+          </a:xfrm>
+          <a:prstGeom prst="rect">
+            <a:avLst/>
+          </a:prstGeom>
+          <a:solidFill>
+            <a:srgbClr val="3F3F3F"/>
+          </a:solidFill>
+          <a:ln>
+            <a:noFill/>
+          </a:ln>
+        </p:spPr>
+        <p:style>
+          <a:lnRef idx="0">
+            <a:scrgbClr r="0" g="0" b="0"/>
+          </a:lnRef>
+          <a:fillRef idx="0">
+            <a:scrgbClr r="0" g="0" b="0"/>
+          </a:fillRef>
+          <a:effectRef idx="0">
+            <a:scrgbClr r="0" g="0" b="0"/>
+          </a:effectRef>
+          <a:fontRef idx="minor">
+            <a:schemeClr val="lt1"/>
+          </a:fontRef>
+        </p:style>
+        <p:txBody>
+          <a:bodyPr rtlCol="0" anchor="ctr"/>
+          <a:lstStyle/>
+          <a:p>
+            <a:pPr algn="ctr"/>
+            <a:endParaRPr lang="en-US" dirty="0"/>
+          </a:p>
+        </p:txBody>
+      </p:sp>
+      <p:sp>
+        <p:nvSpPr>
+          <p:cNvPr id="2" name="Title 1"/>
+          <p:cNvSpPr>
+            <a:spLocks noGrp="1"/>
+          </p:cNvSpPr>
+          <p:nvPr>
+            <p:ph type="title"/>
+          </p:nvPr>
+        </p:nvSpPr>
+        <p:spPr>
+          <a:xfrm>
+            <a:off x="643468" y="623392"/>
+            <a:ext cx="3363974" cy="1607060"/>
+          </a:xfrm>
+          <a:noFill/>
+          <a:ln w="19050">
+            <a:solidFill>
+              <a:schemeClr val="tx1"/>
+            </a:solidFill>
+          </a:ln>
+        </p:spPr>
+        <p:txBody>
+          <a:bodyPr wrap="square" anchor="ctr">
+            <a:normAutofit/>
+          </a:bodyPr>
+          <a:lstStyle/>
+          <a:p>
+            <a:pPr algn="ctr"/>
+            <a:r>
+              <a:rPr lang="en-US" altLang="en-US" sz="2800" dirty="0">
+                <a:sym typeface="+mn-ea"/>
+              </a:rPr>
+              <a:t>2. The core</a:t>
+            </a:r>
+            <a:br>
+              <a:rPr lang="en-US" altLang="en-US" sz="2800" dirty="0"/>
+            </a:br>
+            <a:endParaRPr lang="en-US" sz="2800" dirty="0"/>
+          </a:p>
+        </p:txBody>
+      </p:sp>
+      <p:sp>
+        <p:nvSpPr>
+          <p:cNvPr id="3" name="Content Placeholder 2"/>
+          <p:cNvSpPr>
+            <a:spLocks noGrp="1"/>
+          </p:cNvSpPr>
+          <p:nvPr>
+            <p:ph idx="1"/>
+          </p:nvPr>
+        </p:nvSpPr>
+        <p:spPr>
+          <a:xfrm>
+            <a:off x="643468" y="2638043"/>
+            <a:ext cx="3674532" cy="3415623"/>
+          </a:xfrm>
+        </p:spPr>
+        <p:txBody>
+          <a:bodyPr>
+            <a:normAutofit/>
+          </a:bodyPr>
+          <a:lstStyle/>
+          <a:p>
+            <a:r>
+              <a:rPr lang="en-US" altLang="en-US" dirty="0">
+                <a:latin typeface="Candara" panose="020E0502030303020204" pitchFamily="34" charset="0"/>
+                <a:sym typeface="+mn-ea"/>
+              </a:rPr>
+              <a:t>The Flow of Feature Engineer</a:t>
+            </a:r>
+            <a:endParaRPr lang="en-US" altLang="en-US" dirty="0">
+              <a:latin typeface="Candara" panose="020E0502030303020204" pitchFamily="34" charset="0"/>
+            </a:endParaRPr>
+          </a:p>
+          <a:p>
+            <a:endParaRPr lang="en-US" dirty="0">
+              <a:latin typeface="Candara" panose="020E0502030303020204" pitchFamily="34" charset="0"/>
+            </a:endParaRPr>
+          </a:p>
+        </p:txBody>
+      </p:sp>
+      <p:pic>
+        <p:nvPicPr>
+          <p:cNvPr id="5" name="Picture 4">
+            <a:extLst>
+              <a:ext uri="{FF2B5EF4-FFF2-40B4-BE49-F238E27FC236}">
+                <a16:creationId xmlns:a16="http://schemas.microsoft.com/office/drawing/2014/main" id="{C8056A17-D64B-4E4A-80A0-C5B005131273}"/>
+              </a:ext>
+            </a:extLst>
+          </p:cNvPr>
+          <p:cNvPicPr>
+            <a:picLocks noChangeAspect="1"/>
+          </p:cNvPicPr>
+          <p:nvPr/>
+        </p:nvPicPr>
+        <p:blipFill>
+          <a:blip r:embed="rId2"/>
+          <a:stretch>
+            <a:fillRect/>
+          </a:stretch>
+        </p:blipFill>
+        <p:spPr>
+          <a:xfrm>
+            <a:off x="10261493" y="585390"/>
+            <a:ext cx="1524213" cy="5687219"/>
+          </a:xfrm>
+          <a:prstGeom prst="rect">
+            <a:avLst/>
+          </a:prstGeom>
+        </p:spPr>
+      </p:pic>
+      <p:pic>
+        <p:nvPicPr>
+          <p:cNvPr id="7" name="Picture 6">
+            <a:extLst>
+              <a:ext uri="{FF2B5EF4-FFF2-40B4-BE49-F238E27FC236}">
+                <a16:creationId xmlns:a16="http://schemas.microsoft.com/office/drawing/2014/main" id="{CD675F8B-17D9-4C0F-BFF8-CB64CAF39C8E}"/>
+              </a:ext>
+            </a:extLst>
+          </p:cNvPr>
+          <p:cNvPicPr>
+            <a:picLocks noChangeAspect="1"/>
+          </p:cNvPicPr>
+          <p:nvPr/>
+        </p:nvPicPr>
+        <p:blipFill>
+          <a:blip r:embed="rId3"/>
+          <a:stretch>
+            <a:fillRect/>
+          </a:stretch>
+        </p:blipFill>
+        <p:spPr>
+          <a:xfrm>
+            <a:off x="5297764" y="719443"/>
+            <a:ext cx="5050935" cy="5419112"/>
+          </a:xfrm>
+          <a:prstGeom prst="rect">
+            <a:avLst/>
+          </a:prstGeom>
+        </p:spPr>
+      </p:pic>
+    </p:spTree>
+    <p:extLst>
+      <p:ext uri="{BB962C8B-B14F-4D97-AF65-F5344CB8AC3E}">
+        <p14:creationId xmlns:p14="http://schemas.microsoft.com/office/powerpoint/2010/main" val="696492855"/>
+      </p:ext>
+    </p:extLst>
+  </p:cSld>
+  <p:clrMapOvr>
+    <a:overrideClrMapping bg1="dk1" tx1="lt1" bg2="dk2" tx2="lt2" accent1="accent1" accent2="accent2" accent3="accent3" accent4="accent4" accent5="accent5" accent6="accent6" hlink="hlink" folHlink="folHlink"/>
+  </p:clrMapOvr>
+</p:sld>
+</file>
+
+<file path=ppt/slides/slide7.xml><?xml version="1.0" encoding="utf-8"?>
+<p:sld xmlns:a="http://schemas.openxmlformats.org/drawingml/2006/main" xmlns:r="http://schemas.openxmlformats.org/officeDocument/2006/relationships" xmlns:p="http://schemas.openxmlformats.org/presentationml/2006/main">
+  <p:cSld>
+    <p:bg>
+      <p:bgPr>
+        <a:solidFill>
+          <a:schemeClr val="tx1"/>
+        </a:solidFill>
+        <a:effectLst/>
+      </p:bgPr>
+    </p:bg>
+    <p:spTree>
+      <p:nvGrpSpPr>
+        <p:cNvPr id="1" name=""/>
+        <p:cNvGrpSpPr/>
+        <p:nvPr/>
+      </p:nvGrpSpPr>
+      <p:grpSpPr>
+        <a:xfrm>
+          <a:off x="0" y="0"/>
+          <a:ext cx="0" cy="0"/>
+          <a:chOff x="0" y="0"/>
+          <a:chExt cx="0" cy="0"/>
+        </a:xfrm>
+      </p:grpSpPr>
+      <p:sp>
+        <p:nvSpPr>
+          <p:cNvPr id="9" name="Rectangle 8">
+            <a:extLst>
+              <a:ext uri="{FF2B5EF4-FFF2-40B4-BE49-F238E27FC236}">
+                <a16:creationId xmlns:a16="http://schemas.microsoft.com/office/drawing/2014/main" id="{867D4867-5BA7-4462-B2F6-A23F4A622AA7}"/>
+              </a:ext>
+              <a:ext uri="{C183D7F6-B498-43B3-948B-1728B52AA6E4}">
+                <adec:decorative xmlns:adec="http://schemas.microsoft.com/office/drawing/2017/decorative" val="1"/>
+              </a:ext>
+            </a:extLst>
+          </p:cNvPr>
+          <p:cNvSpPr>
+            <a:spLocks noGrp="1" noRot="1" noChangeAspect="1" noMove="1" noResize="1" noEditPoints="1" noAdjustHandles="1" noChangeArrowheads="1" noChangeShapeType="1" noTextEdit="1"/>
+          </p:cNvSpPr>
+          <p:nvPr>
+            <p:extLst>
+              <p:ext uri="{386F3935-93C4-4BCD-93E2-E3B085C9AB24}">
+                <p16:designElem xmlns:p16="http://schemas.microsoft.com/office/powerpoint/2015/main" val="1"/>
+              </p:ext>
+            </p:extLst>
+          </p:nvPr>
+        </p:nvSpPr>
+        <p:spPr>
+          <a:xfrm>
+            <a:off x="0" y="0"/>
+            <a:ext cx="4654296" cy="6858000"/>
+          </a:xfrm>
+          <a:prstGeom prst="rect">
+            <a:avLst/>
+          </a:prstGeom>
+          <a:solidFill>
+            <a:srgbClr val="3F3F3F"/>
+          </a:solidFill>
+          <a:ln>
+            <a:noFill/>
+          </a:ln>
+        </p:spPr>
+        <p:style>
+          <a:lnRef idx="0">
+            <a:scrgbClr r="0" g="0" b="0"/>
+          </a:lnRef>
+          <a:fillRef idx="0">
+            <a:scrgbClr r="0" g="0" b="0"/>
+          </a:fillRef>
+          <a:effectRef idx="0">
+            <a:scrgbClr r="0" g="0" b="0"/>
+          </a:effectRef>
+          <a:fontRef idx="minor">
+            <a:schemeClr val="lt1"/>
+          </a:fontRef>
+        </p:style>
+        <p:txBody>
+          <a:bodyPr rtlCol="0" anchor="ctr"/>
+          <a:lstStyle/>
+          <a:p>
+            <a:pPr algn="ctr"/>
+            <a:endParaRPr lang="en-US" dirty="0"/>
+          </a:p>
+        </p:txBody>
+      </p:sp>
+      <p:sp>
+        <p:nvSpPr>
+          <p:cNvPr id="2" name="Title 1"/>
+          <p:cNvSpPr>
+            <a:spLocks noGrp="1"/>
+          </p:cNvSpPr>
+          <p:nvPr>
+            <p:ph type="title"/>
+          </p:nvPr>
+        </p:nvSpPr>
+        <p:spPr>
+          <a:xfrm>
+            <a:off x="643468" y="623392"/>
+            <a:ext cx="3363974" cy="1607060"/>
+          </a:xfrm>
+          <a:noFill/>
+          <a:ln w="19050">
+            <a:solidFill>
+              <a:schemeClr val="tx1"/>
+            </a:solidFill>
+          </a:ln>
+        </p:spPr>
+        <p:txBody>
+          <a:bodyPr wrap="square" anchor="ctr">
+            <a:normAutofit/>
+          </a:bodyPr>
+          <a:lstStyle/>
+          <a:p>
+            <a:pPr algn="ctr"/>
+            <a:r>
+              <a:rPr lang="en-US" altLang="en-US" sz="2800" dirty="0">
+                <a:sym typeface="+mn-ea"/>
+              </a:rPr>
+              <a:t>2. The core</a:t>
+            </a:r>
+            <a:br>
+              <a:rPr lang="en-US" altLang="en-US" sz="2800" dirty="0"/>
+            </a:br>
+            <a:endParaRPr lang="en-US" sz="2800" dirty="0"/>
+          </a:p>
+        </p:txBody>
+      </p:sp>
+      <p:sp>
+        <p:nvSpPr>
+          <p:cNvPr id="3" name="Content Placeholder 2"/>
+          <p:cNvSpPr>
+            <a:spLocks noGrp="1"/>
+          </p:cNvSpPr>
+          <p:nvPr>
+            <p:ph idx="1"/>
+          </p:nvPr>
+        </p:nvSpPr>
+        <p:spPr>
+          <a:xfrm>
+            <a:off x="643468" y="2638043"/>
+            <a:ext cx="3674532" cy="3415623"/>
+          </a:xfrm>
+        </p:spPr>
+        <p:txBody>
+          <a:bodyPr>
+            <a:normAutofit/>
+          </a:bodyPr>
+          <a:lstStyle/>
+          <a:p>
+            <a:r>
+              <a:rPr lang="en-US" altLang="en-US" dirty="0">
+                <a:latin typeface="Candara" panose="020E0502030303020204" pitchFamily="34" charset="0"/>
+                <a:sym typeface="+mn-ea"/>
+              </a:rPr>
+              <a:t>The Result of K-Means</a:t>
+            </a:r>
+          </a:p>
+          <a:p>
+            <a:endParaRPr lang="en-US" altLang="en-US" dirty="0">
+              <a:latin typeface="Candara" panose="020E0502030303020204" pitchFamily="34" charset="0"/>
+              <a:sym typeface="+mn-ea"/>
+            </a:endParaRPr>
+          </a:p>
+          <a:p>
+            <a:r>
+              <a:rPr lang="en-US" altLang="en-US" dirty="0">
+                <a:latin typeface="Candara" panose="020E0502030303020204" pitchFamily="34" charset="0"/>
+                <a:sym typeface="+mn-ea"/>
+              </a:rPr>
+              <a:t>The Result of K-Prototypes</a:t>
+            </a:r>
+            <a:endParaRPr lang="en-US" altLang="en-US" dirty="0">
+              <a:latin typeface="Candara" panose="020E0502030303020204" pitchFamily="34" charset="0"/>
+            </a:endParaRPr>
+          </a:p>
+          <a:p>
+            <a:endParaRPr lang="en-US" altLang="en-US" dirty="0">
+              <a:latin typeface="Candara" panose="020E0502030303020204" pitchFamily="34" charset="0"/>
+            </a:endParaRPr>
+          </a:p>
+          <a:p>
+            <a:endParaRPr lang="en-US" dirty="0">
+              <a:latin typeface="Candara" panose="020E0502030303020204" pitchFamily="34" charset="0"/>
+            </a:endParaRPr>
+          </a:p>
+        </p:txBody>
+      </p:sp>
+      <p:sp>
+        <p:nvSpPr>
+          <p:cNvPr id="4" name="TextBox 3">
+            <a:extLst>
+              <a:ext uri="{FF2B5EF4-FFF2-40B4-BE49-F238E27FC236}">
+                <a16:creationId xmlns:a16="http://schemas.microsoft.com/office/drawing/2014/main" id="{91C449B7-D5A2-47F2-BFAA-AEDB27D84869}"/>
+              </a:ext>
+            </a:extLst>
+          </p:cNvPr>
+          <p:cNvSpPr txBox="1"/>
+          <p:nvPr/>
+        </p:nvSpPr>
+        <p:spPr>
+          <a:xfrm>
+            <a:off x="5577840" y="2638043"/>
+            <a:ext cx="3429000" cy="369332"/>
+          </a:xfrm>
+          <a:prstGeom prst="rect">
+            <a:avLst/>
+          </a:prstGeom>
+          <a:noFill/>
+        </p:spPr>
+        <p:txBody>
+          <a:bodyPr wrap="square" rtlCol="0">
+            <a:spAutoFit/>
+          </a:bodyPr>
+          <a:lstStyle/>
+          <a:p>
+            <a:r>
+              <a:rPr lang="en-US" dirty="0">
+                <a:solidFill>
+                  <a:schemeClr val="bg1"/>
+                </a:solidFill>
+                <a:latin typeface="Candara" panose="020E0502030303020204" pitchFamily="34" charset="0"/>
+              </a:rPr>
+              <a:t>&gt;&gt; </a:t>
+            </a:r>
+            <a:r>
+              <a:rPr lang="en-US" dirty="0" err="1">
+                <a:solidFill>
+                  <a:schemeClr val="bg1"/>
+                </a:solidFill>
+                <a:latin typeface="Candara" panose="020E0502030303020204" pitchFamily="34" charset="0"/>
+              </a:rPr>
+              <a:t>Jupyter</a:t>
+            </a:r>
+            <a:endParaRPr lang="en-US" dirty="0">
+              <a:solidFill>
+                <a:schemeClr val="bg1"/>
+              </a:solidFill>
+              <a:latin typeface="Candara" panose="020E0502030303020204" pitchFamily="34" charset="0"/>
+            </a:endParaRPr>
+          </a:p>
+        </p:txBody>
+      </p:sp>
+    </p:spTree>
+    <p:extLst>
+      <p:ext uri="{BB962C8B-B14F-4D97-AF65-F5344CB8AC3E}">
+        <p14:creationId xmlns:p14="http://schemas.microsoft.com/office/powerpoint/2010/main" val="1807929252"/>
+      </p:ext>
+    </p:extLst>
+  </p:cSld>
+  <p:clrMapOvr>
+    <a:overrideClrMapping bg1="dk1" tx1="lt1" bg2="dk2" tx2="lt2" accent1="accent1" accent2="accent2" accent3="accent3" accent4="accent4" accent5="accent5" accent6="accent6" hlink="hlink" folHlink="folHlink"/>
   </p:clrMapOvr>
 </p:sld>
 </file>
@@ -5350,6 +6383,8 @@
       </a:bgFillStyleLst>
     </a:fmtScheme>
   </a:themeElements>
+  <a:objectDefaults/>
+  <a:extraClrSchemeLst/>
   <a:extLst>
     <a:ext uri="{05A4C25C-085E-4340-85A3-A5531E510DB2}">
       <thm15:themeFamily xmlns:thm15="http://schemas.microsoft.com/office/thememl/2012/main" name="Office Theme" id="{62F939B6-93AF-4DB8-9C6B-D6C7DFDC589F}" vid="{4A3C46E8-61CC-4603-A589-7422A47A8E4A}"/>
@@ -5609,6 +6644,8 @@
       </a:bgFillStyleLst>
     </a:fmtScheme>
   </a:themeElements>
+  <a:objectDefaults/>
+  <a:extraClrSchemeLst/>
   <a:extLst>
     <a:ext uri="{05A4C25C-085E-4340-85A3-A5531E510DB2}">
       <thm15:themeFamily xmlns:thm15="http://schemas.microsoft.com/office/thememl/2012/main" name="Office Theme" id="{62F939B6-93AF-4DB8-9C6B-D6C7DFDC589F}" vid="{4A3C46E8-61CC-4603-A589-7422A47A8E4A}"/>
@@ -5868,6 +6905,8 @@
       </a:bgFillStyleLst>
     </a:fmtScheme>
   </a:themeElements>
+  <a:objectDefaults/>
+  <a:extraClrSchemeLst/>
   <a:extLst>
     <a:ext uri="{05A4C25C-085E-4340-85A3-A5531E510DB2}">
       <thm15:themeFamily xmlns:thm15="http://schemas.microsoft.com/office/thememl/2012/main" name="Office Theme" id="{62F939B6-93AF-4DB8-9C6B-D6C7DFDC589F}" vid="{4A3C46E8-61CC-4603-A589-7422A47A8E4A}"/>

--- a/2_Boston_marathon/Boston_presentation.pptx
+++ b/2_Boston_marathon/Boston_presentation.pptx
@@ -5,22 +5,23 @@
     <p:sldMasterId id="2147483648" r:id="rId1"/>
   </p:sldMasterIdLst>
   <p:notesMasterIdLst>
-    <p:notesMasterId r:id="rId9"/>
+    <p:notesMasterId r:id="rId11"/>
   </p:notesMasterIdLst>
   <p:handoutMasterIdLst>
-    <p:handoutMasterId r:id="rId10"/>
+    <p:handoutMasterId r:id="rId12"/>
   </p:handoutMasterIdLst>
   <p:sldIdLst>
-    <p:sldId id="256" r:id="rId2"/>
-    <p:sldId id="257" r:id="rId3"/>
-    <p:sldId id="258" r:id="rId4"/>
-    <p:sldId id="259" r:id="rId5"/>
-    <p:sldId id="260" r:id="rId6"/>
-    <p:sldId id="261" r:id="rId7"/>
-    <p:sldId id="262" r:id="rId8"/>
+    <p:sldId id="256" r:id="rId3"/>
+    <p:sldId id="257" r:id="rId4"/>
+    <p:sldId id="258" r:id="rId5"/>
+    <p:sldId id="259" r:id="rId6"/>
+    <p:sldId id="260" r:id="rId7"/>
+    <p:sldId id="261" r:id="rId8"/>
+    <p:sldId id="263" r:id="rId9"/>
+    <p:sldId id="262" r:id="rId10"/>
   </p:sldIdLst>
   <p:sldSz cx="12192000" cy="6858000"/>
-  <p:notesSz cx="7104063" cy="10234613"/>
+  <p:notesSz cx="7103745" cy="10234295"/>
   <p:defaultTextStyle>
     <a:defPPr>
       <a:defRPr lang="zh-CN"/>
@@ -116,22 +117,6 @@
       </a:defRPr>
     </a:lvl9pPr>
   </p:defaultTextStyle>
-  <p:extLst>
-    <p:ext uri="{EFAFB233-063F-42B5-8137-9DF3F51BA10A}">
-      <p15:sldGuideLst xmlns:p15="http://schemas.microsoft.com/office/powerpoint/2012/main">
-        <p15:guide id="1" orient="horz" pos="2160">
-          <p15:clr>
-            <a:srgbClr val="A4A3A4"/>
-          </p15:clr>
-        </p15:guide>
-        <p15:guide id="2" pos="3840">
-          <p15:clr>
-            <a:srgbClr val="A4A3A4"/>
-          </p15:clr>
-        </p15:guide>
-      </p15:sldGuideLst>
-    </p:ext>
-  </p:extLst>
 </p:presentation>
 </file>
 
@@ -217,7 +202,6 @@
           <a:p>
             <a:fld id="{0F9B84EA-7D68-4D60-9CB1-D50884785D1C}" type="datetimeFigureOut">
               <a:rPr lang="zh-CN" altLang="en-US" smtClean="0"/>
-              <a:t>2020/6/3</a:t>
             </a:fld>
             <a:endParaRPr lang="zh-CN" altLang="en-US"/>
           </a:p>
@@ -283,7 +267,6 @@
           <a:p>
             <a:fld id="{8D4E0FC9-F1F8-4FAE-9988-3BA365CFD46F}" type="slidenum">
               <a:rPr lang="zh-CN" altLang="en-US" smtClean="0"/>
-              <a:t>‹#›</a:t>
             </a:fld>
             <a:endParaRPr lang="zh-CN" altLang="en-US"/>
           </a:p>
@@ -377,7 +360,6 @@
           <a:p>
             <a:fld id="{D6C8D182-E4C8-4120-9249-FC9774456FFA}" type="datetimeFigureOut">
               <a:rPr lang="zh-CN" altLang="en-US" smtClean="0"/>
-              <a:t>2020/6/3</a:t>
             </a:fld>
             <a:endParaRPr lang="zh-CN" altLang="en-US"/>
           </a:p>
@@ -444,6 +426,7 @@
               <a:rPr lang="zh-CN" altLang="en-US"/>
               <a:t>编辑母版文本样式</a:t>
             </a:r>
+            <a:endParaRPr lang="zh-CN" altLang="en-US"/>
           </a:p>
           <a:p>
             <a:pPr lvl="1"/>
@@ -451,6 +434,7 @@
               <a:rPr lang="zh-CN" altLang="en-US"/>
               <a:t>第二级</a:t>
             </a:r>
+            <a:endParaRPr lang="zh-CN" altLang="en-US"/>
           </a:p>
           <a:p>
             <a:pPr lvl="2"/>
@@ -458,6 +442,7 @@
               <a:rPr lang="zh-CN" altLang="en-US"/>
               <a:t>第三级</a:t>
             </a:r>
+            <a:endParaRPr lang="zh-CN" altLang="en-US"/>
           </a:p>
           <a:p>
             <a:pPr lvl="3"/>
@@ -465,6 +450,7 @@
               <a:rPr lang="zh-CN" altLang="en-US"/>
               <a:t>第四级</a:t>
             </a:r>
+            <a:endParaRPr lang="zh-CN" altLang="en-US"/>
           </a:p>
           <a:p>
             <a:pPr lvl="4"/>
@@ -472,6 +458,7 @@
               <a:rPr lang="zh-CN" altLang="en-US"/>
               <a:t>第五级</a:t>
             </a:r>
+            <a:endParaRPr lang="zh-CN" altLang="en-US"/>
           </a:p>
         </p:txBody>
       </p:sp>
@@ -535,7 +522,6 @@
           <a:p>
             <a:fld id="{85D0DACE-38E0-42D2-9336-2B707D34BC6D}" type="slidenum">
               <a:rPr lang="zh-CN" altLang="en-US" smtClean="0"/>
-              <a:t>‹#›</a:t>
             </a:fld>
             <a:endParaRPr lang="zh-CN" altLang="en-US"/>
           </a:p>
@@ -699,6 +685,9 @@
               </a:rPr>
               <a:t>Click to edit Master title style</a:t>
             </a:r>
+            <a:endParaRPr lang="zh-CN" altLang="en-US" dirty="0">
+              <a:sym typeface="+mn-ea"/>
+            </a:endParaRPr>
           </a:p>
         </p:txBody>
       </p:sp>
@@ -719,7 +708,6 @@
           <a:p>
             <a:fld id="{760FBDFE-C587-4B4C-A407-44438C67B59E}" type="datetimeFigureOut">
               <a:rPr lang="zh-CN" altLang="en-US" smtClean="0"/>
-              <a:t>2020/6/3</a:t>
             </a:fld>
             <a:endParaRPr lang="zh-CN" altLang="en-US"/>
           </a:p>
@@ -761,7 +749,6 @@
           <a:p>
             <a:fld id="{49AE70B2-8BF9-45C0-BB95-33D1B9D3A854}" type="slidenum">
               <a:rPr lang="zh-CN" altLang="en-US" smtClean="0"/>
-              <a:t>‹#›</a:t>
             </a:fld>
             <a:endParaRPr lang="zh-CN" altLang="en-US"/>
           </a:p>
@@ -840,6 +827,7 @@
               <a:rPr lang="zh-CN" altLang="en-US" dirty="0"/>
               <a:t>Click to edit Master subtitle style</a:t>
             </a:r>
+            <a:endParaRPr lang="zh-CN" altLang="en-US" dirty="0"/>
           </a:p>
         </p:txBody>
       </p:sp>
@@ -885,7 +873,6 @@
           <a:p>
             <a:fld id="{760FBDFE-C587-4B4C-A407-44438C67B59E}" type="datetimeFigureOut">
               <a:rPr lang="zh-CN" altLang="en-US" smtClean="0"/>
-              <a:t>2020/6/3</a:t>
             </a:fld>
             <a:endParaRPr lang="zh-CN" altLang="en-US"/>
           </a:p>
@@ -927,7 +914,6 @@
           <a:p>
             <a:fld id="{49AE70B2-8BF9-45C0-BB95-33D1B9D3A854}" type="slidenum">
               <a:rPr lang="zh-CN" altLang="en-US" smtClean="0"/>
-              <a:t>‹#›</a:t>
             </a:fld>
             <a:endParaRPr lang="zh-CN" altLang="en-US"/>
           </a:p>
@@ -960,6 +946,9 @@
               </a:rPr>
               <a:t>Click to edit Master text styles</a:t>
             </a:r>
+            <a:endParaRPr lang="zh-CN" altLang="en-US" dirty="0">
+              <a:sym typeface="+mn-ea"/>
+            </a:endParaRPr>
           </a:p>
           <a:p>
             <a:pPr lvl="1"/>
@@ -967,6 +956,7 @@
               <a:rPr lang="zh-CN" altLang="en-US" dirty="0"/>
               <a:t>Second level</a:t>
             </a:r>
+            <a:endParaRPr lang="zh-CN" altLang="en-US" dirty="0"/>
           </a:p>
           <a:p>
             <a:pPr lvl="2"/>
@@ -974,6 +964,7 @@
               <a:rPr lang="zh-CN" altLang="en-US" dirty="0"/>
               <a:t>Third level</a:t>
             </a:r>
+            <a:endParaRPr lang="zh-CN" altLang="en-US" dirty="0"/>
           </a:p>
           <a:p>
             <a:pPr lvl="3"/>
@@ -981,6 +972,7 @@
               <a:rPr lang="zh-CN" altLang="en-US" dirty="0"/>
               <a:t>Fourth level</a:t>
             </a:r>
+            <a:endParaRPr lang="zh-CN" altLang="en-US" dirty="0"/>
           </a:p>
           <a:p>
             <a:pPr lvl="4"/>
@@ -988,6 +980,7 @@
               <a:rPr lang="zh-CN" altLang="en-US" dirty="0"/>
               <a:t>Fifth level</a:t>
             </a:r>
+            <a:endParaRPr lang="zh-CN" altLang="en-US" dirty="0"/>
           </a:p>
         </p:txBody>
       </p:sp>
@@ -1054,6 +1047,7 @@
               <a:rPr lang="zh-CN" altLang="en-US" dirty="0"/>
               <a:t>Click to edit Master title style</a:t>
             </a:r>
+            <a:endParaRPr lang="zh-CN" altLang="en-US" dirty="0"/>
           </a:p>
         </p:txBody>
       </p:sp>
@@ -1137,6 +1131,9 @@
               </a:rPr>
               <a:t>Click to edit Master text styles</a:t>
             </a:r>
+            <a:endParaRPr lang="zh-CN" altLang="en-US" dirty="0">
+              <a:sym typeface="+mn-ea"/>
+            </a:endParaRPr>
           </a:p>
           <a:p>
             <a:pPr lvl="1"/>
@@ -1144,6 +1141,7 @@
               <a:rPr lang="zh-CN" altLang="en-US" dirty="0"/>
               <a:t>Second level</a:t>
             </a:r>
+            <a:endParaRPr lang="zh-CN" altLang="en-US" dirty="0"/>
           </a:p>
           <a:p>
             <a:pPr lvl="2"/>
@@ -1151,6 +1149,7 @@
               <a:rPr lang="zh-CN" altLang="en-US" dirty="0"/>
               <a:t>Third level</a:t>
             </a:r>
+            <a:endParaRPr lang="zh-CN" altLang="en-US" dirty="0"/>
           </a:p>
           <a:p>
             <a:pPr lvl="3"/>
@@ -1158,6 +1157,7 @@
               <a:rPr lang="zh-CN" altLang="en-US" dirty="0"/>
               <a:t>Fourth level</a:t>
             </a:r>
+            <a:endParaRPr lang="zh-CN" altLang="en-US" dirty="0"/>
           </a:p>
           <a:p>
             <a:pPr lvl="4"/>
@@ -1165,6 +1165,7 @@
               <a:rPr lang="zh-CN" altLang="en-US" dirty="0"/>
               <a:t>Fifth level</a:t>
             </a:r>
+            <a:endParaRPr lang="zh-CN" altLang="en-US" dirty="0"/>
           </a:p>
         </p:txBody>
       </p:sp>
@@ -1185,7 +1186,6 @@
           <a:p>
             <a:fld id="{760FBDFE-C587-4B4C-A407-44438C67B59E}" type="datetimeFigureOut">
               <a:rPr lang="zh-CN" altLang="en-US" smtClean="0"/>
-              <a:t>2020/6/3</a:t>
             </a:fld>
             <a:endParaRPr lang="zh-CN" altLang="en-US"/>
           </a:p>
@@ -1227,7 +1227,6 @@
           <a:p>
             <a:fld id="{49AE70B2-8BF9-45C0-BB95-33D1B9D3A854}" type="slidenum">
               <a:rPr lang="zh-CN" altLang="en-US" smtClean="0"/>
-              <a:t>‹#›</a:t>
             </a:fld>
             <a:endParaRPr lang="zh-CN" altLang="en-US"/>
           </a:p>
@@ -1296,6 +1295,7 @@
               <a:rPr lang="zh-CN" altLang="en-US" dirty="0"/>
               <a:t>Click to edit Master title style</a:t>
             </a:r>
+            <a:endParaRPr lang="zh-CN" altLang="en-US" dirty="0"/>
           </a:p>
         </p:txBody>
       </p:sp>
@@ -1417,6 +1417,9 @@
               </a:rPr>
               <a:t>Click to edit Master text styles</a:t>
             </a:r>
+            <a:endParaRPr lang="zh-CN" altLang="en-US" dirty="0">
+              <a:sym typeface="+mn-ea"/>
+            </a:endParaRPr>
           </a:p>
         </p:txBody>
       </p:sp>
@@ -1437,7 +1440,6 @@
           <a:p>
             <a:fld id="{760FBDFE-C587-4B4C-A407-44438C67B59E}" type="datetimeFigureOut">
               <a:rPr lang="zh-CN" altLang="en-US" smtClean="0"/>
-              <a:t>2020/6/3</a:t>
             </a:fld>
             <a:endParaRPr lang="zh-CN" altLang="en-US"/>
           </a:p>
@@ -1479,7 +1481,6 @@
           <a:p>
             <a:fld id="{49AE70B2-8BF9-45C0-BB95-33D1B9D3A854}" type="slidenum">
               <a:rPr lang="zh-CN" altLang="en-US" smtClean="0"/>
-              <a:t>‹#›</a:t>
             </a:fld>
             <a:endParaRPr lang="zh-CN" altLang="en-US"/>
           </a:p>
@@ -1548,6 +1549,7 @@
               <a:rPr lang="zh-CN" altLang="en-US" dirty="0"/>
               <a:t>Click to edit Master title style</a:t>
             </a:r>
+            <a:endParaRPr lang="zh-CN" altLang="en-US" dirty="0"/>
           </a:p>
         </p:txBody>
       </p:sp>
@@ -1646,6 +1648,9 @@
               </a:rPr>
               <a:t>Click to edit Master text styles</a:t>
             </a:r>
+            <a:endParaRPr lang="zh-CN" altLang="en-US" dirty="0">
+              <a:sym typeface="+mn-ea"/>
+            </a:endParaRPr>
           </a:p>
           <a:p>
             <a:pPr lvl="1"/>
@@ -1653,6 +1658,7 @@
               <a:rPr lang="zh-CN" altLang="en-US" dirty="0"/>
               <a:t>Second level</a:t>
             </a:r>
+            <a:endParaRPr lang="zh-CN" altLang="en-US" dirty="0"/>
           </a:p>
           <a:p>
             <a:pPr lvl="2"/>
@@ -1660,6 +1666,7 @@
               <a:rPr lang="zh-CN" altLang="en-US" dirty="0"/>
               <a:t>Third level</a:t>
             </a:r>
+            <a:endParaRPr lang="zh-CN" altLang="en-US" dirty="0"/>
           </a:p>
           <a:p>
             <a:pPr lvl="3"/>
@@ -1667,6 +1674,7 @@
               <a:rPr lang="zh-CN" altLang="en-US" dirty="0"/>
               <a:t>Fourth level</a:t>
             </a:r>
+            <a:endParaRPr lang="zh-CN" altLang="en-US" dirty="0"/>
           </a:p>
           <a:p>
             <a:pPr lvl="4"/>
@@ -1674,6 +1682,7 @@
               <a:rPr lang="zh-CN" altLang="en-US" dirty="0"/>
               <a:t>Fifth level</a:t>
             </a:r>
+            <a:endParaRPr lang="zh-CN" altLang="en-US" dirty="0"/>
           </a:p>
         </p:txBody>
       </p:sp>
@@ -1772,6 +1781,9 @@
               </a:rPr>
               <a:t>Click to edit Master text styles</a:t>
             </a:r>
+            <a:endParaRPr lang="zh-CN" altLang="en-US" dirty="0">
+              <a:sym typeface="+mn-ea"/>
+            </a:endParaRPr>
           </a:p>
           <a:p>
             <a:pPr lvl="1"/>
@@ -1779,6 +1791,7 @@
               <a:rPr lang="zh-CN" altLang="en-US" dirty="0"/>
               <a:t>Second level</a:t>
             </a:r>
+            <a:endParaRPr lang="zh-CN" altLang="en-US" dirty="0"/>
           </a:p>
           <a:p>
             <a:pPr lvl="2"/>
@@ -1786,6 +1799,7 @@
               <a:rPr lang="zh-CN" altLang="en-US" dirty="0"/>
               <a:t>Third level</a:t>
             </a:r>
+            <a:endParaRPr lang="zh-CN" altLang="en-US" dirty="0"/>
           </a:p>
           <a:p>
             <a:pPr lvl="3"/>
@@ -1793,6 +1807,7 @@
               <a:rPr lang="zh-CN" altLang="en-US" dirty="0"/>
               <a:t>Fourth level</a:t>
             </a:r>
+            <a:endParaRPr lang="zh-CN" altLang="en-US" dirty="0"/>
           </a:p>
           <a:p>
             <a:pPr lvl="4"/>
@@ -1800,6 +1815,7 @@
               <a:rPr lang="zh-CN" altLang="en-US" dirty="0"/>
               <a:t>Fifth level</a:t>
             </a:r>
+            <a:endParaRPr lang="zh-CN" altLang="en-US" dirty="0"/>
           </a:p>
         </p:txBody>
       </p:sp>
@@ -1820,7 +1836,6 @@
           <a:p>
             <a:fld id="{760FBDFE-C587-4B4C-A407-44438C67B59E}" type="datetimeFigureOut">
               <a:rPr lang="zh-CN" altLang="en-US" smtClean="0"/>
-              <a:t>2020/6/3</a:t>
             </a:fld>
             <a:endParaRPr lang="zh-CN" altLang="en-US"/>
           </a:p>
@@ -1862,7 +1877,6 @@
           <a:p>
             <a:fld id="{49AE70B2-8BF9-45C0-BB95-33D1B9D3A854}" type="slidenum">
               <a:rPr lang="zh-CN" altLang="en-US" smtClean="0"/>
-              <a:t>‹#›</a:t>
             </a:fld>
             <a:endParaRPr lang="zh-CN" altLang="en-US"/>
           </a:p>
@@ -1917,6 +1931,7 @@
               <a:rPr lang="zh-CN" altLang="en-US"/>
               <a:t>Click to edit Master title style</a:t>
             </a:r>
+            <a:endParaRPr lang="zh-CN" altLang="en-US"/>
           </a:p>
         </p:txBody>
       </p:sp>
@@ -1984,6 +1999,9 @@
               </a:rPr>
               <a:t>Click to edit Master text styles</a:t>
             </a:r>
+            <a:endParaRPr lang="zh-CN" altLang="en-US" dirty="0">
+              <a:sym typeface="+mn-ea"/>
+            </a:endParaRPr>
           </a:p>
         </p:txBody>
       </p:sp>
@@ -2014,6 +2032,9 @@
               </a:rPr>
               <a:t>Click to edit Master text styles</a:t>
             </a:r>
+            <a:endParaRPr lang="zh-CN" altLang="en-US" dirty="0">
+              <a:sym typeface="+mn-ea"/>
+            </a:endParaRPr>
           </a:p>
           <a:p>
             <a:pPr lvl="1"/>
@@ -2021,6 +2042,7 @@
               <a:rPr lang="zh-CN" altLang="en-US" dirty="0"/>
               <a:t>Second level</a:t>
             </a:r>
+            <a:endParaRPr lang="zh-CN" altLang="en-US" dirty="0"/>
           </a:p>
           <a:p>
             <a:pPr lvl="2"/>
@@ -2028,6 +2050,7 @@
               <a:rPr lang="zh-CN" altLang="en-US" dirty="0"/>
               <a:t>Third level</a:t>
             </a:r>
+            <a:endParaRPr lang="zh-CN" altLang="en-US" dirty="0"/>
           </a:p>
           <a:p>
             <a:pPr lvl="3"/>
@@ -2035,6 +2058,7 @@
               <a:rPr lang="zh-CN" altLang="en-US" dirty="0"/>
               <a:t>Fourth level</a:t>
             </a:r>
+            <a:endParaRPr lang="zh-CN" altLang="en-US" dirty="0"/>
           </a:p>
           <a:p>
             <a:pPr lvl="4"/>
@@ -2042,6 +2066,7 @@
               <a:rPr lang="zh-CN" altLang="en-US" dirty="0"/>
               <a:t>Fifth level</a:t>
             </a:r>
+            <a:endParaRPr lang="zh-CN" altLang="en-US" dirty="0"/>
           </a:p>
         </p:txBody>
       </p:sp>
@@ -2109,6 +2134,9 @@
               </a:rPr>
               <a:t>Click to edit Master text styles</a:t>
             </a:r>
+            <a:endParaRPr lang="zh-CN" altLang="en-US" dirty="0">
+              <a:sym typeface="+mn-ea"/>
+            </a:endParaRPr>
           </a:p>
         </p:txBody>
       </p:sp>
@@ -2139,6 +2167,9 @@
               </a:rPr>
               <a:t>Click to edit Master text styles</a:t>
             </a:r>
+            <a:endParaRPr lang="zh-CN" altLang="en-US" dirty="0">
+              <a:sym typeface="+mn-ea"/>
+            </a:endParaRPr>
           </a:p>
           <a:p>
             <a:pPr lvl="1"/>
@@ -2146,6 +2177,7 @@
               <a:rPr lang="zh-CN" altLang="en-US" dirty="0"/>
               <a:t>Second level</a:t>
             </a:r>
+            <a:endParaRPr lang="zh-CN" altLang="en-US" dirty="0"/>
           </a:p>
           <a:p>
             <a:pPr lvl="2"/>
@@ -2153,6 +2185,7 @@
               <a:rPr lang="zh-CN" altLang="en-US" dirty="0"/>
               <a:t>Third level</a:t>
             </a:r>
+            <a:endParaRPr lang="zh-CN" altLang="en-US" dirty="0"/>
           </a:p>
           <a:p>
             <a:pPr lvl="3"/>
@@ -2160,6 +2193,7 @@
               <a:rPr lang="zh-CN" altLang="en-US" dirty="0"/>
               <a:t>Fourth level</a:t>
             </a:r>
+            <a:endParaRPr lang="zh-CN" altLang="en-US" dirty="0"/>
           </a:p>
           <a:p>
             <a:pPr lvl="4"/>
@@ -2167,6 +2201,7 @@
               <a:rPr lang="zh-CN" altLang="en-US" dirty="0"/>
               <a:t>Fifth level</a:t>
             </a:r>
+            <a:endParaRPr lang="zh-CN" altLang="en-US" dirty="0"/>
           </a:p>
         </p:txBody>
       </p:sp>
@@ -2187,7 +2222,6 @@
           <a:p>
             <a:fld id="{760FBDFE-C587-4B4C-A407-44438C67B59E}" type="datetimeFigureOut">
               <a:rPr lang="zh-CN" altLang="en-US" smtClean="0"/>
-              <a:t>2020/6/3</a:t>
             </a:fld>
             <a:endParaRPr lang="zh-CN" altLang="en-US"/>
           </a:p>
@@ -2229,7 +2263,6 @@
           <a:p>
             <a:fld id="{49AE70B2-8BF9-45C0-BB95-33D1B9D3A854}" type="slidenum">
               <a:rPr lang="zh-CN" altLang="en-US" smtClean="0"/>
-              <a:t>‹#›</a:t>
             </a:fld>
             <a:endParaRPr lang="zh-CN" altLang="en-US"/>
           </a:p>
@@ -2298,6 +2331,7 @@
               <a:rPr lang="zh-CN" altLang="en-US" dirty="0"/>
               <a:t>Click to edit Master title style</a:t>
             </a:r>
+            <a:endParaRPr lang="zh-CN" altLang="en-US" dirty="0"/>
           </a:p>
         </p:txBody>
       </p:sp>
@@ -2318,7 +2352,6 @@
           <a:p>
             <a:fld id="{760FBDFE-C587-4B4C-A407-44438C67B59E}" type="datetimeFigureOut">
               <a:rPr lang="zh-CN" altLang="en-US" smtClean="0"/>
-              <a:t>2020/6/3</a:t>
             </a:fld>
             <a:endParaRPr lang="zh-CN" altLang="en-US"/>
           </a:p>
@@ -2360,7 +2393,6 @@
           <a:p>
             <a:fld id="{49AE70B2-8BF9-45C0-BB95-33D1B9D3A854}" type="slidenum">
               <a:rPr lang="zh-CN" altLang="en-US" smtClean="0"/>
-              <a:t>‹#›</a:t>
             </a:fld>
             <a:endParaRPr lang="zh-CN" altLang="en-US"/>
           </a:p>
@@ -2408,7 +2440,6 @@
           <a:p>
             <a:fld id="{760FBDFE-C587-4B4C-A407-44438C67B59E}" type="datetimeFigureOut">
               <a:rPr lang="zh-CN" altLang="en-US" smtClean="0"/>
-              <a:t>2020/6/3</a:t>
             </a:fld>
             <a:endParaRPr lang="zh-CN" altLang="en-US"/>
           </a:p>
@@ -2450,7 +2481,6 @@
           <a:p>
             <a:fld id="{49AE70B2-8BF9-45C0-BB95-33D1B9D3A854}" type="slidenum">
               <a:rPr lang="zh-CN" altLang="en-US" smtClean="0"/>
-              <a:t>‹#›</a:t>
             </a:fld>
             <a:endParaRPr lang="zh-CN" altLang="en-US"/>
           </a:p>
@@ -2521,6 +2551,9 @@
               </a:rPr>
               <a:t>Click to edit Master title style</a:t>
             </a:r>
+            <a:endParaRPr lang="zh-CN" altLang="en-US" dirty="0">
+              <a:sym typeface="+mn-ea"/>
+            </a:endParaRPr>
           </a:p>
         </p:txBody>
       </p:sp>
@@ -2652,6 +2685,7 @@
               <a:rPr lang="zh-CN" altLang="en-US" dirty="0"/>
               <a:t>Click to edit Master text styles</a:t>
             </a:r>
+            <a:endParaRPr lang="zh-CN" altLang="en-US" dirty="0"/>
           </a:p>
         </p:txBody>
       </p:sp>
@@ -2672,7 +2706,6 @@
           <a:p>
             <a:fld id="{9EFD9D74-47D9-4702-A33C-335B63B48DBF}" type="datetimeFigureOut">
               <a:rPr lang="zh-CN" altLang="en-US" smtClean="0"/>
-              <a:t>2020/6/3</a:t>
             </a:fld>
             <a:endParaRPr lang="zh-CN" altLang="en-US" dirty="0"/>
           </a:p>
@@ -2714,7 +2747,6 @@
           <a:p>
             <a:fld id="{FABC47A4-756D-490B-A52F-7D9E2C9FC05F}" type="slidenum">
               <a:rPr lang="zh-CN" altLang="en-US" smtClean="0"/>
-              <a:t>‹#›</a:t>
             </a:fld>
             <a:endParaRPr lang="zh-CN" altLang="en-US"/>
           </a:p>
@@ -2805,6 +2837,7 @@
               <a:rPr lang="zh-CN" altLang="en-US"/>
               <a:t>Click to edit Master title style</a:t>
             </a:r>
+            <a:endParaRPr lang="zh-CN" altLang="en-US"/>
           </a:p>
         </p:txBody>
       </p:sp>
@@ -2835,6 +2868,9 @@
               </a:rPr>
               <a:t>Click to edit Master text styles</a:t>
             </a:r>
+            <a:endParaRPr lang="zh-CN" altLang="en-US" dirty="0">
+              <a:sym typeface="+mn-ea"/>
+            </a:endParaRPr>
           </a:p>
           <a:p>
             <a:pPr lvl="1"/>
@@ -2842,6 +2878,7 @@
               <a:rPr lang="zh-CN" altLang="en-US" dirty="0"/>
               <a:t>Second level</a:t>
             </a:r>
+            <a:endParaRPr lang="zh-CN" altLang="en-US" dirty="0"/>
           </a:p>
           <a:p>
             <a:pPr lvl="2"/>
@@ -2849,6 +2886,7 @@
               <a:rPr lang="zh-CN" altLang="en-US" dirty="0"/>
               <a:t>Third level</a:t>
             </a:r>
+            <a:endParaRPr lang="zh-CN" altLang="en-US" dirty="0"/>
           </a:p>
           <a:p>
             <a:pPr lvl="3"/>
@@ -2856,6 +2894,7 @@
               <a:rPr lang="zh-CN" altLang="en-US" dirty="0"/>
               <a:t>Fourth level</a:t>
             </a:r>
+            <a:endParaRPr lang="zh-CN" altLang="en-US" dirty="0"/>
           </a:p>
           <a:p>
             <a:pPr lvl="4"/>
@@ -2863,6 +2902,7 @@
               <a:rPr lang="zh-CN" altLang="en-US" dirty="0"/>
               <a:t>Fifth level</a:t>
             </a:r>
+            <a:endParaRPr lang="zh-CN" altLang="en-US" dirty="0"/>
           </a:p>
         </p:txBody>
       </p:sp>
@@ -2883,7 +2923,6 @@
           <a:p>
             <a:fld id="{760FBDFE-C587-4B4C-A407-44438C67B59E}" type="datetimeFigureOut">
               <a:rPr lang="zh-CN" altLang="en-US" smtClean="0"/>
-              <a:t>2020/6/3</a:t>
             </a:fld>
             <a:endParaRPr lang="zh-CN" altLang="en-US"/>
           </a:p>
@@ -2925,7 +2964,6 @@
           <a:p>
             <a:fld id="{49AE70B2-8BF9-45C0-BB95-33D1B9D3A854}" type="slidenum">
               <a:rPr lang="zh-CN" altLang="en-US" smtClean="0"/>
-              <a:t>‹#›</a:t>
             </a:fld>
             <a:endParaRPr lang="zh-CN" altLang="en-US"/>
           </a:p>
@@ -2993,6 +3031,7 @@
               <a:rPr lang="zh-CN" altLang="en-US" dirty="0"/>
               <a:t>Click to edit Master title style</a:t>
             </a:r>
+            <a:endParaRPr lang="zh-CN" altLang="en-US" dirty="0"/>
           </a:p>
         </p:txBody>
       </p:sp>
@@ -3028,6 +3067,9 @@
               </a:rPr>
               <a:t>Click to edit Master text styles</a:t>
             </a:r>
+            <a:endParaRPr lang="zh-CN" altLang="en-US" dirty="0">
+              <a:sym typeface="+mn-ea"/>
+            </a:endParaRPr>
           </a:p>
           <a:p>
             <a:pPr lvl="1"/>
@@ -3035,6 +3077,7 @@
               <a:rPr lang="zh-CN" altLang="en-US" dirty="0"/>
               <a:t>Second level</a:t>
             </a:r>
+            <a:endParaRPr lang="zh-CN" altLang="en-US" dirty="0"/>
           </a:p>
           <a:p>
             <a:pPr lvl="2"/>
@@ -3042,6 +3085,7 @@
               <a:rPr lang="zh-CN" altLang="en-US" dirty="0"/>
               <a:t>Third level</a:t>
             </a:r>
+            <a:endParaRPr lang="zh-CN" altLang="en-US" dirty="0"/>
           </a:p>
           <a:p>
             <a:pPr lvl="3"/>
@@ -3049,6 +3093,7 @@
               <a:rPr lang="zh-CN" altLang="en-US" dirty="0"/>
               <a:t>Fourth level</a:t>
             </a:r>
+            <a:endParaRPr lang="zh-CN" altLang="en-US" dirty="0"/>
           </a:p>
           <a:p>
             <a:pPr lvl="4"/>
@@ -3056,6 +3101,7 @@
               <a:rPr lang="zh-CN" altLang="en-US" dirty="0"/>
               <a:t>Fifth level</a:t>
             </a:r>
+            <a:endParaRPr lang="zh-CN" altLang="en-US" dirty="0"/>
           </a:p>
         </p:txBody>
       </p:sp>
@@ -3096,7 +3142,6 @@
           <a:p>
             <a:fld id="{760FBDFE-C587-4B4C-A407-44438C67B59E}" type="datetimeFigureOut">
               <a:rPr lang="zh-CN" altLang="en-US" smtClean="0"/>
-              <a:t>2020/6/3</a:t>
             </a:fld>
             <a:endParaRPr lang="zh-CN" altLang="en-US"/>
           </a:p>
@@ -3178,7 +3223,6 @@
           <a:p>
             <a:fld id="{49AE70B2-8BF9-45C0-BB95-33D1B9D3A854}" type="slidenum">
               <a:rPr lang="zh-CN" altLang="en-US" smtClean="0"/>
-              <a:t>‹#›</a:t>
             </a:fld>
             <a:endParaRPr lang="zh-CN" altLang="en-US"/>
           </a:p>
@@ -3509,26 +3553,11 @@
       </p:grpSpPr>
       <p:sp>
         <p:nvSpPr>
-          <p:cNvPr id="7" name="Rectangle 6">
-            <a:extLst>
-              <a:ext uri="{FF2B5EF4-FFF2-40B4-BE49-F238E27FC236}">
-                <a16:creationId xmlns:a16="http://schemas.microsoft.com/office/drawing/2014/main" id="{2A8AA5BC-4F7A-4226-8F99-6D824B226A97}"/>
-              </a:ext>
-              <a:ext uri="{C183D7F6-B498-43B3-948B-1728B52AA6E4}">
-                <adec:decorative xmlns:adec="http://schemas.microsoft.com/office/drawing/2017/decorative" val="1"/>
-              </a:ext>
-            </a:extLst>
-          </p:cNvPr>
+          <p:cNvPr id="7" name="Rectangle 6"/>
           <p:cNvSpPr>
             <a:spLocks noGrp="1" noRot="1" noChangeAspect="1" noMove="1" noResize="1" noEditPoints="1" noAdjustHandles="1" noChangeArrowheads="1" noChangeShapeType="1" noTextEdit="1"/>
           </p:cNvSpPr>
-          <p:nvPr>
-            <p:extLst>
-              <p:ext uri="{386F3935-93C4-4BCD-93E2-E3B085C9AB24}">
-                <p16:designElem xmlns:p16="http://schemas.microsoft.com/office/powerpoint/2015/main" val="1"/>
-              </p:ext>
-            </p:extLst>
-          </p:nvPr>
+          <p:nvPr/>
         </p:nvSpPr>
         <p:spPr>
           <a:xfrm>
@@ -3572,26 +3601,11 @@
       </p:sp>
       <p:sp>
         <p:nvSpPr>
-          <p:cNvPr id="9" name="Rectangle 8">
-            <a:extLst>
-              <a:ext uri="{FF2B5EF4-FFF2-40B4-BE49-F238E27FC236}">
-                <a16:creationId xmlns:a16="http://schemas.microsoft.com/office/drawing/2014/main" id="{3E5445C6-DD42-4979-86FF-03730E8C6DB0}"/>
-              </a:ext>
-              <a:ext uri="{C183D7F6-B498-43B3-948B-1728B52AA6E4}">
-                <adec:decorative xmlns:adec="http://schemas.microsoft.com/office/drawing/2017/decorative" val="1"/>
-              </a:ext>
-            </a:extLst>
-          </p:cNvPr>
+          <p:cNvPr id="9" name="Rectangle 8"/>
           <p:cNvSpPr>
             <a:spLocks noGrp="1" noRot="1" noChangeAspect="1" noMove="1" noResize="1" noEditPoints="1" noAdjustHandles="1" noChangeArrowheads="1" noChangeShapeType="1" noTextEdit="1"/>
           </p:cNvSpPr>
-          <p:nvPr>
-            <p:extLst>
-              <p:ext uri="{386F3935-93C4-4BCD-93E2-E3B085C9AB24}">
-                <p16:designElem xmlns:p16="http://schemas.microsoft.com/office/powerpoint/2015/main" val="1"/>
-              </p:ext>
-            </p:extLst>
-          </p:nvPr>
+          <p:nvPr/>
         </p:nvSpPr>
         <p:spPr bwMode="ltGray">
           <a:xfrm>
@@ -3664,41 +3678,27 @@
           <a:lstStyle/>
           <a:p>
             <a:r>
-              <a:rPr lang="" altLang="en-US" sz="5800"/>
+              <a:rPr lang="en-US" altLang="en-US" sz="5800"/>
               <a:t>Boston</a:t>
             </a:r>
             <a:br>
-              <a:rPr lang="" altLang="en-US" sz="5800"/>
+              <a:rPr lang="en-US" altLang="en-US" sz="5800"/>
             </a:br>
             <a:r>
-              <a:rPr lang="" altLang="en-US" sz="5800"/>
+              <a:rPr lang="en-US" altLang="en-US" sz="5800"/>
               <a:t>marathon</a:t>
             </a:r>
+            <a:endParaRPr lang="en-US" altLang="en-US" sz="5800"/>
           </a:p>
         </p:txBody>
       </p:sp>
       <p:cxnSp>
         <p:nvCxnSpPr>
-          <p:cNvPr id="11" name="Straight Connector 10">
-            <a:extLst>
-              <a:ext uri="{FF2B5EF4-FFF2-40B4-BE49-F238E27FC236}">
-                <a16:creationId xmlns:a16="http://schemas.microsoft.com/office/drawing/2014/main" id="{45000665-DFC7-417E-8FD7-516A0F15C975}"/>
-              </a:ext>
-              <a:ext uri="{C183D7F6-B498-43B3-948B-1728B52AA6E4}">
-                <adec:decorative xmlns:adec="http://schemas.microsoft.com/office/drawing/2017/decorative" val="1"/>
-              </a:ext>
-            </a:extLst>
-          </p:cNvPr>
+          <p:cNvPr id="11" name="Straight Connector 10"/>
           <p:cNvCxnSpPr>
             <a:cxnSpLocks noGrp="1" noRot="1" noChangeAspect="1" noMove="1" noResize="1" noEditPoints="1" noAdjustHandles="1" noChangeArrowheads="1" noChangeShapeType="1"/>
           </p:cNvCxnSpPr>
-          <p:nvPr>
-            <p:extLst>
-              <p:ext uri="{386F3935-93C4-4BCD-93E2-E3B085C9AB24}">
-                <p16:designElem xmlns:p16="http://schemas.microsoft.com/office/powerpoint/2015/main" val="1"/>
-              </p:ext>
-            </p:extLst>
-          </p:nvPr>
+          <p:nvPr/>
         </p:nvCxnSpPr>
         <p:spPr>
           <a:xfrm>
@@ -3766,26 +3766,11 @@
       </p:grpSpPr>
       <p:sp>
         <p:nvSpPr>
-          <p:cNvPr id="8" name="Rectangle 7">
-            <a:extLst>
-              <a:ext uri="{FF2B5EF4-FFF2-40B4-BE49-F238E27FC236}">
-                <a16:creationId xmlns:a16="http://schemas.microsoft.com/office/drawing/2014/main" id="{F98ED85F-DCEE-4B50-802E-71A6E3E12B04}"/>
-              </a:ext>
-              <a:ext uri="{C183D7F6-B498-43B3-948B-1728B52AA6E4}">
-                <adec:decorative xmlns:adec="http://schemas.microsoft.com/office/drawing/2017/decorative" val="1"/>
-              </a:ext>
-            </a:extLst>
-          </p:cNvPr>
+          <p:cNvPr id="8" name="Rectangle 7"/>
           <p:cNvSpPr>
             <a:spLocks noGrp="1" noRot="1" noChangeAspect="1" noMove="1" noResize="1" noEditPoints="1" noAdjustHandles="1" noChangeArrowheads="1" noChangeShapeType="1" noTextEdit="1"/>
           </p:cNvSpPr>
-          <p:nvPr>
-            <p:extLst>
-              <p:ext uri="{386F3935-93C4-4BCD-93E2-E3B085C9AB24}">
-                <p16:designElem xmlns:p16="http://schemas.microsoft.com/office/powerpoint/2015/main" val="1"/>
-              </p:ext>
-            </p:extLst>
-          </p:nvPr>
+          <p:nvPr/>
         </p:nvSpPr>
         <p:spPr bwMode="ltGray">
           <a:xfrm>
@@ -3858,13 +3843,18 @@
           <a:lstStyle/>
           <a:p>
             <a:r>
-              <a:rPr lang="" altLang="en-US" sz="4800">
+              <a:rPr lang="en-US" altLang="en-US" sz="4800">
                 <a:solidFill>
                   <a:schemeClr val="bg1"/>
                 </a:solidFill>
               </a:rPr>
               <a:t>Contents.</a:t>
             </a:r>
+            <a:endParaRPr lang="en-US" altLang="en-US" sz="4800">
+              <a:solidFill>
+                <a:schemeClr val="bg1"/>
+              </a:solidFill>
+            </a:endParaRPr>
           </a:p>
         </p:txBody>
       </p:sp>
@@ -3894,7 +3884,7 @@
               <a:buNone/>
             </a:pPr>
             <a:r>
-              <a:rPr lang="" altLang="en-US" sz="2400">
+              <a:rPr lang="en-US" altLang="en-US" sz="2400">
                 <a:solidFill>
                   <a:schemeClr val="bg1"/>
                 </a:solidFill>
@@ -3902,12 +3892,7 @@
               </a:rPr>
               <a:t>1. What’s new?</a:t>
             </a:r>
-          </a:p>
-          <a:p>
-            <a:pPr marL="0" indent="0">
-              <a:buNone/>
-            </a:pPr>
-            <a:endParaRPr lang="" altLang="en-US" sz="2400">
+            <a:endParaRPr lang="en-US" altLang="en-US" sz="2400">
               <a:solidFill>
                 <a:schemeClr val="bg1"/>
               </a:solidFill>
@@ -3918,8 +3903,19 @@
             <a:pPr marL="0" indent="0">
               <a:buNone/>
             </a:pPr>
-            <a:r>
-              <a:rPr lang="" altLang="en-US" sz="2400">
+            <a:endParaRPr lang="en-US" altLang="en-US" sz="2400">
+              <a:solidFill>
+                <a:schemeClr val="bg1"/>
+              </a:solidFill>
+              <a:latin typeface="Candara" panose="020E0502030303020204" pitchFamily="34" charset="0"/>
+            </a:endParaRPr>
+          </a:p>
+          <a:p>
+            <a:pPr marL="0" indent="0">
+              <a:buNone/>
+            </a:pPr>
+            <a:r>
+              <a:rPr lang="en-US" altLang="en-US" sz="2400">
                 <a:solidFill>
                   <a:schemeClr val="bg1"/>
                 </a:solidFill>
@@ -3927,13 +3923,19 @@
               </a:rPr>
               <a:t>2. The core</a:t>
             </a:r>
+            <a:endParaRPr lang="en-US" altLang="en-US" sz="2400">
+              <a:solidFill>
+                <a:schemeClr val="bg1"/>
+              </a:solidFill>
+              <a:latin typeface="Candara" panose="020E0502030303020204" pitchFamily="34" charset="0"/>
+            </a:endParaRPr>
           </a:p>
           <a:p>
             <a:pPr marL="0" indent="0">
               <a:buNone/>
             </a:pPr>
             <a:r>
-              <a:rPr lang="" altLang="en-US" sz="2400">
+              <a:rPr lang="en-US" altLang="en-US" sz="2400">
                 <a:solidFill>
                   <a:schemeClr val="bg1"/>
                 </a:solidFill>
@@ -3941,13 +3943,19 @@
               </a:rPr>
               <a:t>	1 The Flows</a:t>
             </a:r>
+            <a:endParaRPr lang="en-US" altLang="en-US" sz="2400">
+              <a:solidFill>
+                <a:schemeClr val="bg1"/>
+              </a:solidFill>
+              <a:latin typeface="Candara" panose="020E0502030303020204" pitchFamily="34" charset="0"/>
+            </a:endParaRPr>
           </a:p>
           <a:p>
             <a:pPr marL="0" indent="0">
               <a:buNone/>
             </a:pPr>
             <a:r>
-              <a:rPr lang="" altLang="en-US" sz="2400">
+              <a:rPr lang="en-US" altLang="en-US" sz="2400">
                 <a:solidFill>
                   <a:schemeClr val="bg1"/>
                 </a:solidFill>
@@ -3955,12 +3963,7 @@
               </a:rPr>
               <a:t>	2 Results</a:t>
             </a:r>
-          </a:p>
-          <a:p>
-            <a:pPr marL="0" indent="0">
-              <a:buNone/>
-            </a:pPr>
-            <a:endParaRPr lang="" altLang="en-US" sz="2400">
+            <a:endParaRPr lang="en-US" altLang="en-US" sz="2400">
               <a:solidFill>
                 <a:schemeClr val="bg1"/>
               </a:solidFill>
@@ -3971,8 +3974,19 @@
             <a:pPr marL="0" indent="0">
               <a:buNone/>
             </a:pPr>
-            <a:r>
-              <a:rPr lang="" altLang="en-US" sz="2400">
+            <a:endParaRPr lang="en-US" altLang="en-US" sz="2400">
+              <a:solidFill>
+                <a:schemeClr val="bg1"/>
+              </a:solidFill>
+              <a:latin typeface="Candara" panose="020E0502030303020204" pitchFamily="34" charset="0"/>
+            </a:endParaRPr>
+          </a:p>
+          <a:p>
+            <a:pPr marL="0" indent="0">
+              <a:buNone/>
+            </a:pPr>
+            <a:r>
+              <a:rPr lang="en-US" altLang="en-US" sz="2400">
                 <a:solidFill>
                   <a:schemeClr val="bg1"/>
                 </a:solidFill>
@@ -3980,6 +3994,12 @@
               </a:rPr>
               <a:t>3. How to get better?</a:t>
             </a:r>
+            <a:endParaRPr lang="en-US" altLang="en-US" sz="2400">
+              <a:solidFill>
+                <a:schemeClr val="bg1"/>
+              </a:solidFill>
+              <a:latin typeface="Candara" panose="020E0502030303020204" pitchFamily="34" charset="0"/>
+            </a:endParaRPr>
           </a:p>
         </p:txBody>
       </p:sp>
@@ -4398,19 +4418,22 @@
               <a:buNone/>
             </a:pPr>
             <a:r>
-              <a:rPr lang="" altLang="en-US" dirty="0">
+              <a:rPr lang="en-US" altLang="en-US" dirty="0">
                 <a:latin typeface="Candara" panose="020E0502030303020204" pitchFamily="34" charset="0"/>
               </a:rPr>
               <a:t>1. No more a Long &amp; BIG notebook</a:t>
             </a:r>
-          </a:p>
-          <a:p>
-            <a:endParaRPr lang="" altLang="en-US" dirty="0">
+            <a:endParaRPr lang="en-US" altLang="en-US" dirty="0">
               <a:latin typeface="Candara" panose="020E0502030303020204" pitchFamily="34" charset="0"/>
             </a:endParaRPr>
           </a:p>
           <a:p>
-            <a:endParaRPr lang="" altLang="en-US" dirty="0">
+            <a:endParaRPr lang="en-US" altLang="en-US" dirty="0">
+              <a:latin typeface="Candara" panose="020E0502030303020204" pitchFamily="34" charset="0"/>
+            </a:endParaRPr>
+          </a:p>
+          <a:p>
+            <a:endParaRPr lang="en-US" altLang="en-US" dirty="0">
               <a:latin typeface="Candara" panose="020E0502030303020204" pitchFamily="34" charset="0"/>
             </a:endParaRPr>
           </a:p>
@@ -4419,19 +4442,22 @@
               <a:buNone/>
             </a:pPr>
             <a:r>
-              <a:rPr lang="" altLang="en-US" dirty="0">
+              <a:rPr lang="en-US" altLang="en-US" dirty="0">
                 <a:latin typeface="Candara" panose="020E0502030303020204" pitchFamily="34" charset="0"/>
               </a:rPr>
               <a:t>2. Suited for Audiences</a:t>
             </a:r>
-          </a:p>
-          <a:p>
-            <a:endParaRPr lang="" altLang="en-US" dirty="0">
+            <a:endParaRPr lang="en-US" altLang="en-US" dirty="0">
               <a:latin typeface="Candara" panose="020E0502030303020204" pitchFamily="34" charset="0"/>
             </a:endParaRPr>
           </a:p>
           <a:p>
-            <a:endParaRPr lang="" altLang="en-US" dirty="0">
+            <a:endParaRPr lang="en-US" altLang="en-US" dirty="0">
+              <a:latin typeface="Candara" panose="020E0502030303020204" pitchFamily="34" charset="0"/>
+            </a:endParaRPr>
+          </a:p>
+          <a:p>
+            <a:endParaRPr lang="en-US" altLang="en-US" dirty="0">
               <a:latin typeface="Candara" panose="020E0502030303020204" pitchFamily="34" charset="0"/>
             </a:endParaRPr>
           </a:p>
@@ -4440,14 +4466,17 @@
               <a:buNone/>
             </a:pPr>
             <a:r>
-              <a:rPr lang="" altLang="en-US" dirty="0">
+              <a:rPr lang="en-US" altLang="en-US" dirty="0">
                 <a:latin typeface="Candara" panose="020E0502030303020204" pitchFamily="34" charset="0"/>
               </a:rPr>
               <a:t>3. Focus on: What Should Have Done</a:t>
             </a:r>
-          </a:p>
-          <a:p>
-            <a:endParaRPr lang="" altLang="en-US" dirty="0">
+            <a:endParaRPr lang="en-US" altLang="en-US" dirty="0">
+              <a:latin typeface="Candara" panose="020E0502030303020204" pitchFamily="34" charset="0"/>
+            </a:endParaRPr>
+          </a:p>
+          <a:p>
+            <a:endParaRPr lang="en-US" altLang="en-US" dirty="0">
               <a:latin typeface="Candara" panose="020E0502030303020204" pitchFamily="34" charset="0"/>
             </a:endParaRPr>
           </a:p>
@@ -4455,7 +4484,7 @@
             <a:pPr marL="0" indent="0">
               <a:buNone/>
             </a:pPr>
-            <a:endParaRPr lang="" altLang="en-US" dirty="0">
+            <a:endParaRPr lang="en-US" altLang="en-US" dirty="0">
               <a:latin typeface="Candara" panose="020E0502030303020204" pitchFamily="34" charset="0"/>
             </a:endParaRPr>
           </a:p>
@@ -4493,6 +4522,10 @@
               </a:rPr>
               <a:t>WHY.</a:t>
             </a:r>
+            <a:endParaRPr lang="en-US" altLang="en-US" sz="2000" dirty="0">
+              <a:latin typeface="Candara" panose="020E0502030303020204" pitchFamily="34" charset="0"/>
+              <a:sym typeface="+mn-ea"/>
+            </a:endParaRPr>
           </a:p>
           <a:p>
             <a:pPr indent="0" algn="l">
@@ -4500,25 +4533,11 @@
               <a:buNone/>
             </a:pPr>
             <a:r>
-              <a:rPr lang="" altLang="en-US" sz="2000" dirty="0">
-                <a:latin typeface="Candara" panose="020E0502030303020204" pitchFamily="34" charset="0"/>
-                <a:sym typeface="+mn-ea"/>
-              </a:rPr>
-              <a:t>	</a:t>
-            </a:r>
-            <a:r>
               <a:rPr lang="en-US" altLang="en-US" sz="2000" dirty="0">
                 <a:latin typeface="Candara" panose="020E0502030303020204" pitchFamily="34" charset="0"/>
                 <a:sym typeface="+mn-ea"/>
               </a:rPr>
-              <a:t>Time limit -&gt; Different approaches</a:t>
-            </a:r>
-            <a:r>
-              <a:rPr lang="" altLang="en-US" sz="2000" dirty="0">
-                <a:latin typeface="Candara" panose="020E0502030303020204" pitchFamily="34" charset="0"/>
-                <a:sym typeface="+mn-ea"/>
-              </a:rPr>
-              <a:t>.</a:t>
+              <a:t>	Time limit -&gt; Different approaches.</a:t>
             </a:r>
             <a:endParaRPr lang="en-US" altLang="en-US" sz="2000" dirty="0">
               <a:latin typeface="Candara" panose="020E0502030303020204" pitchFamily="34" charset="0"/>
@@ -4557,11 +4576,14 @@
               <a:buNone/>
             </a:pPr>
             <a:r>
-              <a:rPr lang="" altLang="en-US" sz="2000" dirty="0">
+              <a:rPr lang="en-US" altLang="en-US" sz="2000" dirty="0">
                 <a:latin typeface="Candara" panose="020E0502030303020204" pitchFamily="34" charset="0"/>
               </a:rPr>
               <a:t>	</a:t>
             </a:r>
+            <a:endParaRPr lang="en-US" altLang="en-US" sz="2000" dirty="0">
+              <a:latin typeface="Candara" panose="020E0502030303020204" pitchFamily="34" charset="0"/>
+            </a:endParaRPr>
           </a:p>
         </p:txBody>
       </p:sp>
@@ -4574,7 +4596,7 @@
           <p:nvPr/>
         </p:nvPicPr>
         <p:blipFill>
-          <a:blip r:embed="rId2"/>
+          <a:blip r:embed="rId1"/>
           <a:stretch>
             <a:fillRect/>
           </a:stretch>
@@ -4598,7 +4620,7 @@
           <p:nvPr/>
         </p:nvPicPr>
         <p:blipFill>
-          <a:blip r:embed="rId3"/>
+          <a:blip r:embed="rId2"/>
           <a:stretch>
             <a:fillRect/>
           </a:stretch>
@@ -4637,19 +4659,16 @@
           <a:p>
             <a:pPr marL="0" lvl="2" algn="l"/>
             <a:r>
-              <a:rPr lang="" altLang="en-US" dirty="0">
-                <a:latin typeface="Candara" panose="020E0502030303020204" pitchFamily="34" charset="0"/>
-                <a:sym typeface="+mn-ea"/>
-              </a:rPr>
-              <a:t>      </a:t>
-            </a:r>
-            <a:r>
               <a:rPr lang="en-US" altLang="en-US" dirty="0">
                 <a:latin typeface="Candara" panose="020E0502030303020204" pitchFamily="34" charset="0"/>
                 <a:sym typeface="+mn-ea"/>
               </a:rPr>
-              <a:t>Fed up with ‘traditional’ presentations.</a:t>
-            </a:r>
+              <a:t>      Fed up with ‘traditional’ presentations.</a:t>
+            </a:r>
+            <a:endParaRPr lang="en-US" altLang="en-US" dirty="0">
+              <a:latin typeface="Candara" panose="020E0502030303020204" pitchFamily="34" charset="0"/>
+              <a:sym typeface="+mn-ea"/>
+            </a:endParaRPr>
           </a:p>
           <a:p>
             <a:endParaRPr lang="en-US" dirty="0">
@@ -5245,26 +5264,11 @@
       </p:grpSpPr>
       <p:sp>
         <p:nvSpPr>
-          <p:cNvPr id="11" name="Rectangle 10">
-            <a:extLst>
-              <a:ext uri="{FF2B5EF4-FFF2-40B4-BE49-F238E27FC236}">
-                <a16:creationId xmlns:a16="http://schemas.microsoft.com/office/drawing/2014/main" id="{867D4867-5BA7-4462-B2F6-A23F4A622AA7}"/>
-              </a:ext>
-              <a:ext uri="{C183D7F6-B498-43B3-948B-1728B52AA6E4}">
-                <adec:decorative xmlns:adec="http://schemas.microsoft.com/office/drawing/2017/decorative" val="1"/>
-              </a:ext>
-            </a:extLst>
-          </p:cNvPr>
+          <p:cNvPr id="11" name="Rectangle 10"/>
           <p:cNvSpPr>
             <a:spLocks noGrp="1" noRot="1" noChangeAspect="1" noMove="1" noResize="1" noEditPoints="1" noAdjustHandles="1" noChangeArrowheads="1" noChangeShapeType="1" noTextEdit="1"/>
           </p:cNvSpPr>
-          <p:nvPr>
-            <p:extLst>
-              <p:ext uri="{386F3935-93C4-4BCD-93E2-E3B085C9AB24}">
-                <p16:designElem xmlns:p16="http://schemas.microsoft.com/office/powerpoint/2015/main" val="1"/>
-              </p:ext>
-            </p:extLst>
-          </p:nvPr>
+          <p:nvPr/>
         </p:nvSpPr>
         <p:spPr>
           <a:xfrm>
@@ -5388,20 +5392,14 @@
       </p:sp>
       <p:pic>
         <p:nvPicPr>
-          <p:cNvPr id="6" name="Picture 5">
-            <a:extLst>
-              <a:ext uri="{FF2B5EF4-FFF2-40B4-BE49-F238E27FC236}">
-                <a16:creationId xmlns:a16="http://schemas.microsoft.com/office/drawing/2014/main" id="{05744B8D-7E16-4479-A5A0-24A76B0A6DBF}"/>
-              </a:ext>
-            </a:extLst>
-          </p:cNvPr>
+          <p:cNvPr id="6" name="Picture 5"/>
           <p:cNvPicPr>
             <a:picLocks noChangeAspect="1"/>
           </p:cNvPicPr>
           <p:nvPr/>
         </p:nvPicPr>
         <p:blipFill>
-          <a:blip r:embed="rId2"/>
+          <a:blip r:embed="rId1"/>
           <a:stretch>
             <a:fillRect/>
           </a:stretch>
@@ -5451,26 +5449,11 @@
       </p:grpSpPr>
       <p:sp>
         <p:nvSpPr>
-          <p:cNvPr id="9" name="Rectangle 8">
-            <a:extLst>
-              <a:ext uri="{FF2B5EF4-FFF2-40B4-BE49-F238E27FC236}">
-                <a16:creationId xmlns:a16="http://schemas.microsoft.com/office/drawing/2014/main" id="{867D4867-5BA7-4462-B2F6-A23F4A622AA7}"/>
-              </a:ext>
-              <a:ext uri="{C183D7F6-B498-43B3-948B-1728B52AA6E4}">
-                <adec:decorative xmlns:adec="http://schemas.microsoft.com/office/drawing/2017/decorative" val="1"/>
-              </a:ext>
-            </a:extLst>
-          </p:cNvPr>
+          <p:cNvPr id="9" name="Rectangle 8"/>
           <p:cNvSpPr>
             <a:spLocks noGrp="1" noRot="1" noChangeAspect="1" noMove="1" noResize="1" noEditPoints="1" noAdjustHandles="1" noChangeArrowheads="1" noChangeShapeType="1" noTextEdit="1"/>
           </p:cNvSpPr>
-          <p:nvPr>
-            <p:extLst>
-              <p:ext uri="{386F3935-93C4-4BCD-93E2-E3B085C9AB24}">
-                <p16:designElem xmlns:p16="http://schemas.microsoft.com/office/powerpoint/2015/main" val="1"/>
-              </p:ext>
-            </p:extLst>
-          </p:nvPr>
+          <p:nvPr/>
         </p:nvSpPr>
         <p:spPr>
           <a:xfrm>
@@ -5594,20 +5577,14 @@
       </p:sp>
       <p:pic>
         <p:nvPicPr>
-          <p:cNvPr id="4" name="Picture 3">
-            <a:extLst>
-              <a:ext uri="{FF2B5EF4-FFF2-40B4-BE49-F238E27FC236}">
-                <a16:creationId xmlns:a16="http://schemas.microsoft.com/office/drawing/2014/main" id="{DFFB2AF5-DCAC-4D71-8E50-3819E4506ADC}"/>
-              </a:ext>
-            </a:extLst>
-          </p:cNvPr>
+          <p:cNvPr id="4" name="Picture 3"/>
           <p:cNvPicPr>
             <a:picLocks noChangeAspect="1"/>
           </p:cNvPicPr>
           <p:nvPr/>
         </p:nvPicPr>
         <p:blipFill>
-          <a:blip r:embed="rId2"/>
+          <a:blip r:embed="rId1"/>
           <a:stretch>
             <a:fillRect/>
           </a:stretch>
@@ -5623,11 +5600,6 @@
         </p:spPr>
       </p:pic>
     </p:spTree>
-    <p:extLst>
-      <p:ext uri="{BB962C8B-B14F-4D97-AF65-F5344CB8AC3E}">
-        <p14:creationId xmlns:p14="http://schemas.microsoft.com/office/powerpoint/2010/main" val="2749793791"/>
-      </p:ext>
-    </p:extLst>
   </p:cSld>
   <p:clrMapOvr>
     <a:overrideClrMapping bg1="dk1" tx1="lt1" bg2="dk2" tx2="lt2" accent1="accent1" accent2="accent2" accent3="accent3" accent4="accent4" accent5="accent5" accent6="accent6" hlink="hlink" folHlink="folHlink"/>
@@ -5662,26 +5634,11 @@
       </p:grpSpPr>
       <p:sp>
         <p:nvSpPr>
-          <p:cNvPr id="9" name="Rectangle 8">
-            <a:extLst>
-              <a:ext uri="{FF2B5EF4-FFF2-40B4-BE49-F238E27FC236}">
-                <a16:creationId xmlns:a16="http://schemas.microsoft.com/office/drawing/2014/main" id="{867D4867-5BA7-4462-B2F6-A23F4A622AA7}"/>
-              </a:ext>
-              <a:ext uri="{C183D7F6-B498-43B3-948B-1728B52AA6E4}">
-                <adec:decorative xmlns:adec="http://schemas.microsoft.com/office/drawing/2017/decorative" val="1"/>
-              </a:ext>
-            </a:extLst>
-          </p:cNvPr>
+          <p:cNvPr id="9" name="Rectangle 8"/>
           <p:cNvSpPr>
             <a:spLocks noGrp="1" noRot="1" noChangeAspect="1" noMove="1" noResize="1" noEditPoints="1" noAdjustHandles="1" noChangeArrowheads="1" noChangeShapeType="1" noTextEdit="1"/>
           </p:cNvSpPr>
-          <p:nvPr>
-            <p:extLst>
-              <p:ext uri="{386F3935-93C4-4BCD-93E2-E3B085C9AB24}">
-                <p16:designElem xmlns:p16="http://schemas.microsoft.com/office/powerpoint/2015/main" val="1"/>
-              </p:ext>
-            </p:extLst>
-          </p:nvPr>
+          <p:nvPr/>
         </p:nvSpPr>
         <p:spPr>
           <a:xfrm>
@@ -5805,20 +5762,14 @@
       </p:sp>
       <p:pic>
         <p:nvPicPr>
-          <p:cNvPr id="5" name="Picture 4">
-            <a:extLst>
-              <a:ext uri="{FF2B5EF4-FFF2-40B4-BE49-F238E27FC236}">
-                <a16:creationId xmlns:a16="http://schemas.microsoft.com/office/drawing/2014/main" id="{C8056A17-D64B-4E4A-80A0-C5B005131273}"/>
-              </a:ext>
-            </a:extLst>
-          </p:cNvPr>
+          <p:cNvPr id="5" name="Picture 4"/>
           <p:cNvPicPr>
             <a:picLocks noChangeAspect="1"/>
           </p:cNvPicPr>
           <p:nvPr/>
         </p:nvPicPr>
         <p:blipFill>
-          <a:blip r:embed="rId2"/>
+          <a:blip r:embed="rId1"/>
           <a:stretch>
             <a:fillRect/>
           </a:stretch>
@@ -5835,20 +5786,14 @@
       </p:pic>
       <p:pic>
         <p:nvPicPr>
-          <p:cNvPr id="7" name="Picture 6">
-            <a:extLst>
-              <a:ext uri="{FF2B5EF4-FFF2-40B4-BE49-F238E27FC236}">
-                <a16:creationId xmlns:a16="http://schemas.microsoft.com/office/drawing/2014/main" id="{CD675F8B-17D9-4C0F-BFF8-CB64CAF39C8E}"/>
-              </a:ext>
-            </a:extLst>
-          </p:cNvPr>
+          <p:cNvPr id="7" name="Picture 6"/>
           <p:cNvPicPr>
             <a:picLocks noChangeAspect="1"/>
           </p:cNvPicPr>
           <p:nvPr/>
         </p:nvPicPr>
         <p:blipFill>
-          <a:blip r:embed="rId3"/>
+          <a:blip r:embed="rId2"/>
           <a:stretch>
             <a:fillRect/>
           </a:stretch>
@@ -5864,11 +5809,6 @@
         </p:spPr>
       </p:pic>
     </p:spTree>
-    <p:extLst>
-      <p:ext uri="{BB962C8B-B14F-4D97-AF65-F5344CB8AC3E}">
-        <p14:creationId xmlns:p14="http://schemas.microsoft.com/office/powerpoint/2010/main" val="696492855"/>
-      </p:ext>
-    </p:extLst>
   </p:cSld>
   <p:clrMapOvr>
     <a:overrideClrMapping bg1="dk1" tx1="lt1" bg2="dk2" tx2="lt2" accent1="accent1" accent2="accent2" accent3="accent3" accent4="accent4" accent5="accent5" accent6="accent6" hlink="hlink" folHlink="folHlink"/>
@@ -5903,26 +5843,11 @@
       </p:grpSpPr>
       <p:sp>
         <p:nvSpPr>
-          <p:cNvPr id="9" name="Rectangle 8">
-            <a:extLst>
-              <a:ext uri="{FF2B5EF4-FFF2-40B4-BE49-F238E27FC236}">
-                <a16:creationId xmlns:a16="http://schemas.microsoft.com/office/drawing/2014/main" id="{867D4867-5BA7-4462-B2F6-A23F4A622AA7}"/>
-              </a:ext>
-              <a:ext uri="{C183D7F6-B498-43B3-948B-1728B52AA6E4}">
-                <adec:decorative xmlns:adec="http://schemas.microsoft.com/office/drawing/2017/decorative" val="1"/>
-              </a:ext>
-            </a:extLst>
-          </p:cNvPr>
+          <p:cNvPr id="9" name="Rectangle 8"/>
           <p:cNvSpPr>
             <a:spLocks noGrp="1" noRot="1" noChangeAspect="1" noMove="1" noResize="1" noEditPoints="1" noAdjustHandles="1" noChangeArrowheads="1" noChangeShapeType="1" noTextEdit="1"/>
           </p:cNvSpPr>
-          <p:nvPr>
-            <p:extLst>
-              <p:ext uri="{386F3935-93C4-4BCD-93E2-E3B085C9AB24}">
-                <p16:designElem xmlns:p16="http://schemas.microsoft.com/office/powerpoint/2015/main" val="1"/>
-              </p:ext>
-            </p:extLst>
-          </p:nvPr>
+          <p:nvPr/>
         </p:nvSpPr>
         <p:spPr>
           <a:xfrm>
@@ -6033,6 +5958,10 @@
               </a:rPr>
               <a:t>The Result of K-Means</a:t>
             </a:r>
+            <a:endParaRPr lang="en-US" altLang="en-US" dirty="0">
+              <a:latin typeface="Candara" panose="020E0502030303020204" pitchFamily="34" charset="0"/>
+              <a:sym typeface="+mn-ea"/>
+            </a:endParaRPr>
           </a:p>
           <a:p>
             <a:endParaRPr lang="en-US" altLang="en-US" dirty="0">
@@ -6066,13 +5995,7 @@
       </p:sp>
       <p:sp>
         <p:nvSpPr>
-          <p:cNvPr id="4" name="TextBox 3">
-            <a:extLst>
-              <a:ext uri="{FF2B5EF4-FFF2-40B4-BE49-F238E27FC236}">
-                <a16:creationId xmlns:a16="http://schemas.microsoft.com/office/drawing/2014/main" id="{91C449B7-D5A2-47F2-BFAA-AEDB27D84869}"/>
-              </a:ext>
-            </a:extLst>
-          </p:cNvPr>
+          <p:cNvPr id="4" name="TextBox 3"/>
           <p:cNvSpPr txBox="1"/>
           <p:nvPr/>
         </p:nvSpPr>
@@ -6120,11 +6043,447 @@
         </p:txBody>
       </p:sp>
     </p:spTree>
-    <p:extLst>
-      <p:ext uri="{BB962C8B-B14F-4D97-AF65-F5344CB8AC3E}">
-        <p14:creationId xmlns:p14="http://schemas.microsoft.com/office/powerpoint/2010/main" val="1807929252"/>
-      </p:ext>
-    </p:extLst>
+  </p:cSld>
+  <p:clrMapOvr>
+    <a:overrideClrMapping bg1="dk1" tx1="lt1" bg2="dk2" tx2="lt2" accent1="accent1" accent2="accent2" accent3="accent3" accent4="accent4" accent5="accent5" accent6="accent6" hlink="hlink" folHlink="folHlink"/>
+  </p:clrMapOvr>
+</p:sld>
+</file>
+
+<file path=ppt/slides/slide8.xml><?xml version="1.0" encoding="utf-8"?>
+<p:sld xmlns:a="http://schemas.openxmlformats.org/drawingml/2006/main" xmlns:r="http://schemas.openxmlformats.org/officeDocument/2006/relationships" xmlns:p="http://schemas.openxmlformats.org/presentationml/2006/main">
+  <p:cSld>
+    <p:bg>
+      <p:bgPr>
+        <a:solidFill>
+          <a:schemeClr val="tx1"/>
+        </a:solidFill>
+        <a:effectLst/>
+      </p:bgPr>
+    </p:bg>
+    <p:spTree>
+      <p:nvGrpSpPr>
+        <p:cNvPr id="1" name=""/>
+        <p:cNvGrpSpPr/>
+        <p:nvPr/>
+      </p:nvGrpSpPr>
+      <p:grpSpPr>
+        <a:xfrm>
+          <a:off x="0" y="0"/>
+          <a:ext cx="0" cy="0"/>
+          <a:chOff x="0" y="0"/>
+          <a:chExt cx="0" cy="0"/>
+        </a:xfrm>
+      </p:grpSpPr>
+      <p:sp>
+        <p:nvSpPr>
+          <p:cNvPr id="9" name="Rectangle 8"/>
+          <p:cNvSpPr>
+            <a:spLocks noGrp="1" noRot="1" noChangeAspect="1" noMove="1" noResize="1" noEditPoints="1" noAdjustHandles="1" noChangeArrowheads="1" noChangeShapeType="1" noTextEdit="1"/>
+          </p:cNvSpPr>
+          <p:nvPr/>
+        </p:nvSpPr>
+        <p:spPr>
+          <a:xfrm>
+            <a:off x="0" y="0"/>
+            <a:ext cx="4654296" cy="6858000"/>
+          </a:xfrm>
+          <a:prstGeom prst="rect">
+            <a:avLst/>
+          </a:prstGeom>
+          <a:solidFill>
+            <a:srgbClr val="3F3F3F"/>
+          </a:solidFill>
+          <a:ln>
+            <a:noFill/>
+          </a:ln>
+        </p:spPr>
+        <p:style>
+          <a:lnRef idx="0">
+            <a:scrgbClr r="0" g="0" b="0"/>
+          </a:lnRef>
+          <a:fillRef idx="0">
+            <a:scrgbClr r="0" g="0" b="0"/>
+          </a:fillRef>
+          <a:effectRef idx="0">
+            <a:scrgbClr r="0" g="0" b="0"/>
+          </a:effectRef>
+          <a:fontRef idx="minor">
+            <a:schemeClr val="lt1"/>
+          </a:fontRef>
+        </p:style>
+        <p:txBody>
+          <a:bodyPr rtlCol="0" anchor="ctr"/>
+          <a:lstStyle/>
+          <a:p>
+            <a:pPr algn="ctr"/>
+            <a:endParaRPr lang="en-US" dirty="0"/>
+          </a:p>
+        </p:txBody>
+      </p:sp>
+      <p:sp>
+        <p:nvSpPr>
+          <p:cNvPr id="2" name="Title 1"/>
+          <p:cNvSpPr>
+            <a:spLocks noGrp="1"/>
+          </p:cNvSpPr>
+          <p:nvPr>
+            <p:ph type="title"/>
+          </p:nvPr>
+        </p:nvSpPr>
+        <p:spPr>
+          <a:xfrm>
+            <a:off x="643468" y="623392"/>
+            <a:ext cx="3363974" cy="1607060"/>
+          </a:xfrm>
+          <a:noFill/>
+          <a:ln w="19050">
+            <a:solidFill>
+              <a:schemeClr val="tx1"/>
+            </a:solidFill>
+          </a:ln>
+        </p:spPr>
+        <p:txBody>
+          <a:bodyPr wrap="square" anchor="ctr">
+            <a:normAutofit/>
+          </a:bodyPr>
+          <a:lstStyle/>
+          <a:p>
+            <a:pPr algn="ctr"/>
+            <a:r>
+              <a:rPr lang="" altLang="en-US" sz="2800" dirty="0">
+                <a:sym typeface="+mn-ea"/>
+              </a:rPr>
+              <a:t>3</a:t>
+            </a:r>
+            <a:r>
+              <a:rPr lang="en-US" altLang="en-US" sz="2800" dirty="0">
+                <a:sym typeface="+mn-ea"/>
+              </a:rPr>
+              <a:t>. </a:t>
+            </a:r>
+            <a:r>
+              <a:rPr lang="" altLang="en-US" sz="2800" dirty="0">
+                <a:sym typeface="+mn-ea"/>
+              </a:rPr>
+              <a:t>How to get better</a:t>
+            </a:r>
+            <a:endParaRPr lang="" sz="2800" dirty="0"/>
+          </a:p>
+        </p:txBody>
+      </p:sp>
+      <p:sp>
+        <p:nvSpPr>
+          <p:cNvPr id="3" name="Content Placeholder 2"/>
+          <p:cNvSpPr>
+            <a:spLocks noGrp="1"/>
+          </p:cNvSpPr>
+          <p:nvPr>
+            <p:ph idx="1"/>
+          </p:nvPr>
+        </p:nvSpPr>
+        <p:spPr>
+          <a:xfrm>
+            <a:off x="643468" y="2638043"/>
+            <a:ext cx="3674532" cy="3415623"/>
+          </a:xfrm>
+        </p:spPr>
+        <p:txBody>
+          <a:bodyPr>
+            <a:normAutofit/>
+          </a:bodyPr>
+          <a:lstStyle/>
+          <a:p>
+            <a:endParaRPr lang="en-US" altLang="en-US" dirty="0">
+              <a:latin typeface="Candara" panose="020E0502030303020204" pitchFamily="34" charset="0"/>
+              <a:sym typeface="+mn-ea"/>
+            </a:endParaRPr>
+          </a:p>
+          <a:p>
+            <a:r>
+              <a:rPr lang="en-US" altLang="en-US" dirty="0">
+                <a:latin typeface="Candara" panose="020E0502030303020204" pitchFamily="34" charset="0"/>
+                <a:sym typeface="+mn-ea"/>
+              </a:rPr>
+              <a:t>The Result of K-Prototypes</a:t>
+            </a:r>
+            <a:endParaRPr lang="en-US" altLang="en-US" dirty="0">
+              <a:latin typeface="Candara" panose="020E0502030303020204" pitchFamily="34" charset="0"/>
+            </a:endParaRPr>
+          </a:p>
+          <a:p>
+            <a:endParaRPr lang="en-US" altLang="en-US" dirty="0">
+              <a:latin typeface="Candara" panose="020E0502030303020204" pitchFamily="34" charset="0"/>
+            </a:endParaRPr>
+          </a:p>
+          <a:p>
+            <a:endParaRPr lang="en-US" dirty="0">
+              <a:latin typeface="Candara" panose="020E0502030303020204" pitchFamily="34" charset="0"/>
+            </a:endParaRPr>
+          </a:p>
+        </p:txBody>
+      </p:sp>
+      <p:sp>
+        <p:nvSpPr>
+          <p:cNvPr id="4" name="TextBox 3"/>
+          <p:cNvSpPr txBox="1"/>
+          <p:nvPr/>
+        </p:nvSpPr>
+        <p:spPr>
+          <a:xfrm>
+            <a:off x="5386705" y="1778000"/>
+            <a:ext cx="6209030" cy="3692525"/>
+          </a:xfrm>
+          <a:prstGeom prst="rect">
+            <a:avLst/>
+          </a:prstGeom>
+          <a:noFill/>
+        </p:spPr>
+        <p:txBody>
+          <a:bodyPr wrap="square" rtlCol="0">
+            <a:spAutoFit/>
+          </a:bodyPr>
+          <a:lstStyle/>
+          <a:p>
+            <a:pPr marL="285750" indent="-285750">
+              <a:buFont typeface="Arial" panose="020B0604020202020204" pitchFamily="34" charset="0"/>
+              <a:buChar char="•"/>
+            </a:pPr>
+            <a:r>
+              <a:rPr lang="" altLang="en-US" dirty="0">
+                <a:solidFill>
+                  <a:schemeClr val="bg1"/>
+                </a:solidFill>
+                <a:latin typeface="Candara" panose="020E0502030303020204" pitchFamily="34" charset="0"/>
+              </a:rPr>
+              <a:t>Mixed datatype:</a:t>
+            </a:r>
+            <a:endParaRPr lang="" altLang="en-US" dirty="0">
+              <a:solidFill>
+                <a:schemeClr val="bg1"/>
+              </a:solidFill>
+              <a:latin typeface="Candara" panose="020E0502030303020204" pitchFamily="34" charset="0"/>
+            </a:endParaRPr>
+          </a:p>
+          <a:p>
+            <a:pPr marL="742950" lvl="1" indent="-285750">
+              <a:buFont typeface="Arial" panose="020B0604020202020204" pitchFamily="34" charset="0"/>
+              <a:buChar char="•"/>
+            </a:pPr>
+            <a:r>
+              <a:rPr lang="" altLang="en-US" dirty="0">
+                <a:solidFill>
+                  <a:schemeClr val="bg1"/>
+                </a:solidFill>
+                <a:latin typeface="Candara" panose="020E0502030303020204" pitchFamily="34" charset="0"/>
+              </a:rPr>
+              <a:t>Algorithms: how strong k-means?</a:t>
+            </a:r>
+            <a:endParaRPr lang="" altLang="en-US" dirty="0">
+              <a:solidFill>
+                <a:schemeClr val="bg1"/>
+              </a:solidFill>
+              <a:latin typeface="Candara" panose="020E0502030303020204" pitchFamily="34" charset="0"/>
+            </a:endParaRPr>
+          </a:p>
+          <a:p>
+            <a:pPr marL="1200150" lvl="2" indent="-285750">
+              <a:buFont typeface="Arial" panose="020B0604020202020204" pitchFamily="34" charset="0"/>
+              <a:buChar char="•"/>
+            </a:pPr>
+            <a:r>
+              <a:rPr lang="" altLang="en-US" dirty="0">
+                <a:solidFill>
+                  <a:schemeClr val="bg1"/>
+                </a:solidFill>
+                <a:latin typeface="Candara" panose="020E0502030303020204" pitchFamily="34" charset="0"/>
+              </a:rPr>
+              <a:t>Alternatives: DBSCAN.</a:t>
+            </a:r>
+            <a:endParaRPr lang="" altLang="en-US" dirty="0">
+              <a:solidFill>
+                <a:schemeClr val="bg1"/>
+              </a:solidFill>
+              <a:latin typeface="Candara" panose="020E0502030303020204" pitchFamily="34" charset="0"/>
+            </a:endParaRPr>
+          </a:p>
+          <a:p>
+            <a:pPr marL="1200150" lvl="2" indent="-285750">
+              <a:buFont typeface="Arial" panose="020B0604020202020204" pitchFamily="34" charset="0"/>
+              <a:buChar char="•"/>
+            </a:pPr>
+            <a:r>
+              <a:rPr lang="" altLang="en-US" dirty="0">
+                <a:solidFill>
+                  <a:schemeClr val="bg1"/>
+                </a:solidFill>
+                <a:latin typeface="Candara" panose="020E0502030303020204" pitchFamily="34" charset="0"/>
+              </a:rPr>
+              <a:t>Have no idea to use alternatives.</a:t>
+            </a:r>
+            <a:endParaRPr lang="" altLang="en-US" dirty="0">
+              <a:solidFill>
+                <a:schemeClr val="bg1"/>
+              </a:solidFill>
+              <a:latin typeface="Candara" panose="020E0502030303020204" pitchFamily="34" charset="0"/>
+            </a:endParaRPr>
+          </a:p>
+          <a:p>
+            <a:pPr marL="742950" lvl="1" indent="-285750">
+              <a:buFont typeface="Arial" panose="020B0604020202020204" pitchFamily="34" charset="0"/>
+              <a:buChar char="•"/>
+            </a:pPr>
+            <a:r>
+              <a:rPr lang="" altLang="en-US" dirty="0">
+                <a:solidFill>
+                  <a:schemeClr val="bg1"/>
+                </a:solidFill>
+                <a:latin typeface="Candara" panose="020E0502030303020204" pitchFamily="34" charset="0"/>
+              </a:rPr>
+              <a:t>Distance metric: no implemented metric for the mixed.</a:t>
+            </a:r>
+            <a:endParaRPr lang="" altLang="en-US" dirty="0">
+              <a:solidFill>
+                <a:schemeClr val="bg1"/>
+              </a:solidFill>
+              <a:latin typeface="Candara" panose="020E0502030303020204" pitchFamily="34" charset="0"/>
+            </a:endParaRPr>
+          </a:p>
+          <a:p>
+            <a:pPr marL="285750" indent="-285750">
+              <a:buFont typeface="Arial" panose="020B0604020202020204" pitchFamily="34" charset="0"/>
+              <a:buChar char="•"/>
+            </a:pPr>
+            <a:endParaRPr lang="" altLang="en-US" dirty="0">
+              <a:solidFill>
+                <a:schemeClr val="bg1"/>
+              </a:solidFill>
+              <a:latin typeface="Candara" panose="020E0502030303020204" pitchFamily="34" charset="0"/>
+            </a:endParaRPr>
+          </a:p>
+          <a:p>
+            <a:pPr marL="285750" indent="-285750">
+              <a:buFont typeface="Arial" panose="020B0604020202020204" pitchFamily="34" charset="0"/>
+              <a:buChar char="•"/>
+            </a:pPr>
+            <a:r>
+              <a:rPr lang="" altLang="en-US" dirty="0">
+                <a:solidFill>
+                  <a:schemeClr val="bg1"/>
+                </a:solidFill>
+                <a:latin typeface="Candara" panose="020E0502030303020204" pitchFamily="34" charset="0"/>
+              </a:rPr>
+              <a:t>Feature engineer:</a:t>
+            </a:r>
+            <a:endParaRPr lang="" altLang="en-US" dirty="0">
+              <a:solidFill>
+                <a:schemeClr val="bg1"/>
+              </a:solidFill>
+              <a:latin typeface="Candara" panose="020E0502030303020204" pitchFamily="34" charset="0"/>
+            </a:endParaRPr>
+          </a:p>
+          <a:p>
+            <a:pPr marL="742950" lvl="1" indent="-285750">
+              <a:buFont typeface="Arial" panose="020B0604020202020204" pitchFamily="34" charset="0"/>
+              <a:buChar char="•"/>
+            </a:pPr>
+            <a:r>
+              <a:rPr lang="" altLang="en-US" dirty="0">
+                <a:solidFill>
+                  <a:schemeClr val="bg1"/>
+                </a:solidFill>
+                <a:latin typeface="Candara" panose="020E0502030303020204" pitchFamily="34" charset="0"/>
+              </a:rPr>
+              <a:t>Alternatives for Onehot.</a:t>
+            </a:r>
+            <a:endParaRPr lang="" altLang="en-US" dirty="0">
+              <a:solidFill>
+                <a:schemeClr val="bg1"/>
+              </a:solidFill>
+              <a:latin typeface="Candara" panose="020E0502030303020204" pitchFamily="34" charset="0"/>
+            </a:endParaRPr>
+          </a:p>
+          <a:p>
+            <a:pPr marL="742950" lvl="1" indent="-285750">
+              <a:buFont typeface="Arial" panose="020B0604020202020204" pitchFamily="34" charset="0"/>
+              <a:buChar char="•"/>
+            </a:pPr>
+            <a:endParaRPr lang="" altLang="en-US" dirty="0">
+              <a:solidFill>
+                <a:schemeClr val="bg1"/>
+              </a:solidFill>
+              <a:latin typeface="Candara" panose="020E0502030303020204" pitchFamily="34" charset="0"/>
+            </a:endParaRPr>
+          </a:p>
+          <a:p>
+            <a:pPr marL="285750" lvl="0" indent="-285750">
+              <a:buFont typeface="Arial" panose="020B0604020202020204" pitchFamily="34" charset="0"/>
+              <a:buChar char="•"/>
+            </a:pPr>
+            <a:r>
+              <a:rPr lang="" altLang="en-US" dirty="0">
+                <a:solidFill>
+                  <a:schemeClr val="bg1"/>
+                </a:solidFill>
+                <a:latin typeface="Candara" panose="020E0502030303020204" pitchFamily="34" charset="0"/>
+              </a:rPr>
+              <a:t>The optimum k:</a:t>
+            </a:r>
+            <a:endParaRPr lang="" altLang="en-US" dirty="0">
+              <a:solidFill>
+                <a:schemeClr val="bg1"/>
+              </a:solidFill>
+              <a:latin typeface="Candara" panose="020E0502030303020204" pitchFamily="34" charset="0"/>
+            </a:endParaRPr>
+          </a:p>
+          <a:p>
+            <a:pPr marL="742950" lvl="1" indent="-285750">
+              <a:buFont typeface="Arial" panose="020B0604020202020204" pitchFamily="34" charset="0"/>
+              <a:buChar char="•"/>
+            </a:pPr>
+            <a:r>
+              <a:rPr lang="" altLang="en-US" dirty="0">
+                <a:solidFill>
+                  <a:schemeClr val="bg1"/>
+                </a:solidFill>
+                <a:latin typeface="Candara" panose="020E0502030303020204" pitchFamily="34" charset="0"/>
+              </a:rPr>
+              <a:t>Unable to tune for k-prototypes.</a:t>
+            </a:r>
+            <a:endParaRPr lang="" altLang="en-US" dirty="0">
+              <a:solidFill>
+                <a:schemeClr val="bg1"/>
+              </a:solidFill>
+              <a:latin typeface="Candara" panose="020E0502030303020204" pitchFamily="34" charset="0"/>
+            </a:endParaRPr>
+          </a:p>
+          <a:p>
+            <a:pPr marL="742950" lvl="1" indent="-285750">
+              <a:buFont typeface="Arial" panose="020B0604020202020204" pitchFamily="34" charset="0"/>
+              <a:buChar char="•"/>
+            </a:pPr>
+            <a:endParaRPr lang="" altLang="en-US" dirty="0">
+              <a:solidFill>
+                <a:schemeClr val="bg1"/>
+              </a:solidFill>
+              <a:latin typeface="Candara" panose="020E0502030303020204" pitchFamily="34" charset="0"/>
+            </a:endParaRPr>
+          </a:p>
+          <a:p>
+            <a:pPr marL="742950" lvl="1" indent="-285750">
+              <a:buFont typeface="Arial" panose="020B0604020202020204" pitchFamily="34" charset="0"/>
+              <a:buChar char="•"/>
+            </a:pPr>
+            <a:endParaRPr lang="" altLang="en-US" dirty="0">
+              <a:solidFill>
+                <a:schemeClr val="bg1"/>
+              </a:solidFill>
+              <a:latin typeface="Candara" panose="020E0502030303020204" pitchFamily="34" charset="0"/>
+            </a:endParaRPr>
+          </a:p>
+        </p:txBody>
+      </p:sp>
+    </p:spTree>
   </p:cSld>
   <p:clrMapOvr>
     <a:overrideClrMapping bg1="dk1" tx1="lt1" bg2="dk2" tx2="lt2" accent1="accent1" accent2="accent2" accent3="accent3" accent4="accent4" accent5="accent5" accent6="accent6" hlink="hlink" folHlink="folHlink"/>
@@ -6383,8 +6742,6 @@
       </a:bgFillStyleLst>
     </a:fmtScheme>
   </a:themeElements>
-  <a:objectDefaults/>
-  <a:extraClrSchemeLst/>
   <a:extLst>
     <a:ext uri="{05A4C25C-085E-4340-85A3-A5531E510DB2}">
       <thm15:themeFamily xmlns:thm15="http://schemas.microsoft.com/office/thememl/2012/main" name="Office Theme" id="{62F939B6-93AF-4DB8-9C6B-D6C7DFDC589F}" vid="{4A3C46E8-61CC-4603-A589-7422A47A8E4A}"/>
@@ -6644,8 +7001,6 @@
       </a:bgFillStyleLst>
     </a:fmtScheme>
   </a:themeElements>
-  <a:objectDefaults/>
-  <a:extraClrSchemeLst/>
   <a:extLst>
     <a:ext uri="{05A4C25C-085E-4340-85A3-A5531E510DB2}">
       <thm15:themeFamily xmlns:thm15="http://schemas.microsoft.com/office/thememl/2012/main" name="Office Theme" id="{62F939B6-93AF-4DB8-9C6B-D6C7DFDC589F}" vid="{4A3C46E8-61CC-4603-A589-7422A47A8E4A}"/>
@@ -6905,8 +7260,6 @@
       </a:bgFillStyleLst>
     </a:fmtScheme>
   </a:themeElements>
-  <a:objectDefaults/>
-  <a:extraClrSchemeLst/>
   <a:extLst>
     <a:ext uri="{05A4C25C-085E-4340-85A3-A5531E510DB2}">
       <thm15:themeFamily xmlns:thm15="http://schemas.microsoft.com/office/thememl/2012/main" name="Office Theme" id="{62F939B6-93AF-4DB8-9C6B-D6C7DFDC589F}" vid="{4A3C46E8-61CC-4603-A589-7422A47A8E4A}"/>

--- a/2_Boston_marathon/Boston_presentation.pptx
+++ b/2_Boston_marathon/Boston_presentation.pptx
@@ -11,17 +11,18 @@
     <p:handoutMasterId r:id="rId12"/>
   </p:handoutMasterIdLst>
   <p:sldIdLst>
-    <p:sldId id="256" r:id="rId3"/>
-    <p:sldId id="257" r:id="rId4"/>
-    <p:sldId id="258" r:id="rId5"/>
-    <p:sldId id="259" r:id="rId6"/>
-    <p:sldId id="260" r:id="rId7"/>
-    <p:sldId id="261" r:id="rId8"/>
-    <p:sldId id="263" r:id="rId9"/>
-    <p:sldId id="262" r:id="rId10"/>
+    <p:sldId id="256" r:id="rId2"/>
+    <p:sldId id="257" r:id="rId3"/>
+    <p:sldId id="258" r:id="rId4"/>
+    <p:sldId id="259" r:id="rId5"/>
+    <p:sldId id="260" r:id="rId6"/>
+    <p:sldId id="261" r:id="rId7"/>
+    <p:sldId id="264" r:id="rId8"/>
+    <p:sldId id="265" r:id="rId9"/>
+    <p:sldId id="263" r:id="rId10"/>
   </p:sldIdLst>
   <p:sldSz cx="12192000" cy="6858000"/>
-  <p:notesSz cx="7103745" cy="10234295"/>
+  <p:notesSz cx="7104063" cy="10234613"/>
   <p:defaultTextStyle>
     <a:defPPr>
       <a:defRPr lang="zh-CN"/>
@@ -117,6 +118,22 @@
       </a:defRPr>
     </a:lvl9pPr>
   </p:defaultTextStyle>
+  <p:extLst>
+    <p:ext uri="{EFAFB233-063F-42B5-8137-9DF3F51BA10A}">
+      <p15:sldGuideLst xmlns:p15="http://schemas.microsoft.com/office/powerpoint/2012/main">
+        <p15:guide id="1" orient="horz" pos="2160">
+          <p15:clr>
+            <a:srgbClr val="A4A3A4"/>
+          </p15:clr>
+        </p15:guide>
+        <p15:guide id="2" pos="3840">
+          <p15:clr>
+            <a:srgbClr val="A4A3A4"/>
+          </p15:clr>
+        </p15:guide>
+      </p15:sldGuideLst>
+    </p:ext>
+  </p:extLst>
 </p:presentation>
 </file>
 
@@ -202,6 +219,7 @@
           <a:p>
             <a:fld id="{0F9B84EA-7D68-4D60-9CB1-D50884785D1C}" type="datetimeFigureOut">
               <a:rPr lang="zh-CN" altLang="en-US" smtClean="0"/>
+              <a:t>2020/6/10</a:t>
             </a:fld>
             <a:endParaRPr lang="zh-CN" altLang="en-US"/>
           </a:p>
@@ -267,6 +285,7 @@
           <a:p>
             <a:fld id="{8D4E0FC9-F1F8-4FAE-9988-3BA365CFD46F}" type="slidenum">
               <a:rPr lang="zh-CN" altLang="en-US" smtClean="0"/>
+              <a:t>‹#›</a:t>
             </a:fld>
             <a:endParaRPr lang="zh-CN" altLang="en-US"/>
           </a:p>
@@ -360,6 +379,7 @@
           <a:p>
             <a:fld id="{D6C8D182-E4C8-4120-9249-FC9774456FFA}" type="datetimeFigureOut">
               <a:rPr lang="zh-CN" altLang="en-US" smtClean="0"/>
+              <a:t>2020/6/10</a:t>
             </a:fld>
             <a:endParaRPr lang="zh-CN" altLang="en-US"/>
           </a:p>
@@ -426,7 +446,6 @@
               <a:rPr lang="zh-CN" altLang="en-US"/>
               <a:t>编辑母版文本样式</a:t>
             </a:r>
-            <a:endParaRPr lang="zh-CN" altLang="en-US"/>
           </a:p>
           <a:p>
             <a:pPr lvl="1"/>
@@ -434,7 +453,6 @@
               <a:rPr lang="zh-CN" altLang="en-US"/>
               <a:t>第二级</a:t>
             </a:r>
-            <a:endParaRPr lang="zh-CN" altLang="en-US"/>
           </a:p>
           <a:p>
             <a:pPr lvl="2"/>
@@ -442,7 +460,6 @@
               <a:rPr lang="zh-CN" altLang="en-US"/>
               <a:t>第三级</a:t>
             </a:r>
-            <a:endParaRPr lang="zh-CN" altLang="en-US"/>
           </a:p>
           <a:p>
             <a:pPr lvl="3"/>
@@ -450,7 +467,6 @@
               <a:rPr lang="zh-CN" altLang="en-US"/>
               <a:t>第四级</a:t>
             </a:r>
-            <a:endParaRPr lang="zh-CN" altLang="en-US"/>
           </a:p>
           <a:p>
             <a:pPr lvl="4"/>
@@ -458,7 +474,6 @@
               <a:rPr lang="zh-CN" altLang="en-US"/>
               <a:t>第五级</a:t>
             </a:r>
-            <a:endParaRPr lang="zh-CN" altLang="en-US"/>
           </a:p>
         </p:txBody>
       </p:sp>
@@ -522,6 +537,7 @@
           <a:p>
             <a:fld id="{85D0DACE-38E0-42D2-9336-2B707D34BC6D}" type="slidenum">
               <a:rPr lang="zh-CN" altLang="en-US" smtClean="0"/>
+              <a:t>‹#›</a:t>
             </a:fld>
             <a:endParaRPr lang="zh-CN" altLang="en-US"/>
           </a:p>
@@ -685,9 +701,6 @@
               </a:rPr>
               <a:t>Click to edit Master title style</a:t>
             </a:r>
-            <a:endParaRPr lang="zh-CN" altLang="en-US" dirty="0">
-              <a:sym typeface="+mn-ea"/>
-            </a:endParaRPr>
           </a:p>
         </p:txBody>
       </p:sp>
@@ -708,6 +721,7 @@
           <a:p>
             <a:fld id="{760FBDFE-C587-4B4C-A407-44438C67B59E}" type="datetimeFigureOut">
               <a:rPr lang="zh-CN" altLang="en-US" smtClean="0"/>
+              <a:t>2020/6/10</a:t>
             </a:fld>
             <a:endParaRPr lang="zh-CN" altLang="en-US"/>
           </a:p>
@@ -749,6 +763,7 @@
           <a:p>
             <a:fld id="{49AE70B2-8BF9-45C0-BB95-33D1B9D3A854}" type="slidenum">
               <a:rPr lang="zh-CN" altLang="en-US" smtClean="0"/>
+              <a:t>‹#›</a:t>
             </a:fld>
             <a:endParaRPr lang="zh-CN" altLang="en-US"/>
           </a:p>
@@ -827,7 +842,6 @@
               <a:rPr lang="zh-CN" altLang="en-US" dirty="0"/>
               <a:t>Click to edit Master subtitle style</a:t>
             </a:r>
-            <a:endParaRPr lang="zh-CN" altLang="en-US" dirty="0"/>
           </a:p>
         </p:txBody>
       </p:sp>
@@ -873,6 +887,7 @@
           <a:p>
             <a:fld id="{760FBDFE-C587-4B4C-A407-44438C67B59E}" type="datetimeFigureOut">
               <a:rPr lang="zh-CN" altLang="en-US" smtClean="0"/>
+              <a:t>2020/6/10</a:t>
             </a:fld>
             <a:endParaRPr lang="zh-CN" altLang="en-US"/>
           </a:p>
@@ -914,6 +929,7 @@
           <a:p>
             <a:fld id="{49AE70B2-8BF9-45C0-BB95-33D1B9D3A854}" type="slidenum">
               <a:rPr lang="zh-CN" altLang="en-US" smtClean="0"/>
+              <a:t>‹#›</a:t>
             </a:fld>
             <a:endParaRPr lang="zh-CN" altLang="en-US"/>
           </a:p>
@@ -946,9 +962,6 @@
               </a:rPr>
               <a:t>Click to edit Master text styles</a:t>
             </a:r>
-            <a:endParaRPr lang="zh-CN" altLang="en-US" dirty="0">
-              <a:sym typeface="+mn-ea"/>
-            </a:endParaRPr>
           </a:p>
           <a:p>
             <a:pPr lvl="1"/>
@@ -956,7 +969,6 @@
               <a:rPr lang="zh-CN" altLang="en-US" dirty="0"/>
               <a:t>Second level</a:t>
             </a:r>
-            <a:endParaRPr lang="zh-CN" altLang="en-US" dirty="0"/>
           </a:p>
           <a:p>
             <a:pPr lvl="2"/>
@@ -964,7 +976,6 @@
               <a:rPr lang="zh-CN" altLang="en-US" dirty="0"/>
               <a:t>Third level</a:t>
             </a:r>
-            <a:endParaRPr lang="zh-CN" altLang="en-US" dirty="0"/>
           </a:p>
           <a:p>
             <a:pPr lvl="3"/>
@@ -972,7 +983,6 @@
               <a:rPr lang="zh-CN" altLang="en-US" dirty="0"/>
               <a:t>Fourth level</a:t>
             </a:r>
-            <a:endParaRPr lang="zh-CN" altLang="en-US" dirty="0"/>
           </a:p>
           <a:p>
             <a:pPr lvl="4"/>
@@ -980,7 +990,6 @@
               <a:rPr lang="zh-CN" altLang="en-US" dirty="0"/>
               <a:t>Fifth level</a:t>
             </a:r>
-            <a:endParaRPr lang="zh-CN" altLang="en-US" dirty="0"/>
           </a:p>
         </p:txBody>
       </p:sp>
@@ -1047,7 +1056,6 @@
               <a:rPr lang="zh-CN" altLang="en-US" dirty="0"/>
               <a:t>Click to edit Master title style</a:t>
             </a:r>
-            <a:endParaRPr lang="zh-CN" altLang="en-US" dirty="0"/>
           </a:p>
         </p:txBody>
       </p:sp>
@@ -1131,9 +1139,6 @@
               </a:rPr>
               <a:t>Click to edit Master text styles</a:t>
             </a:r>
-            <a:endParaRPr lang="zh-CN" altLang="en-US" dirty="0">
-              <a:sym typeface="+mn-ea"/>
-            </a:endParaRPr>
           </a:p>
           <a:p>
             <a:pPr lvl="1"/>
@@ -1141,7 +1146,6 @@
               <a:rPr lang="zh-CN" altLang="en-US" dirty="0"/>
               <a:t>Second level</a:t>
             </a:r>
-            <a:endParaRPr lang="zh-CN" altLang="en-US" dirty="0"/>
           </a:p>
           <a:p>
             <a:pPr lvl="2"/>
@@ -1149,7 +1153,6 @@
               <a:rPr lang="zh-CN" altLang="en-US" dirty="0"/>
               <a:t>Third level</a:t>
             </a:r>
-            <a:endParaRPr lang="zh-CN" altLang="en-US" dirty="0"/>
           </a:p>
           <a:p>
             <a:pPr lvl="3"/>
@@ -1157,7 +1160,6 @@
               <a:rPr lang="zh-CN" altLang="en-US" dirty="0"/>
               <a:t>Fourth level</a:t>
             </a:r>
-            <a:endParaRPr lang="zh-CN" altLang="en-US" dirty="0"/>
           </a:p>
           <a:p>
             <a:pPr lvl="4"/>
@@ -1165,7 +1167,6 @@
               <a:rPr lang="zh-CN" altLang="en-US" dirty="0"/>
               <a:t>Fifth level</a:t>
             </a:r>
-            <a:endParaRPr lang="zh-CN" altLang="en-US" dirty="0"/>
           </a:p>
         </p:txBody>
       </p:sp>
@@ -1186,6 +1187,7 @@
           <a:p>
             <a:fld id="{760FBDFE-C587-4B4C-A407-44438C67B59E}" type="datetimeFigureOut">
               <a:rPr lang="zh-CN" altLang="en-US" smtClean="0"/>
+              <a:t>2020/6/10</a:t>
             </a:fld>
             <a:endParaRPr lang="zh-CN" altLang="en-US"/>
           </a:p>
@@ -1227,6 +1229,7 @@
           <a:p>
             <a:fld id="{49AE70B2-8BF9-45C0-BB95-33D1B9D3A854}" type="slidenum">
               <a:rPr lang="zh-CN" altLang="en-US" smtClean="0"/>
+              <a:t>‹#›</a:t>
             </a:fld>
             <a:endParaRPr lang="zh-CN" altLang="en-US"/>
           </a:p>
@@ -1295,7 +1298,6 @@
               <a:rPr lang="zh-CN" altLang="en-US" dirty="0"/>
               <a:t>Click to edit Master title style</a:t>
             </a:r>
-            <a:endParaRPr lang="zh-CN" altLang="en-US" dirty="0"/>
           </a:p>
         </p:txBody>
       </p:sp>
@@ -1417,9 +1419,6 @@
               </a:rPr>
               <a:t>Click to edit Master text styles</a:t>
             </a:r>
-            <a:endParaRPr lang="zh-CN" altLang="en-US" dirty="0">
-              <a:sym typeface="+mn-ea"/>
-            </a:endParaRPr>
           </a:p>
         </p:txBody>
       </p:sp>
@@ -1440,6 +1439,7 @@
           <a:p>
             <a:fld id="{760FBDFE-C587-4B4C-A407-44438C67B59E}" type="datetimeFigureOut">
               <a:rPr lang="zh-CN" altLang="en-US" smtClean="0"/>
+              <a:t>2020/6/10</a:t>
             </a:fld>
             <a:endParaRPr lang="zh-CN" altLang="en-US"/>
           </a:p>
@@ -1481,6 +1481,7 @@
           <a:p>
             <a:fld id="{49AE70B2-8BF9-45C0-BB95-33D1B9D3A854}" type="slidenum">
               <a:rPr lang="zh-CN" altLang="en-US" smtClean="0"/>
+              <a:t>‹#›</a:t>
             </a:fld>
             <a:endParaRPr lang="zh-CN" altLang="en-US"/>
           </a:p>
@@ -1549,7 +1550,6 @@
               <a:rPr lang="zh-CN" altLang="en-US" dirty="0"/>
               <a:t>Click to edit Master title style</a:t>
             </a:r>
-            <a:endParaRPr lang="zh-CN" altLang="en-US" dirty="0"/>
           </a:p>
         </p:txBody>
       </p:sp>
@@ -1648,9 +1648,6 @@
               </a:rPr>
               <a:t>Click to edit Master text styles</a:t>
             </a:r>
-            <a:endParaRPr lang="zh-CN" altLang="en-US" dirty="0">
-              <a:sym typeface="+mn-ea"/>
-            </a:endParaRPr>
           </a:p>
           <a:p>
             <a:pPr lvl="1"/>
@@ -1658,7 +1655,6 @@
               <a:rPr lang="zh-CN" altLang="en-US" dirty="0"/>
               <a:t>Second level</a:t>
             </a:r>
-            <a:endParaRPr lang="zh-CN" altLang="en-US" dirty="0"/>
           </a:p>
           <a:p>
             <a:pPr lvl="2"/>
@@ -1666,7 +1662,6 @@
               <a:rPr lang="zh-CN" altLang="en-US" dirty="0"/>
               <a:t>Third level</a:t>
             </a:r>
-            <a:endParaRPr lang="zh-CN" altLang="en-US" dirty="0"/>
           </a:p>
           <a:p>
             <a:pPr lvl="3"/>
@@ -1674,7 +1669,6 @@
               <a:rPr lang="zh-CN" altLang="en-US" dirty="0"/>
               <a:t>Fourth level</a:t>
             </a:r>
-            <a:endParaRPr lang="zh-CN" altLang="en-US" dirty="0"/>
           </a:p>
           <a:p>
             <a:pPr lvl="4"/>
@@ -1682,7 +1676,6 @@
               <a:rPr lang="zh-CN" altLang="en-US" dirty="0"/>
               <a:t>Fifth level</a:t>
             </a:r>
-            <a:endParaRPr lang="zh-CN" altLang="en-US" dirty="0"/>
           </a:p>
         </p:txBody>
       </p:sp>
@@ -1781,9 +1774,6 @@
               </a:rPr>
               <a:t>Click to edit Master text styles</a:t>
             </a:r>
-            <a:endParaRPr lang="zh-CN" altLang="en-US" dirty="0">
-              <a:sym typeface="+mn-ea"/>
-            </a:endParaRPr>
           </a:p>
           <a:p>
             <a:pPr lvl="1"/>
@@ -1791,7 +1781,6 @@
               <a:rPr lang="zh-CN" altLang="en-US" dirty="0"/>
               <a:t>Second level</a:t>
             </a:r>
-            <a:endParaRPr lang="zh-CN" altLang="en-US" dirty="0"/>
           </a:p>
           <a:p>
             <a:pPr lvl="2"/>
@@ -1799,7 +1788,6 @@
               <a:rPr lang="zh-CN" altLang="en-US" dirty="0"/>
               <a:t>Third level</a:t>
             </a:r>
-            <a:endParaRPr lang="zh-CN" altLang="en-US" dirty="0"/>
           </a:p>
           <a:p>
             <a:pPr lvl="3"/>
@@ -1807,7 +1795,6 @@
               <a:rPr lang="zh-CN" altLang="en-US" dirty="0"/>
               <a:t>Fourth level</a:t>
             </a:r>
-            <a:endParaRPr lang="zh-CN" altLang="en-US" dirty="0"/>
           </a:p>
           <a:p>
             <a:pPr lvl="4"/>
@@ -1815,7 +1802,6 @@
               <a:rPr lang="zh-CN" altLang="en-US" dirty="0"/>
               <a:t>Fifth level</a:t>
             </a:r>
-            <a:endParaRPr lang="zh-CN" altLang="en-US" dirty="0"/>
           </a:p>
         </p:txBody>
       </p:sp>
@@ -1836,6 +1822,7 @@
           <a:p>
             <a:fld id="{760FBDFE-C587-4B4C-A407-44438C67B59E}" type="datetimeFigureOut">
               <a:rPr lang="zh-CN" altLang="en-US" smtClean="0"/>
+              <a:t>2020/6/10</a:t>
             </a:fld>
             <a:endParaRPr lang="zh-CN" altLang="en-US"/>
           </a:p>
@@ -1877,6 +1864,7 @@
           <a:p>
             <a:fld id="{49AE70B2-8BF9-45C0-BB95-33D1B9D3A854}" type="slidenum">
               <a:rPr lang="zh-CN" altLang="en-US" smtClean="0"/>
+              <a:t>‹#›</a:t>
             </a:fld>
             <a:endParaRPr lang="zh-CN" altLang="en-US"/>
           </a:p>
@@ -1931,7 +1919,6 @@
               <a:rPr lang="zh-CN" altLang="en-US"/>
               <a:t>Click to edit Master title style</a:t>
             </a:r>
-            <a:endParaRPr lang="zh-CN" altLang="en-US"/>
           </a:p>
         </p:txBody>
       </p:sp>
@@ -1999,9 +1986,6 @@
               </a:rPr>
               <a:t>Click to edit Master text styles</a:t>
             </a:r>
-            <a:endParaRPr lang="zh-CN" altLang="en-US" dirty="0">
-              <a:sym typeface="+mn-ea"/>
-            </a:endParaRPr>
           </a:p>
         </p:txBody>
       </p:sp>
@@ -2032,9 +2016,6 @@
               </a:rPr>
               <a:t>Click to edit Master text styles</a:t>
             </a:r>
-            <a:endParaRPr lang="zh-CN" altLang="en-US" dirty="0">
-              <a:sym typeface="+mn-ea"/>
-            </a:endParaRPr>
           </a:p>
           <a:p>
             <a:pPr lvl="1"/>
@@ -2042,7 +2023,6 @@
               <a:rPr lang="zh-CN" altLang="en-US" dirty="0"/>
               <a:t>Second level</a:t>
             </a:r>
-            <a:endParaRPr lang="zh-CN" altLang="en-US" dirty="0"/>
           </a:p>
           <a:p>
             <a:pPr lvl="2"/>
@@ -2050,7 +2030,6 @@
               <a:rPr lang="zh-CN" altLang="en-US" dirty="0"/>
               <a:t>Third level</a:t>
             </a:r>
-            <a:endParaRPr lang="zh-CN" altLang="en-US" dirty="0"/>
           </a:p>
           <a:p>
             <a:pPr lvl="3"/>
@@ -2058,7 +2037,6 @@
               <a:rPr lang="zh-CN" altLang="en-US" dirty="0"/>
               <a:t>Fourth level</a:t>
             </a:r>
-            <a:endParaRPr lang="zh-CN" altLang="en-US" dirty="0"/>
           </a:p>
           <a:p>
             <a:pPr lvl="4"/>
@@ -2066,7 +2044,6 @@
               <a:rPr lang="zh-CN" altLang="en-US" dirty="0"/>
               <a:t>Fifth level</a:t>
             </a:r>
-            <a:endParaRPr lang="zh-CN" altLang="en-US" dirty="0"/>
           </a:p>
         </p:txBody>
       </p:sp>
@@ -2134,9 +2111,6 @@
               </a:rPr>
               <a:t>Click to edit Master text styles</a:t>
             </a:r>
-            <a:endParaRPr lang="zh-CN" altLang="en-US" dirty="0">
-              <a:sym typeface="+mn-ea"/>
-            </a:endParaRPr>
           </a:p>
         </p:txBody>
       </p:sp>
@@ -2167,9 +2141,6 @@
               </a:rPr>
               <a:t>Click to edit Master text styles</a:t>
             </a:r>
-            <a:endParaRPr lang="zh-CN" altLang="en-US" dirty="0">
-              <a:sym typeface="+mn-ea"/>
-            </a:endParaRPr>
           </a:p>
           <a:p>
             <a:pPr lvl="1"/>
@@ -2177,7 +2148,6 @@
               <a:rPr lang="zh-CN" altLang="en-US" dirty="0"/>
               <a:t>Second level</a:t>
             </a:r>
-            <a:endParaRPr lang="zh-CN" altLang="en-US" dirty="0"/>
           </a:p>
           <a:p>
             <a:pPr lvl="2"/>
@@ -2185,7 +2155,6 @@
               <a:rPr lang="zh-CN" altLang="en-US" dirty="0"/>
               <a:t>Third level</a:t>
             </a:r>
-            <a:endParaRPr lang="zh-CN" altLang="en-US" dirty="0"/>
           </a:p>
           <a:p>
             <a:pPr lvl="3"/>
@@ -2193,7 +2162,6 @@
               <a:rPr lang="zh-CN" altLang="en-US" dirty="0"/>
               <a:t>Fourth level</a:t>
             </a:r>
-            <a:endParaRPr lang="zh-CN" altLang="en-US" dirty="0"/>
           </a:p>
           <a:p>
             <a:pPr lvl="4"/>
@@ -2201,7 +2169,6 @@
               <a:rPr lang="zh-CN" altLang="en-US" dirty="0"/>
               <a:t>Fifth level</a:t>
             </a:r>
-            <a:endParaRPr lang="zh-CN" altLang="en-US" dirty="0"/>
           </a:p>
         </p:txBody>
       </p:sp>
@@ -2222,6 +2189,7 @@
           <a:p>
             <a:fld id="{760FBDFE-C587-4B4C-A407-44438C67B59E}" type="datetimeFigureOut">
               <a:rPr lang="zh-CN" altLang="en-US" smtClean="0"/>
+              <a:t>2020/6/10</a:t>
             </a:fld>
             <a:endParaRPr lang="zh-CN" altLang="en-US"/>
           </a:p>
@@ -2263,6 +2231,7 @@
           <a:p>
             <a:fld id="{49AE70B2-8BF9-45C0-BB95-33D1B9D3A854}" type="slidenum">
               <a:rPr lang="zh-CN" altLang="en-US" smtClean="0"/>
+              <a:t>‹#›</a:t>
             </a:fld>
             <a:endParaRPr lang="zh-CN" altLang="en-US"/>
           </a:p>
@@ -2331,7 +2300,6 @@
               <a:rPr lang="zh-CN" altLang="en-US" dirty="0"/>
               <a:t>Click to edit Master title style</a:t>
             </a:r>
-            <a:endParaRPr lang="zh-CN" altLang="en-US" dirty="0"/>
           </a:p>
         </p:txBody>
       </p:sp>
@@ -2352,6 +2320,7 @@
           <a:p>
             <a:fld id="{760FBDFE-C587-4B4C-A407-44438C67B59E}" type="datetimeFigureOut">
               <a:rPr lang="zh-CN" altLang="en-US" smtClean="0"/>
+              <a:t>2020/6/10</a:t>
             </a:fld>
             <a:endParaRPr lang="zh-CN" altLang="en-US"/>
           </a:p>
@@ -2393,6 +2362,7 @@
           <a:p>
             <a:fld id="{49AE70B2-8BF9-45C0-BB95-33D1B9D3A854}" type="slidenum">
               <a:rPr lang="zh-CN" altLang="en-US" smtClean="0"/>
+              <a:t>‹#›</a:t>
             </a:fld>
             <a:endParaRPr lang="zh-CN" altLang="en-US"/>
           </a:p>
@@ -2440,6 +2410,7 @@
           <a:p>
             <a:fld id="{760FBDFE-C587-4B4C-A407-44438C67B59E}" type="datetimeFigureOut">
               <a:rPr lang="zh-CN" altLang="en-US" smtClean="0"/>
+              <a:t>2020/6/10</a:t>
             </a:fld>
             <a:endParaRPr lang="zh-CN" altLang="en-US"/>
           </a:p>
@@ -2481,6 +2452,7 @@
           <a:p>
             <a:fld id="{49AE70B2-8BF9-45C0-BB95-33D1B9D3A854}" type="slidenum">
               <a:rPr lang="zh-CN" altLang="en-US" smtClean="0"/>
+              <a:t>‹#›</a:t>
             </a:fld>
             <a:endParaRPr lang="zh-CN" altLang="en-US"/>
           </a:p>
@@ -2551,9 +2523,6 @@
               </a:rPr>
               <a:t>Click to edit Master title style</a:t>
             </a:r>
-            <a:endParaRPr lang="zh-CN" altLang="en-US" dirty="0">
-              <a:sym typeface="+mn-ea"/>
-            </a:endParaRPr>
           </a:p>
         </p:txBody>
       </p:sp>
@@ -2685,7 +2654,6 @@
               <a:rPr lang="zh-CN" altLang="en-US" dirty="0"/>
               <a:t>Click to edit Master text styles</a:t>
             </a:r>
-            <a:endParaRPr lang="zh-CN" altLang="en-US" dirty="0"/>
           </a:p>
         </p:txBody>
       </p:sp>
@@ -2706,6 +2674,7 @@
           <a:p>
             <a:fld id="{9EFD9D74-47D9-4702-A33C-335B63B48DBF}" type="datetimeFigureOut">
               <a:rPr lang="zh-CN" altLang="en-US" smtClean="0"/>
+              <a:t>2020/6/10</a:t>
             </a:fld>
             <a:endParaRPr lang="zh-CN" altLang="en-US" dirty="0"/>
           </a:p>
@@ -2747,6 +2716,7 @@
           <a:p>
             <a:fld id="{FABC47A4-756D-490B-A52F-7D9E2C9FC05F}" type="slidenum">
               <a:rPr lang="zh-CN" altLang="en-US" smtClean="0"/>
+              <a:t>‹#›</a:t>
             </a:fld>
             <a:endParaRPr lang="zh-CN" altLang="en-US"/>
           </a:p>
@@ -2837,7 +2807,6 @@
               <a:rPr lang="zh-CN" altLang="en-US"/>
               <a:t>Click to edit Master title style</a:t>
             </a:r>
-            <a:endParaRPr lang="zh-CN" altLang="en-US"/>
           </a:p>
         </p:txBody>
       </p:sp>
@@ -2868,9 +2837,6 @@
               </a:rPr>
               <a:t>Click to edit Master text styles</a:t>
             </a:r>
-            <a:endParaRPr lang="zh-CN" altLang="en-US" dirty="0">
-              <a:sym typeface="+mn-ea"/>
-            </a:endParaRPr>
           </a:p>
           <a:p>
             <a:pPr lvl="1"/>
@@ -2878,7 +2844,6 @@
               <a:rPr lang="zh-CN" altLang="en-US" dirty="0"/>
               <a:t>Second level</a:t>
             </a:r>
-            <a:endParaRPr lang="zh-CN" altLang="en-US" dirty="0"/>
           </a:p>
           <a:p>
             <a:pPr lvl="2"/>
@@ -2886,7 +2851,6 @@
               <a:rPr lang="zh-CN" altLang="en-US" dirty="0"/>
               <a:t>Third level</a:t>
             </a:r>
-            <a:endParaRPr lang="zh-CN" altLang="en-US" dirty="0"/>
           </a:p>
           <a:p>
             <a:pPr lvl="3"/>
@@ -2894,7 +2858,6 @@
               <a:rPr lang="zh-CN" altLang="en-US" dirty="0"/>
               <a:t>Fourth level</a:t>
             </a:r>
-            <a:endParaRPr lang="zh-CN" altLang="en-US" dirty="0"/>
           </a:p>
           <a:p>
             <a:pPr lvl="4"/>
@@ -2902,7 +2865,6 @@
               <a:rPr lang="zh-CN" altLang="en-US" dirty="0"/>
               <a:t>Fifth level</a:t>
             </a:r>
-            <a:endParaRPr lang="zh-CN" altLang="en-US" dirty="0"/>
           </a:p>
         </p:txBody>
       </p:sp>
@@ -2923,6 +2885,7 @@
           <a:p>
             <a:fld id="{760FBDFE-C587-4B4C-A407-44438C67B59E}" type="datetimeFigureOut">
               <a:rPr lang="zh-CN" altLang="en-US" smtClean="0"/>
+              <a:t>2020/6/10</a:t>
             </a:fld>
             <a:endParaRPr lang="zh-CN" altLang="en-US"/>
           </a:p>
@@ -2964,6 +2927,7 @@
           <a:p>
             <a:fld id="{49AE70B2-8BF9-45C0-BB95-33D1B9D3A854}" type="slidenum">
               <a:rPr lang="zh-CN" altLang="en-US" smtClean="0"/>
+              <a:t>‹#›</a:t>
             </a:fld>
             <a:endParaRPr lang="zh-CN" altLang="en-US"/>
           </a:p>
@@ -3031,7 +2995,6 @@
               <a:rPr lang="zh-CN" altLang="en-US" dirty="0"/>
               <a:t>Click to edit Master title style</a:t>
             </a:r>
-            <a:endParaRPr lang="zh-CN" altLang="en-US" dirty="0"/>
           </a:p>
         </p:txBody>
       </p:sp>
@@ -3067,9 +3030,6 @@
               </a:rPr>
               <a:t>Click to edit Master text styles</a:t>
             </a:r>
-            <a:endParaRPr lang="zh-CN" altLang="en-US" dirty="0">
-              <a:sym typeface="+mn-ea"/>
-            </a:endParaRPr>
           </a:p>
           <a:p>
             <a:pPr lvl="1"/>
@@ -3077,7 +3037,6 @@
               <a:rPr lang="zh-CN" altLang="en-US" dirty="0"/>
               <a:t>Second level</a:t>
             </a:r>
-            <a:endParaRPr lang="zh-CN" altLang="en-US" dirty="0"/>
           </a:p>
           <a:p>
             <a:pPr lvl="2"/>
@@ -3085,7 +3044,6 @@
               <a:rPr lang="zh-CN" altLang="en-US" dirty="0"/>
               <a:t>Third level</a:t>
             </a:r>
-            <a:endParaRPr lang="zh-CN" altLang="en-US" dirty="0"/>
           </a:p>
           <a:p>
             <a:pPr lvl="3"/>
@@ -3093,7 +3051,6 @@
               <a:rPr lang="zh-CN" altLang="en-US" dirty="0"/>
               <a:t>Fourth level</a:t>
             </a:r>
-            <a:endParaRPr lang="zh-CN" altLang="en-US" dirty="0"/>
           </a:p>
           <a:p>
             <a:pPr lvl="4"/>
@@ -3101,7 +3058,6 @@
               <a:rPr lang="zh-CN" altLang="en-US" dirty="0"/>
               <a:t>Fifth level</a:t>
             </a:r>
-            <a:endParaRPr lang="zh-CN" altLang="en-US" dirty="0"/>
           </a:p>
         </p:txBody>
       </p:sp>
@@ -3142,6 +3098,7 @@
           <a:p>
             <a:fld id="{760FBDFE-C587-4B4C-A407-44438C67B59E}" type="datetimeFigureOut">
               <a:rPr lang="zh-CN" altLang="en-US" smtClean="0"/>
+              <a:t>2020/6/10</a:t>
             </a:fld>
             <a:endParaRPr lang="zh-CN" altLang="en-US"/>
           </a:p>
@@ -3223,6 +3180,7 @@
           <a:p>
             <a:fld id="{49AE70B2-8BF9-45C0-BB95-33D1B9D3A854}" type="slidenum">
               <a:rPr lang="zh-CN" altLang="en-US" smtClean="0"/>
+              <a:t>‹#›</a:t>
             </a:fld>
             <a:endParaRPr lang="zh-CN" altLang="en-US"/>
           </a:p>
@@ -3688,7 +3646,6 @@
               <a:rPr lang="en-US" altLang="en-US" sz="5800"/>
               <a:t>marathon</a:t>
             </a:r>
-            <a:endParaRPr lang="en-US" altLang="en-US" sz="5800"/>
           </a:p>
         </p:txBody>
       </p:sp>
@@ -3843,18 +3800,13 @@
           <a:lstStyle/>
           <a:p>
             <a:r>
-              <a:rPr lang="en-US" altLang="en-US" sz="4800">
+              <a:rPr lang="en-US" altLang="en-US" sz="4800" dirty="0">
                 <a:solidFill>
                   <a:schemeClr val="bg1"/>
                 </a:solidFill>
               </a:rPr>
               <a:t>Contents.</a:t>
             </a:r>
-            <a:endParaRPr lang="en-US" altLang="en-US" sz="4800">
-              <a:solidFill>
-                <a:schemeClr val="bg1"/>
-              </a:solidFill>
-            </a:endParaRPr>
           </a:p>
         </p:txBody>
       </p:sp>
@@ -3884,7 +3836,7 @@
               <a:buNone/>
             </a:pPr>
             <a:r>
-              <a:rPr lang="en-US" altLang="en-US" sz="2400">
+              <a:rPr lang="en-US" altLang="en-US" sz="2400" dirty="0">
                 <a:solidFill>
                   <a:schemeClr val="bg1"/>
                 </a:solidFill>
@@ -3892,7 +3844,12 @@
               </a:rPr>
               <a:t>1. What’s new?</a:t>
             </a:r>
-            <a:endParaRPr lang="en-US" altLang="en-US" sz="2400">
+          </a:p>
+          <a:p>
+            <a:pPr marL="0" indent="0">
+              <a:buNone/>
+            </a:pPr>
+            <a:endParaRPr lang="en-US" altLang="en-US" sz="2400" dirty="0">
               <a:solidFill>
                 <a:schemeClr val="bg1"/>
               </a:solidFill>
@@ -3903,19 +3860,8 @@
             <a:pPr marL="0" indent="0">
               <a:buNone/>
             </a:pPr>
-            <a:endParaRPr lang="en-US" altLang="en-US" sz="2400">
-              <a:solidFill>
-                <a:schemeClr val="bg1"/>
-              </a:solidFill>
-              <a:latin typeface="Candara" panose="020E0502030303020204" pitchFamily="34" charset="0"/>
-            </a:endParaRPr>
-          </a:p>
-          <a:p>
-            <a:pPr marL="0" indent="0">
-              <a:buNone/>
-            </a:pPr>
-            <a:r>
-              <a:rPr lang="en-US" altLang="en-US" sz="2400">
+            <a:r>
+              <a:rPr lang="en-US" altLang="en-US" sz="2400" dirty="0">
                 <a:solidFill>
                   <a:schemeClr val="bg1"/>
                 </a:solidFill>
@@ -3923,19 +3869,13 @@
               </a:rPr>
               <a:t>2. The core</a:t>
             </a:r>
-            <a:endParaRPr lang="en-US" altLang="en-US" sz="2400">
-              <a:solidFill>
-                <a:schemeClr val="bg1"/>
-              </a:solidFill>
-              <a:latin typeface="Candara" panose="020E0502030303020204" pitchFamily="34" charset="0"/>
-            </a:endParaRPr>
           </a:p>
           <a:p>
             <a:pPr marL="0" indent="0">
               <a:buNone/>
             </a:pPr>
             <a:r>
-              <a:rPr lang="en-US" altLang="en-US" sz="2400">
+              <a:rPr lang="en-US" altLang="en-US" sz="2400" dirty="0">
                 <a:solidFill>
                   <a:schemeClr val="bg1"/>
                 </a:solidFill>
@@ -3943,7 +3883,26 @@
               </a:rPr>
               <a:t>	1 The Flows</a:t>
             </a:r>
-            <a:endParaRPr lang="en-US" altLang="en-US" sz="2400">
+          </a:p>
+          <a:p>
+            <a:pPr marL="0" indent="0">
+              <a:buNone/>
+            </a:pPr>
+            <a:r>
+              <a:rPr lang="en-US" altLang="en-US" sz="2400" dirty="0">
+                <a:solidFill>
+                  <a:schemeClr val="bg1"/>
+                </a:solidFill>
+                <a:latin typeface="Candara" panose="020E0502030303020204" pitchFamily="34" charset="0"/>
+              </a:rPr>
+              <a:t>	2 Clustering Results</a:t>
+            </a:r>
+          </a:p>
+          <a:p>
+            <a:pPr marL="0" indent="0">
+              <a:buNone/>
+            </a:pPr>
+            <a:endParaRPr lang="en-US" altLang="en-US" sz="2400" dirty="0">
               <a:solidFill>
                 <a:schemeClr val="bg1"/>
               </a:solidFill>
@@ -3955,46 +3914,20 @@
               <a:buNone/>
             </a:pPr>
             <a:r>
-              <a:rPr lang="en-US" altLang="en-US" sz="2400">
+              <a:rPr lang="en-US" altLang="en-US" sz="2400" dirty="0">
                 <a:solidFill>
                   <a:schemeClr val="bg1"/>
                 </a:solidFill>
                 <a:latin typeface="Candara" panose="020E0502030303020204" pitchFamily="34" charset="0"/>
               </a:rPr>
-              <a:t>	2 Results</a:t>
-            </a:r>
-            <a:endParaRPr lang="en-US" altLang="en-US" sz="2400">
-              <a:solidFill>
-                <a:schemeClr val="bg1"/>
-              </a:solidFill>
-              <a:latin typeface="Candara" panose="020E0502030303020204" pitchFamily="34" charset="0"/>
-            </a:endParaRPr>
+              <a:t>3. Personas - Characteristic</a:t>
+            </a:r>
           </a:p>
           <a:p>
             <a:pPr marL="0" indent="0">
               <a:buNone/>
             </a:pPr>
-            <a:endParaRPr lang="en-US" altLang="en-US" sz="2400">
-              <a:solidFill>
-                <a:schemeClr val="bg1"/>
-              </a:solidFill>
-              <a:latin typeface="Candara" panose="020E0502030303020204" pitchFamily="34" charset="0"/>
-            </a:endParaRPr>
-          </a:p>
-          <a:p>
-            <a:pPr marL="0" indent="0">
-              <a:buNone/>
-            </a:pPr>
-            <a:r>
-              <a:rPr lang="en-US" altLang="en-US" sz="2400">
-                <a:solidFill>
-                  <a:schemeClr val="bg1"/>
-                </a:solidFill>
-                <a:latin typeface="Candara" panose="020E0502030303020204" pitchFamily="34" charset="0"/>
-              </a:rPr>
-              <a:t>3. How to get better?</a:t>
-            </a:r>
-            <a:endParaRPr lang="en-US" altLang="en-US" sz="2400">
+            <a:endParaRPr lang="en-US" altLang="en-US" sz="2400" dirty="0">
               <a:solidFill>
                 <a:schemeClr val="bg1"/>
               </a:solidFill>
@@ -4423,9 +4356,6 @@
               </a:rPr>
               <a:t>1. No more a Long &amp; BIG notebook</a:t>
             </a:r>
-            <a:endParaRPr lang="en-US" altLang="en-US" dirty="0">
-              <a:latin typeface="Candara" panose="020E0502030303020204" pitchFamily="34" charset="0"/>
-            </a:endParaRPr>
           </a:p>
           <a:p>
             <a:endParaRPr lang="en-US" altLang="en-US" dirty="0">
@@ -4447,9 +4377,6 @@
               </a:rPr>
               <a:t>2. Suited for Audiences</a:t>
             </a:r>
-            <a:endParaRPr lang="en-US" altLang="en-US" dirty="0">
-              <a:latin typeface="Candara" panose="020E0502030303020204" pitchFamily="34" charset="0"/>
-            </a:endParaRPr>
           </a:p>
           <a:p>
             <a:endParaRPr lang="en-US" altLang="en-US" dirty="0">
@@ -4471,9 +4398,6 @@
               </a:rPr>
               <a:t>3. Focus on: What Should Have Done</a:t>
             </a:r>
-            <a:endParaRPr lang="en-US" altLang="en-US" dirty="0">
-              <a:latin typeface="Candara" panose="020E0502030303020204" pitchFamily="34" charset="0"/>
-            </a:endParaRPr>
           </a:p>
           <a:p>
             <a:endParaRPr lang="en-US" altLang="en-US" dirty="0">
@@ -4522,10 +4446,6 @@
               </a:rPr>
               <a:t>WHY.</a:t>
             </a:r>
-            <a:endParaRPr lang="en-US" altLang="en-US" sz="2000" dirty="0">
-              <a:latin typeface="Candara" panose="020E0502030303020204" pitchFamily="34" charset="0"/>
-              <a:sym typeface="+mn-ea"/>
-            </a:endParaRPr>
           </a:p>
           <a:p>
             <a:pPr indent="0" algn="l">
@@ -4539,10 +4459,6 @@
               </a:rPr>
               <a:t>	Time limit -&gt; Different approaches.</a:t>
             </a:r>
-            <a:endParaRPr lang="en-US" altLang="en-US" sz="2000" dirty="0">
-              <a:latin typeface="Candara" panose="020E0502030303020204" pitchFamily="34" charset="0"/>
-              <a:sym typeface="+mn-ea"/>
-            </a:endParaRPr>
           </a:p>
           <a:p>
             <a:pPr marL="0" lvl="2" indent="0" algn="l">
@@ -4581,9 +4497,6 @@
               </a:rPr>
               <a:t>	</a:t>
             </a:r>
-            <a:endParaRPr lang="en-US" altLang="en-US" sz="2000" dirty="0">
-              <a:latin typeface="Candara" panose="020E0502030303020204" pitchFamily="34" charset="0"/>
-            </a:endParaRPr>
           </a:p>
         </p:txBody>
       </p:sp>
@@ -4596,7 +4509,7 @@
           <p:nvPr/>
         </p:nvPicPr>
         <p:blipFill>
-          <a:blip r:embed="rId1"/>
+          <a:blip r:embed="rId2"/>
           <a:stretch>
             <a:fillRect/>
           </a:stretch>
@@ -4620,7 +4533,7 @@
           <p:nvPr/>
         </p:nvPicPr>
         <p:blipFill>
-          <a:blip r:embed="rId2"/>
+          <a:blip r:embed="rId3"/>
           <a:stretch>
             <a:fillRect/>
           </a:stretch>
@@ -4665,10 +4578,6 @@
               </a:rPr>
               <a:t>      Fed up with ‘traditional’ presentations.</a:t>
             </a:r>
-            <a:endParaRPr lang="en-US" altLang="en-US" dirty="0">
-              <a:latin typeface="Candara" panose="020E0502030303020204" pitchFamily="34" charset="0"/>
-              <a:sym typeface="+mn-ea"/>
-            </a:endParaRPr>
           </a:p>
           <a:p>
             <a:endParaRPr lang="en-US" dirty="0">
@@ -5399,7 +5308,7 @@
           <p:nvPr/>
         </p:nvPicPr>
         <p:blipFill>
-          <a:blip r:embed="rId1"/>
+          <a:blip r:embed="rId2"/>
           <a:stretch>
             <a:fillRect/>
           </a:stretch>
@@ -5584,7 +5493,7 @@
           <p:nvPr/>
         </p:nvPicPr>
         <p:blipFill>
-          <a:blip r:embed="rId1"/>
+          <a:blip r:embed="rId2"/>
           <a:stretch>
             <a:fillRect/>
           </a:stretch>
@@ -5769,7 +5678,7 @@
           <p:nvPr/>
         </p:nvPicPr>
         <p:blipFill>
-          <a:blip r:embed="rId1"/>
+          <a:blip r:embed="rId2"/>
           <a:stretch>
             <a:fillRect/>
           </a:stretch>
@@ -5793,7 +5702,7 @@
           <p:nvPr/>
         </p:nvPicPr>
         <p:blipFill>
-          <a:blip r:embed="rId2"/>
+          <a:blip r:embed="rId3"/>
           <a:stretch>
             <a:fillRect/>
           </a:stretch>
@@ -5956,37 +5865,13 @@
                 <a:latin typeface="Candara" panose="020E0502030303020204" pitchFamily="34" charset="0"/>
                 <a:sym typeface="+mn-ea"/>
               </a:rPr>
-              <a:t>The Result of K-Means</a:t>
-            </a:r>
-            <a:endParaRPr lang="en-US" altLang="en-US" dirty="0">
-              <a:latin typeface="Candara" panose="020E0502030303020204" pitchFamily="34" charset="0"/>
-              <a:sym typeface="+mn-ea"/>
-            </a:endParaRPr>
-          </a:p>
-          <a:p>
-            <a:endParaRPr lang="en-US" altLang="en-US" dirty="0">
-              <a:latin typeface="Candara" panose="020E0502030303020204" pitchFamily="34" charset="0"/>
-              <a:sym typeface="+mn-ea"/>
-            </a:endParaRPr>
-          </a:p>
-          <a:p>
-            <a:r>
-              <a:rPr lang="en-US" altLang="en-US" dirty="0">
-                <a:latin typeface="Candara" panose="020E0502030303020204" pitchFamily="34" charset="0"/>
-                <a:sym typeface="+mn-ea"/>
-              </a:rPr>
-              <a:t>The Result of K-Prototypes</a:t>
+              <a:t>The brief Pipeline</a:t>
             </a:r>
             <a:endParaRPr lang="en-US" altLang="en-US" dirty="0">
               <a:latin typeface="Candara" panose="020E0502030303020204" pitchFamily="34" charset="0"/>
             </a:endParaRPr>
           </a:p>
           <a:p>
-            <a:endParaRPr lang="en-US" altLang="en-US" dirty="0">
-              <a:latin typeface="Candara" panose="020E0502030303020204" pitchFamily="34" charset="0"/>
-            </a:endParaRPr>
-          </a:p>
-          <a:p>
             <a:endParaRPr lang="en-US" dirty="0">
               <a:latin typeface="Candara" panose="020E0502030303020204" pitchFamily="34" charset="0"/>
             </a:endParaRPr>
@@ -5995,14 +5880,20 @@
       </p:sp>
       <p:sp>
         <p:nvSpPr>
-          <p:cNvPr id="4" name="TextBox 3"/>
+          <p:cNvPr id="4" name="TextBox 3">
+            <a:extLst>
+              <a:ext uri="{FF2B5EF4-FFF2-40B4-BE49-F238E27FC236}">
+                <a16:creationId xmlns:a16="http://schemas.microsoft.com/office/drawing/2014/main" id="{17A31C77-0725-486E-86E3-31FC2FC8334C}"/>
+              </a:ext>
+            </a:extLst>
+          </p:cNvPr>
           <p:cNvSpPr txBox="1"/>
           <p:nvPr/>
         </p:nvSpPr>
         <p:spPr>
-          <a:xfrm>
-            <a:off x="5577840" y="2638043"/>
-            <a:ext cx="3429000" cy="369332"/>
+          <a:xfrm flipH="1">
+            <a:off x="5141496" y="2638043"/>
+            <a:ext cx="5873818" cy="2031325"/>
           </a:xfrm>
           <a:prstGeom prst="rect">
             <a:avLst/>
@@ -6015,34 +5906,105 @@
           </a:bodyPr>
           <a:lstStyle/>
           <a:p>
+            <a:pPr marL="342900" indent="-342900">
+              <a:lnSpc>
+                <a:spcPct val="200000"/>
+              </a:lnSpc>
+              <a:buFont typeface="+mj-lt"/>
+              <a:buAutoNum type="arabicPeriod"/>
+            </a:pPr>
             <a:r>
               <a:rPr lang="en-US" dirty="0">
                 <a:solidFill>
                   <a:schemeClr val="bg1"/>
                 </a:solidFill>
-                <a:latin typeface="Candara" panose="020E0502030303020204" pitchFamily="34" charset="0"/>
               </a:rPr>
-              <a:t>&gt;&gt; </a:t>
-            </a:r>
-            <a:r>
-              <a:rPr lang="en-US" dirty="0" err="1">
+              <a:t>Select features = </a:t>
+            </a:r>
+            <a:r>
+              <a:rPr lang="en-US" b="1" dirty="0">
                 <a:solidFill>
                   <a:schemeClr val="bg1"/>
                 </a:solidFill>
-                <a:latin typeface="Candara" panose="020E0502030303020204" pitchFamily="34" charset="0"/>
               </a:rPr>
-              <a:t>Jupyter</a:t>
-            </a:r>
+              <a:t>[official, age, gender, country]</a:t>
+            </a:r>
+          </a:p>
+          <a:p>
+            <a:pPr marL="342900" indent="-342900">
+              <a:lnSpc>
+                <a:spcPct val="200000"/>
+              </a:lnSpc>
+              <a:buFont typeface="+mj-lt"/>
+              <a:buAutoNum type="arabicPeriod"/>
+            </a:pPr>
+            <a:r>
+              <a:rPr lang="en-US" dirty="0">
+                <a:solidFill>
+                  <a:schemeClr val="bg1"/>
+                </a:solidFill>
+              </a:rPr>
+              <a:t>Scaling: </a:t>
+            </a:r>
+            <a:r>
+              <a:rPr lang="en-US" b="1" dirty="0" err="1">
+                <a:solidFill>
+                  <a:schemeClr val="bg1"/>
+                </a:solidFill>
+              </a:rPr>
+              <a:t>MinMaxScaler</a:t>
+            </a:r>
+            <a:endParaRPr lang="en-US" b="1" dirty="0">
+              <a:solidFill>
+                <a:schemeClr val="bg1"/>
+              </a:solidFill>
+            </a:endParaRPr>
+          </a:p>
+          <a:p>
+            <a:pPr marL="342900" indent="-342900">
+              <a:lnSpc>
+                <a:spcPct val="200000"/>
+              </a:lnSpc>
+              <a:buFont typeface="+mj-lt"/>
+              <a:buAutoNum type="arabicPeriod"/>
+            </a:pPr>
+            <a:r>
+              <a:rPr lang="en-US" dirty="0">
+                <a:solidFill>
+                  <a:schemeClr val="bg1"/>
+                </a:solidFill>
+              </a:rPr>
+              <a:t>Encoding for k-means: </a:t>
+            </a:r>
+            <a:r>
+              <a:rPr lang="en-US" b="1" dirty="0" err="1">
+                <a:solidFill>
+                  <a:schemeClr val="bg1"/>
+                </a:solidFill>
+              </a:rPr>
+              <a:t>OneHotEncoder</a:t>
+            </a:r>
+            <a:endParaRPr lang="en-US" b="1" dirty="0">
+              <a:solidFill>
+                <a:schemeClr val="bg1"/>
+              </a:solidFill>
+            </a:endParaRPr>
+          </a:p>
+          <a:p>
             <a:endParaRPr lang="en-US" dirty="0">
               <a:solidFill>
                 <a:schemeClr val="bg1"/>
               </a:solidFill>
-              <a:latin typeface="Candara" panose="020E0502030303020204" pitchFamily="34" charset="0"/>
             </a:endParaRPr>
           </a:p>
         </p:txBody>
       </p:sp>
     </p:spTree>
+    <p:extLst>
+      <p:ext uri="{BB962C8B-B14F-4D97-AF65-F5344CB8AC3E}">
+        <p14:creationId xmlns:p14="http://schemas.microsoft.com/office/powerpoint/2010/main" val="2996853940"/>
+      </p:ext>
+    </p:extLst>
   </p:cSld>
   <p:clrMapOvr>
     <a:overrideClrMapping bg1="dk1" tx1="lt1" bg2="dk2" tx2="lt2" accent1="accent1" accent2="accent2" accent3="accent3" accent4="accent4" accent5="accent5" accent6="accent6" hlink="hlink" folHlink="folHlink"/>
@@ -6151,24 +6113,15 @@
           <a:p>
             <a:pPr algn="ctr"/>
             <a:r>
-              <a:rPr lang="" altLang="en-US" sz="2800" dirty="0">
-                <a:sym typeface="+mn-ea"/>
-              </a:rPr>
-              <a:t>3</a:t>
-            </a:r>
-            <a:r>
               <a:rPr lang="en-US" altLang="en-US" sz="2800" dirty="0">
                 <a:sym typeface="+mn-ea"/>
               </a:rPr>
-              <a:t>. </a:t>
-            </a:r>
-            <a:r>
-              <a:rPr lang="" altLang="en-US" sz="2800" dirty="0">
-                <a:sym typeface="+mn-ea"/>
-              </a:rPr>
-              <a:t>How to get better</a:t>
-            </a:r>
-            <a:endParaRPr lang="" sz="2800" dirty="0"/>
+              <a:t>2. The core</a:t>
+            </a:r>
+            <a:br>
+              <a:rPr lang="en-US" altLang="en-US" sz="2800" dirty="0"/>
+            </a:br>
+            <a:endParaRPr lang="en-US" sz="2800" dirty="0"/>
           </a:p>
         </p:txBody>
       </p:sp>
@@ -6194,6 +6147,15 @@
           </a:bodyPr>
           <a:lstStyle/>
           <a:p>
+            <a:r>
+              <a:rPr lang="en-US" altLang="en-US" dirty="0">
+                <a:latin typeface="Candara" panose="020E0502030303020204" pitchFamily="34" charset="0"/>
+                <a:sym typeface="+mn-ea"/>
+              </a:rPr>
+              <a:t>Results of K-Means</a:t>
+            </a:r>
+          </a:p>
+          <a:p>
             <a:endParaRPr lang="en-US" altLang="en-US" dirty="0">
               <a:latin typeface="Candara" panose="020E0502030303020204" pitchFamily="34" charset="0"/>
               <a:sym typeface="+mn-ea"/>
@@ -6205,18 +6167,29 @@
                 <a:latin typeface="Candara" panose="020E0502030303020204" pitchFamily="34" charset="0"/>
                 <a:sym typeface="+mn-ea"/>
               </a:rPr>
-              <a:t>The Result of K-Prototypes</a:t>
-            </a:r>
+              <a:t>Results of K-Prototypes</a:t>
+            </a:r>
+          </a:p>
+          <a:p>
+            <a:endParaRPr lang="en-US" altLang="en-US" dirty="0">
+              <a:latin typeface="Candara" panose="020E0502030303020204" pitchFamily="34" charset="0"/>
+              <a:sym typeface="+mn-ea"/>
+            </a:endParaRPr>
+          </a:p>
+          <a:p>
+            <a:r>
+              <a:rPr lang="en-US" altLang="en-US" dirty="0">
+                <a:latin typeface="Candara" panose="020E0502030303020204" pitchFamily="34" charset="0"/>
+              </a:rPr>
+              <a:t>Results of OPTICS</a:t>
+            </a:r>
+          </a:p>
+          <a:p>
             <a:endParaRPr lang="en-US" altLang="en-US" dirty="0">
               <a:latin typeface="Candara" panose="020E0502030303020204" pitchFamily="34" charset="0"/>
             </a:endParaRPr>
           </a:p>
           <a:p>
-            <a:endParaRPr lang="en-US" altLang="en-US" dirty="0">
-              <a:latin typeface="Candara" panose="020E0502030303020204" pitchFamily="34" charset="0"/>
-            </a:endParaRPr>
-          </a:p>
-          <a:p>
             <a:endParaRPr lang="en-US" dirty="0">
               <a:latin typeface="Candara" panose="020E0502030303020204" pitchFamily="34" charset="0"/>
             </a:endParaRPr>
@@ -6231,8 +6204,8 @@
         </p:nvSpPr>
         <p:spPr>
           <a:xfrm>
-            <a:off x="5386705" y="1778000"/>
-            <a:ext cx="6209030" cy="3692525"/>
+            <a:off x="5577840" y="2638043"/>
+            <a:ext cx="3429000" cy="369332"/>
           </a:xfrm>
           <a:prstGeom prst="rect">
             <a:avLst/>
@@ -6245,41 +6218,237 @@
           </a:bodyPr>
           <a:lstStyle/>
           <a:p>
-            <a:pPr marL="285750" indent="-285750">
-              <a:buFont typeface="Arial" panose="020B0604020202020204" pitchFamily="34" charset="0"/>
-              <a:buChar char="•"/>
-            </a:pPr>
-            <a:r>
-              <a:rPr lang="" altLang="en-US" dirty="0">
+            <a:r>
+              <a:rPr lang="en-US" dirty="0">
                 <a:solidFill>
                   <a:schemeClr val="bg1"/>
                 </a:solidFill>
                 <a:latin typeface="Candara" panose="020E0502030303020204" pitchFamily="34" charset="0"/>
               </a:rPr>
-              <a:t>Mixed datatype:</a:t>
-            </a:r>
-            <a:endParaRPr lang="" altLang="en-US" dirty="0">
+              <a:t>&gt;&gt; </a:t>
+            </a:r>
+            <a:r>
+              <a:rPr lang="en-US" dirty="0" err="1">
+                <a:solidFill>
+                  <a:schemeClr val="bg1"/>
+                </a:solidFill>
+                <a:latin typeface="Candara" panose="020E0502030303020204" pitchFamily="34" charset="0"/>
+              </a:rPr>
+              <a:t>Jupyter</a:t>
+            </a:r>
+            <a:endParaRPr lang="en-US" dirty="0">
               <a:solidFill>
                 <a:schemeClr val="bg1"/>
               </a:solidFill>
               <a:latin typeface="Candara" panose="020E0502030303020204" pitchFamily="34" charset="0"/>
             </a:endParaRPr>
           </a:p>
-          <a:p>
-            <a:pPr marL="742950" lvl="1" indent="-285750">
-              <a:buFont typeface="Arial" panose="020B0604020202020204" pitchFamily="34" charset="0"/>
-              <a:buChar char="•"/>
+        </p:txBody>
+      </p:sp>
+    </p:spTree>
+    <p:extLst>
+      <p:ext uri="{BB962C8B-B14F-4D97-AF65-F5344CB8AC3E}">
+        <p14:creationId xmlns:p14="http://schemas.microsoft.com/office/powerpoint/2010/main" val="80193382"/>
+      </p:ext>
+    </p:extLst>
+  </p:cSld>
+  <p:clrMapOvr>
+    <a:overrideClrMapping bg1="dk1" tx1="lt1" bg2="dk2" tx2="lt2" accent1="accent1" accent2="accent2" accent3="accent3" accent4="accent4" accent5="accent5" accent6="accent6" hlink="hlink" folHlink="folHlink"/>
+  </p:clrMapOvr>
+</p:sld>
+</file>
+
+<file path=ppt/slides/slide9.xml><?xml version="1.0" encoding="utf-8"?>
+<p:sld xmlns:a="http://schemas.openxmlformats.org/drawingml/2006/main" xmlns:r="http://schemas.openxmlformats.org/officeDocument/2006/relationships" xmlns:p="http://schemas.openxmlformats.org/presentationml/2006/main">
+  <p:cSld>
+    <p:bg>
+      <p:bgPr>
+        <a:solidFill>
+          <a:schemeClr val="tx1"/>
+        </a:solidFill>
+        <a:effectLst/>
+      </p:bgPr>
+    </p:bg>
+    <p:spTree>
+      <p:nvGrpSpPr>
+        <p:cNvPr id="1" name=""/>
+        <p:cNvGrpSpPr/>
+        <p:nvPr/>
+      </p:nvGrpSpPr>
+      <p:grpSpPr>
+        <a:xfrm>
+          <a:off x="0" y="0"/>
+          <a:ext cx="0" cy="0"/>
+          <a:chOff x="0" y="0"/>
+          <a:chExt cx="0" cy="0"/>
+        </a:xfrm>
+      </p:grpSpPr>
+      <p:sp>
+        <p:nvSpPr>
+          <p:cNvPr id="9" name="Rectangle 8"/>
+          <p:cNvSpPr>
+            <a:spLocks noGrp="1" noRot="1" noChangeAspect="1" noMove="1" noResize="1" noEditPoints="1" noAdjustHandles="1" noChangeArrowheads="1" noChangeShapeType="1" noTextEdit="1"/>
+          </p:cNvSpPr>
+          <p:nvPr/>
+        </p:nvSpPr>
+        <p:spPr>
+          <a:xfrm>
+            <a:off x="0" y="0"/>
+            <a:ext cx="4654296" cy="6858000"/>
+          </a:xfrm>
+          <a:prstGeom prst="rect">
+            <a:avLst/>
+          </a:prstGeom>
+          <a:solidFill>
+            <a:srgbClr val="3F3F3F"/>
+          </a:solidFill>
+          <a:ln>
+            <a:noFill/>
+          </a:ln>
+        </p:spPr>
+        <p:style>
+          <a:lnRef idx="0">
+            <a:scrgbClr r="0" g="0" b="0"/>
+          </a:lnRef>
+          <a:fillRef idx="0">
+            <a:scrgbClr r="0" g="0" b="0"/>
+          </a:fillRef>
+          <a:effectRef idx="0">
+            <a:scrgbClr r="0" g="0" b="0"/>
+          </a:effectRef>
+          <a:fontRef idx="minor">
+            <a:schemeClr val="lt1"/>
+          </a:fontRef>
+        </p:style>
+        <p:txBody>
+          <a:bodyPr rtlCol="0" anchor="ctr"/>
+          <a:lstStyle/>
+          <a:p>
+            <a:pPr algn="ctr"/>
+            <a:endParaRPr lang="en-US" dirty="0"/>
+          </a:p>
+        </p:txBody>
+      </p:sp>
+      <p:sp>
+        <p:nvSpPr>
+          <p:cNvPr id="2" name="Title 1"/>
+          <p:cNvSpPr>
+            <a:spLocks noGrp="1"/>
+          </p:cNvSpPr>
+          <p:nvPr>
+            <p:ph type="title"/>
+          </p:nvPr>
+        </p:nvSpPr>
+        <p:spPr>
+          <a:xfrm>
+            <a:off x="643468" y="623392"/>
+            <a:ext cx="3363974" cy="1607060"/>
+          </a:xfrm>
+          <a:noFill/>
+          <a:ln w="19050">
+            <a:solidFill>
+              <a:schemeClr val="tx1"/>
+            </a:solidFill>
+          </a:ln>
+        </p:spPr>
+        <p:txBody>
+          <a:bodyPr wrap="square" anchor="ctr">
+            <a:normAutofit fontScale="90000"/>
+          </a:bodyPr>
+          <a:lstStyle/>
+          <a:p>
+            <a:pPr algn="ctr"/>
+            <a:r>
+              <a:rPr lang="en-US" altLang="en-US" sz="2800" dirty="0">
+                <a:sym typeface="+mn-ea"/>
+              </a:rPr>
+              <a:t>3. Personas - Characteristic</a:t>
+            </a:r>
+            <a:br>
+              <a:rPr lang="en-US" altLang="en-US" sz="2800" dirty="0">
+                <a:sym typeface="+mn-ea"/>
+              </a:rPr>
+            </a:br>
+            <a:br>
+              <a:rPr lang="en-US" altLang="en-US" sz="2800" dirty="0"/>
+            </a:br>
+            <a:endParaRPr lang="en-US" sz="2800" dirty="0"/>
+          </a:p>
+        </p:txBody>
+      </p:sp>
+      <p:sp>
+        <p:nvSpPr>
+          <p:cNvPr id="3" name="Content Placeholder 2"/>
+          <p:cNvSpPr>
+            <a:spLocks noGrp="1"/>
+          </p:cNvSpPr>
+          <p:nvPr>
+            <p:ph idx="1"/>
+          </p:nvPr>
+        </p:nvSpPr>
+        <p:spPr>
+          <a:xfrm>
+            <a:off x="643468" y="2638043"/>
+            <a:ext cx="3674532" cy="3415623"/>
+          </a:xfrm>
+        </p:spPr>
+        <p:txBody>
+          <a:bodyPr>
+            <a:normAutofit/>
+          </a:bodyPr>
+          <a:lstStyle/>
+          <a:p>
+            <a:pPr marL="0" indent="0">
+              <a:buNone/>
             </a:pPr>
             <a:r>
-              <a:rPr lang="" altLang="en-US" dirty="0">
+              <a:rPr lang="en-US" altLang="en-US" dirty="0">
+                <a:latin typeface="Candara" panose="020E0502030303020204" pitchFamily="34" charset="0"/>
+              </a:rPr>
+              <a:t>5 personas</a:t>
+            </a:r>
+          </a:p>
+          <a:p>
+            <a:endParaRPr lang="en-US" dirty="0">
+              <a:latin typeface="Candara" panose="020E0502030303020204" pitchFamily="34" charset="0"/>
+            </a:endParaRPr>
+          </a:p>
+        </p:txBody>
+      </p:sp>
+      <p:sp>
+        <p:nvSpPr>
+          <p:cNvPr id="4" name="TextBox 3"/>
+          <p:cNvSpPr txBox="1"/>
+          <p:nvPr/>
+        </p:nvSpPr>
+        <p:spPr>
+          <a:xfrm>
+            <a:off x="5577840" y="2638043"/>
+            <a:ext cx="5378918" cy="3416320"/>
+          </a:xfrm>
+          <a:prstGeom prst="rect">
+            <a:avLst/>
+          </a:prstGeom>
+          <a:noFill/>
+        </p:spPr>
+        <p:txBody>
+          <a:bodyPr wrap="square" rtlCol="0">
+            <a:spAutoFit/>
+          </a:bodyPr>
+          <a:lstStyle/>
+          <a:p>
+            <a:r>
+              <a:rPr lang="en-US" dirty="0">
                 <a:solidFill>
                   <a:schemeClr val="bg1"/>
                 </a:solidFill>
                 <a:latin typeface="Candara" panose="020E0502030303020204" pitchFamily="34" charset="0"/>
               </a:rPr>
-              <a:t>Algorithms: how strong k-means?</a:t>
-            </a:r>
-            <a:endParaRPr lang="" altLang="en-US" dirty="0">
+              <a:t>&gt;&gt; Excel.</a:t>
+            </a:r>
+          </a:p>
+          <a:p>
+            <a:endParaRPr lang="en-US" b="1" dirty="0">
               <a:solidFill>
                 <a:schemeClr val="bg1"/>
               </a:solidFill>
@@ -6287,20 +6456,74 @@
             </a:endParaRPr>
           </a:p>
           <a:p>
-            <a:pPr marL="1200150" lvl="2" indent="-285750">
-              <a:buFont typeface="Arial" panose="020B0604020202020204" pitchFamily="34" charset="0"/>
-              <a:buChar char="•"/>
-            </a:pPr>
-            <a:r>
-              <a:rPr lang="" altLang="en-US" dirty="0">
+            <a:r>
+              <a:rPr lang="en-US" b="1" dirty="0">
                 <a:solidFill>
                   <a:schemeClr val="bg1"/>
                 </a:solidFill>
                 <a:latin typeface="Candara" panose="020E0502030303020204" pitchFamily="34" charset="0"/>
               </a:rPr>
-              <a:t>Alternatives: DBSCAN.</a:t>
-            </a:r>
-            <a:endParaRPr lang="" altLang="en-US" dirty="0">
+              <a:t>Persona</a:t>
+            </a:r>
+            <a:r>
+              <a:rPr lang="en-US" dirty="0">
+                <a:solidFill>
+                  <a:schemeClr val="bg1"/>
+                </a:solidFill>
+                <a:latin typeface="Candara" panose="020E0502030303020204" pitchFamily="34" charset="0"/>
+              </a:rPr>
+              <a:t> </a:t>
+            </a:r>
+            <a:r>
+              <a:rPr lang="en-US" b="1" dirty="0">
+                <a:solidFill>
+                  <a:schemeClr val="bg1"/>
+                </a:solidFill>
+                <a:latin typeface="Candara" panose="020E0502030303020204" pitchFamily="34" charset="0"/>
+              </a:rPr>
+              <a:t>1</a:t>
+            </a:r>
+            <a:r>
+              <a:rPr lang="en-US" dirty="0">
+                <a:solidFill>
+                  <a:schemeClr val="bg1"/>
+                </a:solidFill>
+                <a:latin typeface="Candara" panose="020E0502030303020204" pitchFamily="34" charset="0"/>
+              </a:rPr>
+              <a:t> – the </a:t>
+            </a:r>
+            <a:r>
+              <a:rPr lang="en-US" b="1" dirty="0">
+                <a:solidFill>
+                  <a:schemeClr val="bg1"/>
+                </a:solidFill>
+                <a:latin typeface="Candara" panose="020E0502030303020204" pitchFamily="34" charset="0"/>
+              </a:rPr>
+              <a:t>8</a:t>
+            </a:r>
+            <a:r>
+              <a:rPr lang="en-US" dirty="0">
+                <a:solidFill>
+                  <a:schemeClr val="bg1"/>
+                </a:solidFill>
+                <a:latin typeface="Candara" panose="020E0502030303020204" pitchFamily="34" charset="0"/>
+              </a:rPr>
+              <a:t>.</a:t>
+            </a:r>
+          </a:p>
+          <a:p>
+            <a:r>
+              <a:rPr lang="en-US" dirty="0">
+                <a:solidFill>
+                  <a:schemeClr val="bg1"/>
+                </a:solidFill>
+                <a:latin typeface="Candara" panose="020E0502030303020204" pitchFamily="34" charset="0"/>
+              </a:rPr>
+              <a:t>Cluster 4,  male, CAN, late 40, slow, but higher ranks.</a:t>
+            </a:r>
+          </a:p>
+          <a:p>
+            <a:endParaRPr lang="en-US" dirty="0">
               <a:solidFill>
                 <a:schemeClr val="bg1"/>
               </a:solidFill>
@@ -6308,20 +6531,47 @@
             </a:endParaRPr>
           </a:p>
           <a:p>
-            <a:pPr marL="1200150" lvl="2" indent="-285750">
-              <a:buFont typeface="Arial" panose="020B0604020202020204" pitchFamily="34" charset="0"/>
-              <a:buChar char="•"/>
-            </a:pPr>
-            <a:r>
-              <a:rPr lang="" altLang="en-US" dirty="0">
+            <a:r>
+              <a:rPr lang="en-US" b="1" dirty="0">
                 <a:solidFill>
                   <a:schemeClr val="bg1"/>
                 </a:solidFill>
                 <a:latin typeface="Candara" panose="020E0502030303020204" pitchFamily="34" charset="0"/>
               </a:rPr>
-              <a:t>Have no idea to use alternatives.</a:t>
-            </a:r>
-            <a:endParaRPr lang="" altLang="en-US" dirty="0">
+              <a:t>Persona 2</a:t>
+            </a:r>
+            <a:r>
+              <a:rPr lang="en-US" dirty="0">
+                <a:solidFill>
+                  <a:schemeClr val="bg1"/>
+                </a:solidFill>
+                <a:latin typeface="Candara" panose="020E0502030303020204" pitchFamily="34" charset="0"/>
+              </a:rPr>
+              <a:t>- the </a:t>
+            </a:r>
+            <a:r>
+              <a:rPr lang="en-US" b="1" dirty="0">
+                <a:solidFill>
+                  <a:schemeClr val="bg1"/>
+                </a:solidFill>
+                <a:latin typeface="Candara" panose="020E0502030303020204" pitchFamily="34" charset="0"/>
+              </a:rPr>
+              <a:t>Fastest Elder Woman</a:t>
+            </a:r>
+          </a:p>
+          <a:p>
+            <a:r>
+              <a:rPr lang="en-US" dirty="0">
+                <a:solidFill>
+                  <a:schemeClr val="bg1"/>
+                </a:solidFill>
+                <a:latin typeface="Candara" panose="020E0502030303020204" pitchFamily="34" charset="0"/>
+              </a:rPr>
+              <a:t>Cluster 0, female, CAN, older, fast, winner in gender.</a:t>
+            </a:r>
+          </a:p>
+          <a:p>
+            <a:endParaRPr lang="en-US" dirty="0">
               <a:solidFill>
                 <a:schemeClr val="bg1"/>
               </a:solidFill>
@@ -6329,20 +6579,65 @@
             </a:endParaRPr>
           </a:p>
           <a:p>
-            <a:pPr marL="742950" lvl="1" indent="-285750">
-              <a:buFont typeface="Arial" panose="020B0604020202020204" pitchFamily="34" charset="0"/>
-              <a:buChar char="•"/>
-            </a:pPr>
-            <a:r>
-              <a:rPr lang="" altLang="en-US" dirty="0">
+            <a:r>
+              <a:rPr lang="en-US" b="1" dirty="0">
                 <a:solidFill>
                   <a:schemeClr val="bg1"/>
                 </a:solidFill>
                 <a:latin typeface="Candara" panose="020E0502030303020204" pitchFamily="34" charset="0"/>
               </a:rPr>
-              <a:t>Distance metric: no implemented metric for the mixed.</a:t>
-            </a:r>
-            <a:endParaRPr lang="" altLang="en-US" dirty="0">
+              <a:t>Persona 3</a:t>
+            </a:r>
+            <a:r>
+              <a:rPr lang="en-US" dirty="0">
+                <a:solidFill>
+                  <a:schemeClr val="bg1"/>
+                </a:solidFill>
+                <a:latin typeface="Candara" panose="020E0502030303020204" pitchFamily="34" charset="0"/>
+              </a:rPr>
+              <a:t> – the </a:t>
+            </a:r>
+            <a:r>
+              <a:rPr lang="en-US" b="1" dirty="0">
+                <a:solidFill>
+                  <a:schemeClr val="bg1"/>
+                </a:solidFill>
+                <a:latin typeface="Candara" panose="020E0502030303020204" pitchFamily="34" charset="0"/>
+              </a:rPr>
+              <a:t>Youngest </a:t>
+            </a:r>
+            <a:r>
+              <a:rPr lang="en-US" dirty="0">
+                <a:solidFill>
+                  <a:schemeClr val="bg1"/>
+                </a:solidFill>
+                <a:latin typeface="Candara" panose="020E0502030303020204" pitchFamily="34" charset="0"/>
+              </a:rPr>
+              <a:t>but</a:t>
+            </a:r>
+            <a:r>
+              <a:rPr lang="en-US" b="1" dirty="0">
+                <a:solidFill>
+                  <a:schemeClr val="bg1"/>
+                </a:solidFill>
+                <a:latin typeface="Candara" panose="020E0502030303020204" pitchFamily="34" charset="0"/>
+              </a:rPr>
+              <a:t> Disappointed</a:t>
+            </a:r>
+          </a:p>
+          <a:p>
+            <a:r>
+              <a:rPr lang="en-US" dirty="0">
+                <a:solidFill>
+                  <a:schemeClr val="bg1"/>
+                </a:solidFill>
+                <a:latin typeface="Candara" panose="020E0502030303020204" pitchFamily="34" charset="0"/>
+              </a:rPr>
+              <a:t>Cluster 2, female, USA, faster, but worse in rank.</a:t>
+            </a:r>
+          </a:p>
+          <a:p>
+            <a:endParaRPr lang="en-US" dirty="0">
               <a:solidFill>
                 <a:schemeClr val="bg1"/>
               </a:solidFill>
@@ -6350,136 +6645,15 @@
             </a:endParaRPr>
           </a:p>
           <a:p>
-            <a:pPr marL="285750" indent="-285750">
-              <a:buFont typeface="Arial" panose="020B0604020202020204" pitchFamily="34" charset="0"/>
-              <a:buChar char="•"/>
-            </a:pPr>
-            <a:endParaRPr lang="" altLang="en-US" dirty="0">
-              <a:solidFill>
-                <a:schemeClr val="bg1"/>
-              </a:solidFill>
-              <a:latin typeface="Candara" panose="020E0502030303020204" pitchFamily="34" charset="0"/>
-            </a:endParaRPr>
-          </a:p>
-          <a:p>
-            <a:pPr marL="285750" indent="-285750">
-              <a:buFont typeface="Arial" panose="020B0604020202020204" pitchFamily="34" charset="0"/>
-              <a:buChar char="•"/>
-            </a:pPr>
-            <a:r>
-              <a:rPr lang="" altLang="en-US" dirty="0">
+            <a:r>
+              <a:rPr lang="en-US" dirty="0">
                 <a:solidFill>
                   <a:schemeClr val="bg1"/>
                 </a:solidFill>
                 <a:latin typeface="Candara" panose="020E0502030303020204" pitchFamily="34" charset="0"/>
               </a:rPr>
-              <a:t>Feature engineer:</a:t>
-            </a:r>
-            <a:endParaRPr lang="" altLang="en-US" dirty="0">
-              <a:solidFill>
-                <a:schemeClr val="bg1"/>
-              </a:solidFill>
-              <a:latin typeface="Candara" panose="020E0502030303020204" pitchFamily="34" charset="0"/>
-            </a:endParaRPr>
-          </a:p>
-          <a:p>
-            <a:pPr marL="742950" lvl="1" indent="-285750">
-              <a:buFont typeface="Arial" panose="020B0604020202020204" pitchFamily="34" charset="0"/>
-              <a:buChar char="•"/>
-            </a:pPr>
-            <a:r>
-              <a:rPr lang="" altLang="en-US" dirty="0">
-                <a:solidFill>
-                  <a:schemeClr val="bg1"/>
-                </a:solidFill>
-                <a:latin typeface="Candara" panose="020E0502030303020204" pitchFamily="34" charset="0"/>
-              </a:rPr>
-              <a:t>Alternatives for Onehot.</a:t>
-            </a:r>
-            <a:endParaRPr lang="" altLang="en-US" dirty="0">
-              <a:solidFill>
-                <a:schemeClr val="bg1"/>
-              </a:solidFill>
-              <a:latin typeface="Candara" panose="020E0502030303020204" pitchFamily="34" charset="0"/>
-            </a:endParaRPr>
-          </a:p>
-          <a:p>
-            <a:pPr marL="742950" lvl="1" indent="-285750">
-              <a:buFont typeface="Arial" panose="020B0604020202020204" pitchFamily="34" charset="0"/>
-              <a:buChar char="•"/>
-            </a:pPr>
-            <a:endParaRPr lang="" altLang="en-US" dirty="0">
-              <a:solidFill>
-                <a:schemeClr val="bg1"/>
-              </a:solidFill>
-              <a:latin typeface="Candara" panose="020E0502030303020204" pitchFamily="34" charset="0"/>
-            </a:endParaRPr>
-          </a:p>
-          <a:p>
-            <a:pPr marL="285750" lvl="0" indent="-285750">
-              <a:buFont typeface="Arial" panose="020B0604020202020204" pitchFamily="34" charset="0"/>
-              <a:buChar char="•"/>
-            </a:pPr>
-            <a:r>
-              <a:rPr lang="" altLang="en-US" dirty="0">
-                <a:solidFill>
-                  <a:schemeClr val="bg1"/>
-                </a:solidFill>
-                <a:latin typeface="Candara" panose="020E0502030303020204" pitchFamily="34" charset="0"/>
-              </a:rPr>
-              <a:t>The optimum k:</a:t>
-            </a:r>
-            <a:endParaRPr lang="" altLang="en-US" dirty="0">
-              <a:solidFill>
-                <a:schemeClr val="bg1"/>
-              </a:solidFill>
-              <a:latin typeface="Candara" panose="020E0502030303020204" pitchFamily="34" charset="0"/>
-            </a:endParaRPr>
-          </a:p>
-          <a:p>
-            <a:pPr marL="742950" lvl="1" indent="-285750">
-              <a:buFont typeface="Arial" panose="020B0604020202020204" pitchFamily="34" charset="0"/>
-              <a:buChar char="•"/>
-            </a:pPr>
-            <a:r>
-              <a:rPr lang="" altLang="en-US" dirty="0">
-                <a:solidFill>
-                  <a:schemeClr val="bg1"/>
-                </a:solidFill>
-                <a:latin typeface="Candara" panose="020E0502030303020204" pitchFamily="34" charset="0"/>
-              </a:rPr>
-              <a:t>Unable to tune for k-prototypes.</a:t>
-            </a:r>
-            <a:endParaRPr lang="" altLang="en-US" dirty="0">
-              <a:solidFill>
-                <a:schemeClr val="bg1"/>
-              </a:solidFill>
-              <a:latin typeface="Candara" panose="020E0502030303020204" pitchFamily="34" charset="0"/>
-            </a:endParaRPr>
-          </a:p>
-          <a:p>
-            <a:pPr marL="742950" lvl="1" indent="-285750">
-              <a:buFont typeface="Arial" panose="020B0604020202020204" pitchFamily="34" charset="0"/>
-              <a:buChar char="•"/>
-            </a:pPr>
-            <a:endParaRPr lang="" altLang="en-US" dirty="0">
-              <a:solidFill>
-                <a:schemeClr val="bg1"/>
-              </a:solidFill>
-              <a:latin typeface="Candara" panose="020E0502030303020204" pitchFamily="34" charset="0"/>
-            </a:endParaRPr>
-          </a:p>
-          <a:p>
-            <a:pPr marL="742950" lvl="1" indent="-285750">
-              <a:buFont typeface="Arial" panose="020B0604020202020204" pitchFamily="34" charset="0"/>
-              <a:buChar char="•"/>
-            </a:pPr>
-            <a:endParaRPr lang="" altLang="en-US" dirty="0">
-              <a:solidFill>
-                <a:schemeClr val="bg1"/>
-              </a:solidFill>
-              <a:latin typeface="Candara" panose="020E0502030303020204" pitchFamily="34" charset="0"/>
-            </a:endParaRPr>
+              <a:t>The rest– just normal.</a:t>
+            </a:r>
           </a:p>
         </p:txBody>
       </p:sp>
@@ -6742,6 +6916,8 @@
       </a:bgFillStyleLst>
     </a:fmtScheme>
   </a:themeElements>
+  <a:objectDefaults/>
+  <a:extraClrSchemeLst/>
   <a:extLst>
     <a:ext uri="{05A4C25C-085E-4340-85A3-A5531E510DB2}">
       <thm15:themeFamily xmlns:thm15="http://schemas.microsoft.com/office/thememl/2012/main" name="Office Theme" id="{62F939B6-93AF-4DB8-9C6B-D6C7DFDC589F}" vid="{4A3C46E8-61CC-4603-A589-7422A47A8E4A}"/>
@@ -7001,6 +7177,8 @@
       </a:bgFillStyleLst>
     </a:fmtScheme>
   </a:themeElements>
+  <a:objectDefaults/>
+  <a:extraClrSchemeLst/>
   <a:extLst>
     <a:ext uri="{05A4C25C-085E-4340-85A3-A5531E510DB2}">
       <thm15:themeFamily xmlns:thm15="http://schemas.microsoft.com/office/thememl/2012/main" name="Office Theme" id="{62F939B6-93AF-4DB8-9C6B-D6C7DFDC589F}" vid="{4A3C46E8-61CC-4603-A589-7422A47A8E4A}"/>
@@ -7260,6 +7438,8 @@
       </a:bgFillStyleLst>
     </a:fmtScheme>
   </a:themeElements>
+  <a:objectDefaults/>
+  <a:extraClrSchemeLst/>
   <a:extLst>
     <a:ext uri="{05A4C25C-085E-4340-85A3-A5531E510DB2}">
       <thm15:themeFamily xmlns:thm15="http://schemas.microsoft.com/office/thememl/2012/main" name="Office Theme" id="{62F939B6-93AF-4DB8-9C6B-D6C7DFDC589F}" vid="{4A3C46E8-61CC-4603-A589-7422A47A8E4A}"/>
